--- a/GITHUBスタートアップ/GITHUBセットアップの会.pptx
+++ b/GITHUBスタートアップ/GITHUBセットアップの会.pptx
@@ -5,7 +5,7 @@
     <p:sldMasterId id="2147483684" r:id="rId4"/>
   </p:sldMasterIdLst>
   <p:notesMasterIdLst>
-    <p:notesMasterId r:id="rId57"/>
+    <p:notesMasterId r:id="rId59"/>
   </p:notesMasterIdLst>
   <p:sldIdLst>
     <p:sldId id="331" r:id="rId5"/>
@@ -52,14 +52,16 @@
     <p:sldId id="349" r:id="rId46"/>
     <p:sldId id="350" r:id="rId47"/>
     <p:sldId id="351" r:id="rId48"/>
-    <p:sldId id="352" r:id="rId49"/>
-    <p:sldId id="353" r:id="rId50"/>
-    <p:sldId id="354" r:id="rId51"/>
-    <p:sldId id="355" r:id="rId52"/>
-    <p:sldId id="356" r:id="rId53"/>
-    <p:sldId id="357" r:id="rId54"/>
-    <p:sldId id="358" r:id="rId55"/>
-    <p:sldId id="359" r:id="rId56"/>
+    <p:sldId id="361" r:id="rId49"/>
+    <p:sldId id="362" r:id="rId50"/>
+    <p:sldId id="352" r:id="rId51"/>
+    <p:sldId id="353" r:id="rId52"/>
+    <p:sldId id="354" r:id="rId53"/>
+    <p:sldId id="355" r:id="rId54"/>
+    <p:sldId id="356" r:id="rId55"/>
+    <p:sldId id="357" r:id="rId56"/>
+    <p:sldId id="358" r:id="rId57"/>
+    <p:sldId id="359" r:id="rId58"/>
   </p:sldIdLst>
   <p:sldSz cx="12192000" cy="6858000"/>
   <p:notesSz cx="6858000" cy="9144000"/>
@@ -27499,10 +27501,6 @@
               </a:rPr>
               <a:t>作業：リポジトリの作成</a:t>
             </a:r>
-            <a:endParaRPr lang="ja-JP" altLang="en-US" sz="2000" b="1" dirty="0">
-              <a:latin typeface="+mj-lt"/>
-              <a:ea typeface="+mj-ea"/>
-            </a:endParaRPr>
           </a:p>
         </p:txBody>
       </p:sp>
@@ -27857,10 +27855,6 @@
               </a:rPr>
               <a:t>作業：リポジトリの作成</a:t>
             </a:r>
-            <a:endParaRPr lang="ja-JP" altLang="en-US" sz="2000" b="1" dirty="0">
-              <a:latin typeface="+mj-lt"/>
-              <a:ea typeface="+mj-ea"/>
-            </a:endParaRPr>
           </a:p>
         </p:txBody>
       </p:sp>
@@ -28164,10 +28158,6 @@
               </a:rPr>
               <a:t>作業：リポジトリの作成</a:t>
             </a:r>
-            <a:endParaRPr lang="ja-JP" altLang="en-US" sz="2000" b="1" dirty="0">
-              <a:latin typeface="+mj-lt"/>
-              <a:ea typeface="+mj-ea"/>
-            </a:endParaRPr>
           </a:p>
         </p:txBody>
       </p:sp>
@@ -28924,10 +28914,6 @@
               </a:rPr>
               <a:t>作業：リポジトリの作成</a:t>
             </a:r>
-            <a:endParaRPr lang="ja-JP" altLang="en-US" sz="2000" b="1" dirty="0">
-              <a:latin typeface="+mj-lt"/>
-              <a:ea typeface="+mj-ea"/>
-            </a:endParaRPr>
           </a:p>
         </p:txBody>
       </p:sp>
@@ -29297,10 +29283,6 @@
               </a:rPr>
               <a:t>の初期設定</a:t>
             </a:r>
-            <a:endParaRPr lang="ja-JP" altLang="en-US" sz="2000" b="1" dirty="0">
-              <a:latin typeface="+mj-lt"/>
-              <a:ea typeface="+mj-ea"/>
-            </a:endParaRPr>
           </a:p>
         </p:txBody>
       </p:sp>
@@ -29618,10 +29600,6 @@
               </a:rPr>
               <a:t>の初期設定</a:t>
             </a:r>
-            <a:endParaRPr lang="ja-JP" altLang="en-US" sz="2000" b="1" dirty="0">
-              <a:latin typeface="+mj-lt"/>
-              <a:ea typeface="+mj-ea"/>
-            </a:endParaRPr>
           </a:p>
         </p:txBody>
       </p:sp>
@@ -30001,10 +29979,6 @@
               </a:rPr>
               <a:t>の初期設定</a:t>
             </a:r>
-            <a:endParaRPr lang="ja-JP" altLang="en-US" sz="2000" b="1" dirty="0">
-              <a:latin typeface="+mj-lt"/>
-              <a:ea typeface="+mj-ea"/>
-            </a:endParaRPr>
           </a:p>
         </p:txBody>
       </p:sp>
@@ -30199,7 +30173,7 @@
         </p:nvSpPr>
         <p:spPr>
           <a:xfrm>
-            <a:off x="2858530" y="4010002"/>
+            <a:off x="2950894" y="3695966"/>
             <a:ext cx="518984" cy="364289"/>
           </a:xfrm>
           <a:prstGeom prst="rect">
@@ -30380,10 +30354,6 @@
               </a:rPr>
               <a:t>の初期設定</a:t>
             </a:r>
-            <a:endParaRPr lang="ja-JP" altLang="en-US" sz="2000" b="1" dirty="0">
-              <a:latin typeface="+mj-lt"/>
-              <a:ea typeface="+mj-ea"/>
-            </a:endParaRPr>
           </a:p>
         </p:txBody>
       </p:sp>
@@ -30758,10 +30728,6 @@
               </a:rPr>
               <a:t>の初期設定</a:t>
             </a:r>
-            <a:endParaRPr lang="ja-JP" altLang="en-US" sz="2000" b="1" dirty="0">
-              <a:latin typeface="+mj-lt"/>
-              <a:ea typeface="+mj-ea"/>
-            </a:endParaRPr>
           </a:p>
         </p:txBody>
       </p:sp>
@@ -30840,7 +30806,11 @@
           <a:p>
             <a:r>
               <a:rPr lang="ja-JP" altLang="en-US" dirty="0" smtClean="0"/>
-              <a:t>一応、招待メールの見方</a:t>
+              <a:t>招待</a:t>
+            </a:r>
+            <a:r>
+              <a:rPr lang="ja-JP" altLang="en-US" dirty="0" smtClean="0"/>
+              <a:t>メールの見方</a:t>
             </a:r>
             <a:endParaRPr kumimoji="1" lang="ja-JP" altLang="en-US" dirty="0"/>
           </a:p>
@@ -31185,15 +31155,7 @@
                   <a:srgbClr val="595959"/>
                 </a:solidFill>
               </a:rPr>
-              <a:t>show </a:t>
-            </a:r>
-            <a:r>
-              <a:rPr kumimoji="1" lang="en-US" altLang="ja-JP" dirty="0" smtClean="0">
-                <a:solidFill>
-                  <a:srgbClr val="595959"/>
-                </a:solidFill>
-              </a:rPr>
-              <a:t>in</a:t>
+              <a:t>show in</a:t>
             </a:r>
             <a:r>
               <a:rPr kumimoji="1" lang="ja-JP" altLang="en-US" dirty="0" smtClean="0">
@@ -31439,10 +31401,6 @@
               </a:rPr>
               <a:t>の初期設定</a:t>
             </a:r>
-            <a:endParaRPr lang="ja-JP" altLang="en-US" sz="2000" b="1" dirty="0">
-              <a:latin typeface="+mj-lt"/>
-              <a:ea typeface="+mj-ea"/>
-            </a:endParaRPr>
           </a:p>
         </p:txBody>
       </p:sp>
@@ -31806,10 +31764,6 @@
               </a:rPr>
               <a:t>！</a:t>
             </a:r>
-            <a:endParaRPr lang="ja-JP" altLang="en-US" sz="2000" b="1" dirty="0">
-              <a:latin typeface="+mj-lt"/>
-              <a:ea typeface="+mj-ea"/>
-            </a:endParaRPr>
           </a:p>
         </p:txBody>
       </p:sp>
@@ -32283,10 +32237,6 @@
               </a:rPr>
               <a:t>！</a:t>
             </a:r>
-            <a:endParaRPr lang="ja-JP" altLang="en-US" sz="2000" b="1" dirty="0">
-              <a:latin typeface="+mj-lt"/>
-              <a:ea typeface="+mj-ea"/>
-            </a:endParaRPr>
           </a:p>
         </p:txBody>
       </p:sp>
@@ -32572,10 +32522,6 @@
               </a:rPr>
               <a:t>！</a:t>
             </a:r>
-            <a:endParaRPr lang="ja-JP" altLang="en-US" sz="2000" b="1" dirty="0">
-              <a:latin typeface="+mj-lt"/>
-              <a:ea typeface="+mj-ea"/>
-            </a:endParaRPr>
           </a:p>
         </p:txBody>
       </p:sp>
@@ -32616,6 +32562,552 @@
 </file>
 
 <file path=ppt/slides/slide45.xml><?xml version="1.0" encoding="utf-8"?>
+<p:sld xmlns:a="http://schemas.openxmlformats.org/drawingml/2006/main" xmlns:r="http://schemas.openxmlformats.org/officeDocument/2006/relationships" xmlns:p="http://schemas.openxmlformats.org/presentationml/2006/main">
+  <p:cSld>
+    <p:spTree>
+      <p:nvGrpSpPr>
+        <p:cNvPr id="1" name=""/>
+        <p:cNvGrpSpPr/>
+        <p:nvPr/>
+      </p:nvGrpSpPr>
+      <p:grpSpPr>
+        <a:xfrm>
+          <a:off x="0" y="0"/>
+          <a:ext cx="0" cy="0"/>
+          <a:chOff x="0" y="0"/>
+          <a:chExt cx="0" cy="0"/>
+        </a:xfrm>
+      </p:grpSpPr>
+      <p:sp>
+        <p:nvSpPr>
+          <p:cNvPr id="3" name="コンテンツ プレースホルダー 2"/>
+          <p:cNvSpPr>
+            <a:spLocks noGrp="1"/>
+          </p:cNvSpPr>
+          <p:nvPr>
+            <p:ph idx="1"/>
+          </p:nvPr>
+        </p:nvSpPr>
+        <p:spPr>
+          <a:xfrm>
+            <a:off x="559143" y="5560541"/>
+            <a:ext cx="11073714" cy="1083080"/>
+          </a:xfrm>
+        </p:spPr>
+        <p:txBody>
+          <a:bodyPr>
+            <a:noAutofit/>
+          </a:bodyPr>
+          <a:lstStyle/>
+          <a:p>
+            <a:pPr marL="0" indent="0">
+              <a:buNone/>
+            </a:pPr>
+            <a:r>
+              <a:rPr lang="ja-JP" altLang="en-US" dirty="0" smtClean="0"/>
+              <a:t>ファイルを保存後、</a:t>
+            </a:r>
+            <a:r>
+              <a:rPr lang="en-US" altLang="ja-JP" dirty="0" err="1" smtClean="0"/>
+              <a:t>GitHubDesktop</a:t>
+            </a:r>
+            <a:r>
+              <a:rPr lang="ja-JP" altLang="en-US" dirty="0" smtClean="0"/>
+              <a:t>へ戻るとステージングエリアへの登録が自動で行われているのが確認できます。</a:t>
+            </a:r>
+            <a:endParaRPr lang="en-US" altLang="ja-JP" dirty="0" smtClean="0"/>
+          </a:p>
+        </p:txBody>
+      </p:sp>
+      <p:sp>
+        <p:nvSpPr>
+          <p:cNvPr id="7" name="テキスト プレースホルダー 2"/>
+          <p:cNvSpPr txBox="1">
+            <a:spLocks/>
+          </p:cNvSpPr>
+          <p:nvPr/>
+        </p:nvSpPr>
+        <p:spPr>
+          <a:xfrm>
+            <a:off x="0" y="0"/>
+            <a:ext cx="12192000" cy="544530"/>
+          </a:xfrm>
+          <a:prstGeom prst="rect">
+            <a:avLst/>
+          </a:prstGeom>
+          <a:solidFill>
+            <a:schemeClr val="tx1">
+              <a:lumMod val="65000"/>
+              <a:lumOff val="35000"/>
+            </a:schemeClr>
+          </a:solidFill>
+        </p:spPr>
+        <p:txBody>
+          <a:bodyPr vert="horz" lIns="360000" tIns="72000" rIns="0" bIns="0" rtlCol="0" anchor="ctr"/>
+          <a:lstStyle>
+            <a:defPPr>
+              <a:defRPr lang="ja-JP"/>
+            </a:defPPr>
+            <a:lvl1pPr marL="0" algn="ctr" defTabSz="914400" rtl="0" eaLnBrk="1" latinLnBrk="0" hangingPunct="1">
+              <a:defRPr kumimoji="1" sz="1800" kern="1200">
+                <a:solidFill>
+                  <a:schemeClr val="bg1"/>
+                </a:solidFill>
+                <a:latin typeface="+mn-ea"/>
+                <a:ea typeface="+mn-ea"/>
+                <a:cs typeface="+mn-cs"/>
+              </a:defRPr>
+            </a:lvl1pPr>
+            <a:lvl2pPr marL="457200" algn="l" defTabSz="914400" rtl="0" eaLnBrk="1" latinLnBrk="0" hangingPunct="1">
+              <a:defRPr kumimoji="1" sz="1800" kern="1200">
+                <a:solidFill>
+                  <a:schemeClr val="tx1"/>
+                </a:solidFill>
+                <a:latin typeface="+mn-lt"/>
+                <a:ea typeface="+mn-ea"/>
+                <a:cs typeface="+mn-cs"/>
+              </a:defRPr>
+            </a:lvl2pPr>
+            <a:lvl3pPr marL="914400" algn="l" defTabSz="914400" rtl="0" eaLnBrk="1" latinLnBrk="0" hangingPunct="1">
+              <a:defRPr kumimoji="1" sz="1800" kern="1200">
+                <a:solidFill>
+                  <a:schemeClr val="tx1"/>
+                </a:solidFill>
+                <a:latin typeface="+mn-lt"/>
+                <a:ea typeface="+mn-ea"/>
+                <a:cs typeface="+mn-cs"/>
+              </a:defRPr>
+            </a:lvl3pPr>
+            <a:lvl4pPr marL="1371600" algn="l" defTabSz="914400" rtl="0" eaLnBrk="1" latinLnBrk="0" hangingPunct="1">
+              <a:defRPr kumimoji="1" sz="1800" kern="1200">
+                <a:solidFill>
+                  <a:schemeClr val="tx1"/>
+                </a:solidFill>
+                <a:latin typeface="+mn-lt"/>
+                <a:ea typeface="+mn-ea"/>
+                <a:cs typeface="+mn-cs"/>
+              </a:defRPr>
+            </a:lvl4pPr>
+            <a:lvl5pPr marL="1828800" algn="l" defTabSz="914400" rtl="0" eaLnBrk="1" latinLnBrk="0" hangingPunct="1">
+              <a:defRPr kumimoji="1" sz="1800" kern="1200">
+                <a:solidFill>
+                  <a:schemeClr val="tx1"/>
+                </a:solidFill>
+                <a:latin typeface="+mn-lt"/>
+                <a:ea typeface="+mn-ea"/>
+                <a:cs typeface="+mn-cs"/>
+              </a:defRPr>
+            </a:lvl5pPr>
+            <a:lvl6pPr marL="2286000" algn="l" defTabSz="914400" rtl="0" eaLnBrk="1" latinLnBrk="0" hangingPunct="1">
+              <a:defRPr kumimoji="1" sz="1800" kern="1200">
+                <a:solidFill>
+                  <a:schemeClr val="tx1"/>
+                </a:solidFill>
+                <a:latin typeface="+mn-lt"/>
+                <a:ea typeface="+mn-ea"/>
+                <a:cs typeface="+mn-cs"/>
+              </a:defRPr>
+            </a:lvl6pPr>
+            <a:lvl7pPr marL="2743200" algn="l" defTabSz="914400" rtl="0" eaLnBrk="1" latinLnBrk="0" hangingPunct="1">
+              <a:defRPr kumimoji="1" sz="1800" kern="1200">
+                <a:solidFill>
+                  <a:schemeClr val="tx1"/>
+                </a:solidFill>
+                <a:latin typeface="+mn-lt"/>
+                <a:ea typeface="+mn-ea"/>
+                <a:cs typeface="+mn-cs"/>
+              </a:defRPr>
+            </a:lvl7pPr>
+            <a:lvl8pPr marL="3200400" algn="l" defTabSz="914400" rtl="0" eaLnBrk="1" latinLnBrk="0" hangingPunct="1">
+              <a:defRPr kumimoji="1" sz="1800" kern="1200">
+                <a:solidFill>
+                  <a:schemeClr val="tx1"/>
+                </a:solidFill>
+                <a:latin typeface="+mn-lt"/>
+                <a:ea typeface="+mn-ea"/>
+                <a:cs typeface="+mn-cs"/>
+              </a:defRPr>
+            </a:lvl8pPr>
+            <a:lvl9pPr marL="3657600" algn="l" defTabSz="914400" rtl="0" eaLnBrk="1" latinLnBrk="0" hangingPunct="1">
+              <a:defRPr kumimoji="1" sz="1800" kern="1200">
+                <a:solidFill>
+                  <a:schemeClr val="tx1"/>
+                </a:solidFill>
+                <a:latin typeface="+mn-lt"/>
+                <a:ea typeface="+mn-ea"/>
+                <a:cs typeface="+mn-cs"/>
+              </a:defRPr>
+            </a:lvl9pPr>
+          </a:lstStyle>
+          <a:p>
+            <a:pPr algn="l"/>
+            <a:r>
+              <a:rPr lang="ja-JP" altLang="en-US" sz="2000" b="1" dirty="0" smtClean="0">
+                <a:latin typeface="+mj-lt"/>
+                <a:ea typeface="+mj-ea"/>
+              </a:rPr>
+              <a:t>作業</a:t>
+            </a:r>
+            <a:r>
+              <a:rPr lang="ja-JP" altLang="en-US" sz="2000" b="1" dirty="0">
+                <a:latin typeface="+mj-lt"/>
+                <a:ea typeface="+mj-ea"/>
+              </a:rPr>
+              <a:t>：</a:t>
+            </a:r>
+            <a:r>
+              <a:rPr lang="en-US" altLang="ja-JP" sz="2000" b="1" dirty="0">
+                <a:latin typeface="+mj-lt"/>
+                <a:ea typeface="+mj-ea"/>
+              </a:rPr>
+              <a:t>GitHub Desktop</a:t>
+            </a:r>
+            <a:r>
+              <a:rPr lang="ja-JP" altLang="en-US" sz="2000" b="1" dirty="0">
+                <a:latin typeface="+mj-lt"/>
+                <a:ea typeface="+mj-ea"/>
+              </a:rPr>
+              <a:t>で初めての</a:t>
+            </a:r>
+            <a:r>
+              <a:rPr lang="en-US" altLang="ja-JP" sz="2000" b="1" dirty="0">
+                <a:latin typeface="+mj-lt"/>
+                <a:ea typeface="+mj-ea"/>
+              </a:rPr>
+              <a:t>PUSH</a:t>
+            </a:r>
+            <a:r>
+              <a:rPr lang="ja-JP" altLang="en-US" sz="2000" b="1" dirty="0">
+                <a:latin typeface="+mj-lt"/>
+                <a:ea typeface="+mj-ea"/>
+              </a:rPr>
+              <a:t>！</a:t>
+            </a:r>
+          </a:p>
+        </p:txBody>
+      </p:sp>
+      <p:sp>
+        <p:nvSpPr>
+          <p:cNvPr id="5" name="スライド番号プレースホルダー 4"/>
+          <p:cNvSpPr>
+            <a:spLocks noGrp="1"/>
+          </p:cNvSpPr>
+          <p:nvPr>
+            <p:ph type="sldNum" sz="quarter" idx="12"/>
+          </p:nvPr>
+        </p:nvSpPr>
+        <p:spPr/>
+        <p:txBody>
+          <a:bodyPr/>
+          <a:lstStyle/>
+          <a:p>
+            <a:fld id="{7C6CB327-4739-40F7-91EE-F964CF852706}" type="slidenum">
+              <a:rPr kumimoji="1" lang="ja-JP" altLang="en-US" smtClean="0"/>
+              <a:t>44</a:t>
+            </a:fld>
+            <a:endParaRPr kumimoji="1" lang="ja-JP" altLang="en-US" dirty="0"/>
+          </a:p>
+        </p:txBody>
+      </p:sp>
+      <p:pic>
+        <p:nvPicPr>
+          <p:cNvPr id="2" name="図 1"/>
+          <p:cNvPicPr>
+            <a:picLocks noChangeAspect="1"/>
+          </p:cNvPicPr>
+          <p:nvPr/>
+        </p:nvPicPr>
+        <p:blipFill>
+          <a:blip r:embed="rId2"/>
+          <a:stretch>
+            <a:fillRect/>
+          </a:stretch>
+        </p:blipFill>
+        <p:spPr>
+          <a:xfrm>
+            <a:off x="4133576" y="1156796"/>
+            <a:ext cx="3924848" cy="3791479"/>
+          </a:xfrm>
+          <a:prstGeom prst="rect">
+            <a:avLst/>
+          </a:prstGeom>
+        </p:spPr>
+      </p:pic>
+    </p:spTree>
+    <p:extLst>
+      <p:ext uri="{BB962C8B-B14F-4D97-AF65-F5344CB8AC3E}">
+        <p14:creationId xmlns:p14="http://schemas.microsoft.com/office/powerpoint/2010/main" val="328750731"/>
+      </p:ext>
+    </p:extLst>
+  </p:cSld>
+  <p:clrMapOvr>
+    <a:masterClrMapping/>
+  </p:clrMapOvr>
+</p:sld>
+</file>
+
+<file path=ppt/slides/slide46.xml><?xml version="1.0" encoding="utf-8"?>
+<p:sld xmlns:a="http://schemas.openxmlformats.org/drawingml/2006/main" xmlns:r="http://schemas.openxmlformats.org/officeDocument/2006/relationships" xmlns:p="http://schemas.openxmlformats.org/presentationml/2006/main">
+  <p:cSld>
+    <p:spTree>
+      <p:nvGrpSpPr>
+        <p:cNvPr id="1" name=""/>
+        <p:cNvGrpSpPr/>
+        <p:nvPr/>
+      </p:nvGrpSpPr>
+      <p:grpSpPr>
+        <a:xfrm>
+          <a:off x="0" y="0"/>
+          <a:ext cx="0" cy="0"/>
+          <a:chOff x="0" y="0"/>
+          <a:chExt cx="0" cy="0"/>
+        </a:xfrm>
+      </p:grpSpPr>
+      <p:sp>
+        <p:nvSpPr>
+          <p:cNvPr id="3" name="コンテンツ プレースホルダー 2"/>
+          <p:cNvSpPr>
+            <a:spLocks noGrp="1"/>
+          </p:cNvSpPr>
+          <p:nvPr>
+            <p:ph idx="1"/>
+          </p:nvPr>
+        </p:nvSpPr>
+        <p:spPr>
+          <a:xfrm>
+            <a:off x="559143" y="5560541"/>
+            <a:ext cx="11073714" cy="1083080"/>
+          </a:xfrm>
+        </p:spPr>
+        <p:txBody>
+          <a:bodyPr>
+            <a:noAutofit/>
+          </a:bodyPr>
+          <a:lstStyle/>
+          <a:p>
+            <a:pPr marL="0" indent="0">
+              <a:buNone/>
+            </a:pPr>
+            <a:r>
+              <a:rPr lang="ja-JP" altLang="en-US" dirty="0" smtClean="0"/>
+              <a:t>ファイルを保存後、</a:t>
+            </a:r>
+            <a:r>
+              <a:rPr lang="en-US" altLang="ja-JP" dirty="0" err="1" smtClean="0"/>
+              <a:t>GitHubDesktop</a:t>
+            </a:r>
+            <a:r>
+              <a:rPr lang="ja-JP" altLang="en-US" dirty="0" smtClean="0"/>
+              <a:t>へ戻るとステージングエリアへの登録が自動で行われているのが確認できます。</a:t>
+            </a:r>
+            <a:endParaRPr lang="en-US" altLang="ja-JP" dirty="0" smtClean="0"/>
+          </a:p>
+        </p:txBody>
+      </p:sp>
+      <p:sp>
+        <p:nvSpPr>
+          <p:cNvPr id="7" name="テキスト プレースホルダー 2"/>
+          <p:cNvSpPr txBox="1">
+            <a:spLocks/>
+          </p:cNvSpPr>
+          <p:nvPr/>
+        </p:nvSpPr>
+        <p:spPr>
+          <a:xfrm>
+            <a:off x="0" y="0"/>
+            <a:ext cx="12192000" cy="544530"/>
+          </a:xfrm>
+          <a:prstGeom prst="rect">
+            <a:avLst/>
+          </a:prstGeom>
+          <a:solidFill>
+            <a:schemeClr val="tx1">
+              <a:lumMod val="65000"/>
+              <a:lumOff val="35000"/>
+            </a:schemeClr>
+          </a:solidFill>
+        </p:spPr>
+        <p:txBody>
+          <a:bodyPr vert="horz" lIns="360000" tIns="72000" rIns="0" bIns="0" rtlCol="0" anchor="ctr"/>
+          <a:lstStyle>
+            <a:defPPr>
+              <a:defRPr lang="ja-JP"/>
+            </a:defPPr>
+            <a:lvl1pPr marL="0" algn="ctr" defTabSz="914400" rtl="0" eaLnBrk="1" latinLnBrk="0" hangingPunct="1">
+              <a:defRPr kumimoji="1" sz="1800" kern="1200">
+                <a:solidFill>
+                  <a:schemeClr val="bg1"/>
+                </a:solidFill>
+                <a:latin typeface="+mn-ea"/>
+                <a:ea typeface="+mn-ea"/>
+                <a:cs typeface="+mn-cs"/>
+              </a:defRPr>
+            </a:lvl1pPr>
+            <a:lvl2pPr marL="457200" algn="l" defTabSz="914400" rtl="0" eaLnBrk="1" latinLnBrk="0" hangingPunct="1">
+              <a:defRPr kumimoji="1" sz="1800" kern="1200">
+                <a:solidFill>
+                  <a:schemeClr val="tx1"/>
+                </a:solidFill>
+                <a:latin typeface="+mn-lt"/>
+                <a:ea typeface="+mn-ea"/>
+                <a:cs typeface="+mn-cs"/>
+              </a:defRPr>
+            </a:lvl2pPr>
+            <a:lvl3pPr marL="914400" algn="l" defTabSz="914400" rtl="0" eaLnBrk="1" latinLnBrk="0" hangingPunct="1">
+              <a:defRPr kumimoji="1" sz="1800" kern="1200">
+                <a:solidFill>
+                  <a:schemeClr val="tx1"/>
+                </a:solidFill>
+                <a:latin typeface="+mn-lt"/>
+                <a:ea typeface="+mn-ea"/>
+                <a:cs typeface="+mn-cs"/>
+              </a:defRPr>
+            </a:lvl3pPr>
+            <a:lvl4pPr marL="1371600" algn="l" defTabSz="914400" rtl="0" eaLnBrk="1" latinLnBrk="0" hangingPunct="1">
+              <a:defRPr kumimoji="1" sz="1800" kern="1200">
+                <a:solidFill>
+                  <a:schemeClr val="tx1"/>
+                </a:solidFill>
+                <a:latin typeface="+mn-lt"/>
+                <a:ea typeface="+mn-ea"/>
+                <a:cs typeface="+mn-cs"/>
+              </a:defRPr>
+            </a:lvl4pPr>
+            <a:lvl5pPr marL="1828800" algn="l" defTabSz="914400" rtl="0" eaLnBrk="1" latinLnBrk="0" hangingPunct="1">
+              <a:defRPr kumimoji="1" sz="1800" kern="1200">
+                <a:solidFill>
+                  <a:schemeClr val="tx1"/>
+                </a:solidFill>
+                <a:latin typeface="+mn-lt"/>
+                <a:ea typeface="+mn-ea"/>
+                <a:cs typeface="+mn-cs"/>
+              </a:defRPr>
+            </a:lvl5pPr>
+            <a:lvl6pPr marL="2286000" algn="l" defTabSz="914400" rtl="0" eaLnBrk="1" latinLnBrk="0" hangingPunct="1">
+              <a:defRPr kumimoji="1" sz="1800" kern="1200">
+                <a:solidFill>
+                  <a:schemeClr val="tx1"/>
+                </a:solidFill>
+                <a:latin typeface="+mn-lt"/>
+                <a:ea typeface="+mn-ea"/>
+                <a:cs typeface="+mn-cs"/>
+              </a:defRPr>
+            </a:lvl6pPr>
+            <a:lvl7pPr marL="2743200" algn="l" defTabSz="914400" rtl="0" eaLnBrk="1" latinLnBrk="0" hangingPunct="1">
+              <a:defRPr kumimoji="1" sz="1800" kern="1200">
+                <a:solidFill>
+                  <a:schemeClr val="tx1"/>
+                </a:solidFill>
+                <a:latin typeface="+mn-lt"/>
+                <a:ea typeface="+mn-ea"/>
+                <a:cs typeface="+mn-cs"/>
+              </a:defRPr>
+            </a:lvl7pPr>
+            <a:lvl8pPr marL="3200400" algn="l" defTabSz="914400" rtl="0" eaLnBrk="1" latinLnBrk="0" hangingPunct="1">
+              <a:defRPr kumimoji="1" sz="1800" kern="1200">
+                <a:solidFill>
+                  <a:schemeClr val="tx1"/>
+                </a:solidFill>
+                <a:latin typeface="+mn-lt"/>
+                <a:ea typeface="+mn-ea"/>
+                <a:cs typeface="+mn-cs"/>
+              </a:defRPr>
+            </a:lvl8pPr>
+            <a:lvl9pPr marL="3657600" algn="l" defTabSz="914400" rtl="0" eaLnBrk="1" latinLnBrk="0" hangingPunct="1">
+              <a:defRPr kumimoji="1" sz="1800" kern="1200">
+                <a:solidFill>
+                  <a:schemeClr val="tx1"/>
+                </a:solidFill>
+                <a:latin typeface="+mn-lt"/>
+                <a:ea typeface="+mn-ea"/>
+                <a:cs typeface="+mn-cs"/>
+              </a:defRPr>
+            </a:lvl9pPr>
+          </a:lstStyle>
+          <a:p>
+            <a:pPr algn="l"/>
+            <a:r>
+              <a:rPr lang="ja-JP" altLang="en-US" sz="2000" b="1" dirty="0" smtClean="0">
+                <a:latin typeface="+mj-lt"/>
+                <a:ea typeface="+mj-ea"/>
+              </a:rPr>
+              <a:t>作業</a:t>
+            </a:r>
+            <a:r>
+              <a:rPr lang="ja-JP" altLang="en-US" sz="2000" b="1" dirty="0">
+                <a:latin typeface="+mj-lt"/>
+                <a:ea typeface="+mj-ea"/>
+              </a:rPr>
+              <a:t>：</a:t>
+            </a:r>
+            <a:r>
+              <a:rPr lang="en-US" altLang="ja-JP" sz="2000" b="1" dirty="0">
+                <a:latin typeface="+mj-lt"/>
+                <a:ea typeface="+mj-ea"/>
+              </a:rPr>
+              <a:t>GitHub Desktop</a:t>
+            </a:r>
+            <a:r>
+              <a:rPr lang="ja-JP" altLang="en-US" sz="2000" b="1" dirty="0">
+                <a:latin typeface="+mj-lt"/>
+                <a:ea typeface="+mj-ea"/>
+              </a:rPr>
+              <a:t>で初めての</a:t>
+            </a:r>
+            <a:r>
+              <a:rPr lang="en-US" altLang="ja-JP" sz="2000" b="1" dirty="0">
+                <a:latin typeface="+mj-lt"/>
+                <a:ea typeface="+mj-ea"/>
+              </a:rPr>
+              <a:t>PUSH</a:t>
+            </a:r>
+            <a:r>
+              <a:rPr lang="ja-JP" altLang="en-US" sz="2000" b="1" dirty="0">
+                <a:latin typeface="+mj-lt"/>
+                <a:ea typeface="+mj-ea"/>
+              </a:rPr>
+              <a:t>！</a:t>
+            </a:r>
+          </a:p>
+        </p:txBody>
+      </p:sp>
+      <p:sp>
+        <p:nvSpPr>
+          <p:cNvPr id="5" name="スライド番号プレースホルダー 4"/>
+          <p:cNvSpPr>
+            <a:spLocks noGrp="1"/>
+          </p:cNvSpPr>
+          <p:nvPr>
+            <p:ph type="sldNum" sz="quarter" idx="12"/>
+          </p:nvPr>
+        </p:nvSpPr>
+        <p:spPr/>
+        <p:txBody>
+          <a:bodyPr/>
+          <a:lstStyle/>
+          <a:p>
+            <a:fld id="{7C6CB327-4739-40F7-91EE-F964CF852706}" type="slidenum">
+              <a:rPr kumimoji="1" lang="ja-JP" altLang="en-US" smtClean="0"/>
+              <a:t>45</a:t>
+            </a:fld>
+            <a:endParaRPr kumimoji="1" lang="ja-JP" altLang="en-US" dirty="0"/>
+          </a:p>
+        </p:txBody>
+      </p:sp>
+    </p:spTree>
+    <p:extLst>
+      <p:ext uri="{BB962C8B-B14F-4D97-AF65-F5344CB8AC3E}">
+        <p14:creationId xmlns:p14="http://schemas.microsoft.com/office/powerpoint/2010/main" val="4068292435"/>
+      </p:ext>
+    </p:extLst>
+  </p:cSld>
+  <p:clrMapOvr>
+    <a:masterClrMapping/>
+  </p:clrMapOvr>
+</p:sld>
+</file>
+
+<file path=ppt/slides/slide47.xml><?xml version="1.0" encoding="utf-8"?>
 <p:sld xmlns:a="http://schemas.openxmlformats.org/drawingml/2006/main" xmlns:r="http://schemas.openxmlformats.org/officeDocument/2006/relationships" xmlns:p="http://schemas.openxmlformats.org/presentationml/2006/main">
   <p:cSld>
     <p:spTree>
@@ -33168,7 +33660,7 @@
           <a:p>
             <a:fld id="{7C6CB327-4739-40F7-91EE-F964CF852706}" type="slidenum">
               <a:rPr kumimoji="1" lang="ja-JP" altLang="en-US" smtClean="0"/>
-              <a:t>44</a:t>
+              <a:t>46</a:t>
             </a:fld>
             <a:endParaRPr kumimoji="1" lang="ja-JP" altLang="en-US" dirty="0"/>
           </a:p>
@@ -33187,7 +33679,7 @@
 </p:sld>
 </file>
 
-<file path=ppt/slides/slide46.xml><?xml version="1.0" encoding="utf-8"?>
+<file path=ppt/slides/slide48.xml><?xml version="1.0" encoding="utf-8"?>
 <p:sld xmlns:a="http://schemas.openxmlformats.org/drawingml/2006/main" xmlns:r="http://schemas.openxmlformats.org/officeDocument/2006/relationships" xmlns:p="http://schemas.openxmlformats.org/presentationml/2006/main">
   <p:cSld>
     <p:spTree>
@@ -33395,7 +33887,7 @@
           <a:p>
             <a:fld id="{7C6CB327-4739-40F7-91EE-F964CF852706}" type="slidenum">
               <a:rPr kumimoji="1" lang="ja-JP" altLang="en-US" smtClean="0"/>
-              <a:t>45</a:t>
+              <a:t>47</a:t>
             </a:fld>
             <a:endParaRPr kumimoji="1" lang="ja-JP" altLang="en-US" dirty="0"/>
           </a:p>
@@ -33414,7 +33906,7 @@
 </p:sld>
 </file>
 
-<file path=ppt/slides/slide47.xml><?xml version="1.0" encoding="utf-8"?>
+<file path=ppt/slides/slide49.xml><?xml version="1.0" encoding="utf-8"?>
 <p:sld xmlns:a="http://schemas.openxmlformats.org/drawingml/2006/main" xmlns:r="http://schemas.openxmlformats.org/officeDocument/2006/relationships" xmlns:p="http://schemas.openxmlformats.org/presentationml/2006/main">
   <p:cSld>
     <p:spTree>
@@ -33589,7 +34081,7 @@
           <a:p>
             <a:fld id="{7C6CB327-4739-40F7-91EE-F964CF852706}" type="slidenum">
               <a:rPr kumimoji="1" lang="ja-JP" altLang="en-US" smtClean="0"/>
-              <a:t>46</a:t>
+              <a:t>48</a:t>
             </a:fld>
             <a:endParaRPr kumimoji="1" lang="ja-JP" altLang="en-US" dirty="0"/>
           </a:p>
@@ -33599,371 +34091,6 @@
     <p:extLst>
       <p:ext uri="{BB962C8B-B14F-4D97-AF65-F5344CB8AC3E}">
         <p14:creationId xmlns:p14="http://schemas.microsoft.com/office/powerpoint/2010/main" val="4122138933"/>
-      </p:ext>
-    </p:extLst>
-  </p:cSld>
-  <p:clrMapOvr>
-    <a:masterClrMapping/>
-  </p:clrMapOvr>
-</p:sld>
-</file>
-
-<file path=ppt/slides/slide48.xml><?xml version="1.0" encoding="utf-8"?>
-<p:sld xmlns:a="http://schemas.openxmlformats.org/drawingml/2006/main" xmlns:r="http://schemas.openxmlformats.org/officeDocument/2006/relationships" xmlns:p="http://schemas.openxmlformats.org/presentationml/2006/main">
-  <p:cSld>
-    <p:spTree>
-      <p:nvGrpSpPr>
-        <p:cNvPr id="1" name=""/>
-        <p:cNvGrpSpPr/>
-        <p:nvPr/>
-      </p:nvGrpSpPr>
-      <p:grpSpPr>
-        <a:xfrm>
-          <a:off x="0" y="0"/>
-          <a:ext cx="0" cy="0"/>
-          <a:chOff x="0" y="0"/>
-          <a:chExt cx="0" cy="0"/>
-        </a:xfrm>
-      </p:grpSpPr>
-      <p:sp>
-        <p:nvSpPr>
-          <p:cNvPr id="2" name="タイトル 1"/>
-          <p:cNvSpPr>
-            <a:spLocks noGrp="1"/>
-          </p:cNvSpPr>
-          <p:nvPr>
-            <p:ph type="title"/>
-          </p:nvPr>
-        </p:nvSpPr>
-        <p:spPr>
-          <a:xfrm>
-            <a:off x="838200" y="150941"/>
-            <a:ext cx="10515600" cy="1325563"/>
-          </a:xfrm>
-        </p:spPr>
-        <p:txBody>
-          <a:bodyPr/>
-          <a:lstStyle/>
-          <a:p>
-            <a:r>
-              <a:rPr lang="ja-JP" altLang="en-US" dirty="0" smtClean="0"/>
-              <a:t>おまけ：変更前のファイルに戻す</a:t>
-            </a:r>
-            <a:endParaRPr lang="en-US" altLang="ja-JP" dirty="0"/>
-          </a:p>
-        </p:txBody>
-      </p:sp>
-      <p:sp>
-        <p:nvSpPr>
-          <p:cNvPr id="4" name="コンテンツ プレースホルダー 3"/>
-          <p:cNvSpPr>
-            <a:spLocks noGrp="1"/>
-          </p:cNvSpPr>
-          <p:nvPr>
-            <p:ph idx="1"/>
-          </p:nvPr>
-        </p:nvSpPr>
-        <p:spPr>
-          <a:xfrm>
-            <a:off x="570471" y="5351945"/>
-            <a:ext cx="10783329" cy="1079158"/>
-          </a:xfrm>
-        </p:spPr>
-        <p:txBody>
-          <a:bodyPr>
-            <a:normAutofit/>
-          </a:bodyPr>
-          <a:lstStyle/>
-          <a:p>
-            <a:pPr marL="0" indent="0" algn="ctr">
-              <a:buNone/>
-            </a:pPr>
-            <a:r>
-              <a:rPr kumimoji="1" lang="ja-JP" altLang="en-US" sz="3200" dirty="0" smtClean="0"/>
-              <a:t>タグ付けやコマンドラインなど複数やり方がありますが</a:t>
-            </a:r>
-            <a:r>
-              <a:rPr kumimoji="1" lang="en-US" altLang="ja-JP" sz="3200" dirty="0" smtClean="0"/>
-              <a:t/>
-            </a:r>
-            <a:br>
-              <a:rPr kumimoji="1" lang="en-US" altLang="ja-JP" sz="3200" dirty="0" smtClean="0"/>
-            </a:br>
-            <a:r>
-              <a:rPr kumimoji="1" lang="ja-JP" altLang="en-US" sz="3200" dirty="0" smtClean="0"/>
-              <a:t>一番簡単な方法で紹介します。</a:t>
-            </a:r>
-            <a:endParaRPr kumimoji="1" lang="ja-JP" altLang="en-US" sz="3200" dirty="0"/>
-          </a:p>
-        </p:txBody>
-      </p:sp>
-      <p:pic>
-        <p:nvPicPr>
-          <p:cNvPr id="2050" name="Picture 2" descr="ソース画像を表示"/>
-          <p:cNvPicPr>
-            <a:picLocks noChangeAspect="1" noChangeArrowheads="1"/>
-          </p:cNvPicPr>
-          <p:nvPr/>
-        </p:nvPicPr>
-        <p:blipFill>
-          <a:blip r:embed="rId2">
-            <a:extLst>
-              <a:ext uri="{28A0092B-C50C-407E-A947-70E740481C1C}">
-                <a14:useLocalDpi xmlns:a14="http://schemas.microsoft.com/office/drawing/2010/main" val="0"/>
-              </a:ext>
-            </a:extLst>
-          </a:blip>
-          <a:srcRect/>
-          <a:stretch>
-            <a:fillRect/>
-          </a:stretch>
-        </p:blipFill>
-        <p:spPr bwMode="auto">
-          <a:xfrm>
-            <a:off x="1605435" y="1793104"/>
-            <a:ext cx="2651424" cy="2651425"/>
-          </a:xfrm>
-          <a:prstGeom prst="rect">
-            <a:avLst/>
-          </a:prstGeom>
-          <a:noFill/>
-          <a:extLst>
-            <a:ext uri="{909E8E84-426E-40DD-AFC4-6F175D3DCCD1}">
-              <a14:hiddenFill xmlns:a14="http://schemas.microsoft.com/office/drawing/2010/main">
-                <a:solidFill>
-                  <a:srgbClr val="FFFFFF"/>
-                </a:solidFill>
-              </a14:hiddenFill>
-            </a:ext>
-          </a:extLst>
-        </p:spPr>
-      </p:pic>
-      <p:pic>
-        <p:nvPicPr>
-          <p:cNvPr id="2052" name="Picture 4" descr="ソース画像を表示"/>
-          <p:cNvPicPr>
-            <a:picLocks noChangeAspect="1" noChangeArrowheads="1"/>
-          </p:cNvPicPr>
-          <p:nvPr/>
-        </p:nvPicPr>
-        <p:blipFill>
-          <a:blip r:embed="rId3">
-            <a:extLst>
-              <a:ext uri="{28A0092B-C50C-407E-A947-70E740481C1C}">
-                <a14:useLocalDpi xmlns:a14="http://schemas.microsoft.com/office/drawing/2010/main" val="0"/>
-              </a:ext>
-            </a:extLst>
-          </a:blip>
-          <a:srcRect/>
-          <a:stretch>
-            <a:fillRect/>
-          </a:stretch>
-        </p:blipFill>
-        <p:spPr bwMode="auto">
-          <a:xfrm>
-            <a:off x="5188894" y="1844204"/>
-            <a:ext cx="5200650" cy="2600325"/>
-          </a:xfrm>
-          <a:prstGeom prst="rect">
-            <a:avLst/>
-          </a:prstGeom>
-          <a:noFill/>
-          <a:extLst>
-            <a:ext uri="{909E8E84-426E-40DD-AFC4-6F175D3DCCD1}">
-              <a14:hiddenFill xmlns:a14="http://schemas.microsoft.com/office/drawing/2010/main">
-                <a:solidFill>
-                  <a:srgbClr val="FFFFFF"/>
-                </a:solidFill>
-              </a14:hiddenFill>
-            </a:ext>
-          </a:extLst>
-        </p:spPr>
-      </p:pic>
-      <p:sp>
-        <p:nvSpPr>
-          <p:cNvPr id="3" name="スライド番号プレースホルダー 2"/>
-          <p:cNvSpPr>
-            <a:spLocks noGrp="1"/>
-          </p:cNvSpPr>
-          <p:nvPr>
-            <p:ph type="sldNum" sz="quarter" idx="12"/>
-          </p:nvPr>
-        </p:nvSpPr>
-        <p:spPr/>
-        <p:txBody>
-          <a:bodyPr/>
-          <a:lstStyle/>
-          <a:p>
-            <a:fld id="{7C6CB327-4739-40F7-91EE-F964CF852706}" type="slidenum">
-              <a:rPr kumimoji="1" lang="ja-JP" altLang="en-US" smtClean="0"/>
-              <a:t>47</a:t>
-            </a:fld>
-            <a:endParaRPr kumimoji="1" lang="ja-JP" altLang="en-US" dirty="0"/>
-          </a:p>
-        </p:txBody>
-      </p:sp>
-    </p:spTree>
-    <p:extLst>
-      <p:ext uri="{BB962C8B-B14F-4D97-AF65-F5344CB8AC3E}">
-        <p14:creationId xmlns:p14="http://schemas.microsoft.com/office/powerpoint/2010/main" val="4155540780"/>
-      </p:ext>
-    </p:extLst>
-  </p:cSld>
-  <p:clrMapOvr>
-    <a:masterClrMapping/>
-  </p:clrMapOvr>
-</p:sld>
-</file>
-
-<file path=ppt/slides/slide49.xml><?xml version="1.0" encoding="utf-8"?>
-<p:sld xmlns:a="http://schemas.openxmlformats.org/drawingml/2006/main" xmlns:r="http://schemas.openxmlformats.org/officeDocument/2006/relationships" xmlns:p="http://schemas.openxmlformats.org/presentationml/2006/main">
-  <p:cSld>
-    <p:spTree>
-      <p:nvGrpSpPr>
-        <p:cNvPr id="1" name=""/>
-        <p:cNvGrpSpPr/>
-        <p:nvPr/>
-      </p:nvGrpSpPr>
-      <p:grpSpPr>
-        <a:xfrm>
-          <a:off x="0" y="0"/>
-          <a:ext cx="0" cy="0"/>
-          <a:chOff x="0" y="0"/>
-          <a:chExt cx="0" cy="0"/>
-        </a:xfrm>
-      </p:grpSpPr>
-      <p:sp>
-        <p:nvSpPr>
-          <p:cNvPr id="2" name="タイトル 1"/>
-          <p:cNvSpPr>
-            <a:spLocks noGrp="1"/>
-          </p:cNvSpPr>
-          <p:nvPr>
-            <p:ph type="title"/>
-          </p:nvPr>
-        </p:nvSpPr>
-        <p:spPr>
-          <a:xfrm>
-            <a:off x="838200" y="150941"/>
-            <a:ext cx="10515600" cy="1325563"/>
-          </a:xfrm>
-        </p:spPr>
-        <p:txBody>
-          <a:bodyPr/>
-          <a:lstStyle/>
-          <a:p>
-            <a:r>
-              <a:rPr lang="ja-JP" altLang="en-US" dirty="0" smtClean="0"/>
-              <a:t>おまけ：変更前のファイルに戻す</a:t>
-            </a:r>
-            <a:endParaRPr lang="en-US" altLang="ja-JP" dirty="0"/>
-          </a:p>
-        </p:txBody>
-      </p:sp>
-      <p:sp>
-        <p:nvSpPr>
-          <p:cNvPr id="4" name="コンテンツ プレースホルダー 3"/>
-          <p:cNvSpPr>
-            <a:spLocks noGrp="1"/>
-          </p:cNvSpPr>
-          <p:nvPr>
-            <p:ph idx="1"/>
-          </p:nvPr>
-        </p:nvSpPr>
-        <p:spPr>
-          <a:xfrm>
-            <a:off x="1980169" y="5747361"/>
-            <a:ext cx="8231659" cy="1079158"/>
-          </a:xfrm>
-        </p:spPr>
-        <p:txBody>
-          <a:bodyPr>
-            <a:normAutofit lnSpcReduction="10000"/>
-          </a:bodyPr>
-          <a:lstStyle/>
-          <a:p>
-            <a:pPr marL="0" indent="0">
-              <a:buNone/>
-            </a:pPr>
-            <a:r>
-              <a:rPr lang="en-US" altLang="ja-JP" sz="4000" dirty="0"/>
-              <a:t>GitHub </a:t>
-            </a:r>
-            <a:r>
-              <a:rPr lang="en-US" altLang="ja-JP" sz="4000" dirty="0" smtClean="0"/>
-              <a:t>Desktop</a:t>
-            </a:r>
-            <a:r>
-              <a:rPr lang="ja-JP" altLang="en-US" sz="4000" dirty="0"/>
-              <a:t>から</a:t>
-            </a:r>
-            <a:r>
-              <a:rPr lang="ja-JP" altLang="en-US" sz="4000" dirty="0" smtClean="0"/>
-              <a:t>「</a:t>
-            </a:r>
-            <a:r>
-              <a:rPr lang="en-US" altLang="ja-JP" sz="4000" dirty="0"/>
-              <a:t>History</a:t>
-            </a:r>
-            <a:r>
-              <a:rPr lang="ja-JP" altLang="en-US" sz="4000" dirty="0" smtClean="0"/>
-              <a:t>」を選択。</a:t>
-            </a:r>
-            <a:endParaRPr kumimoji="1" lang="ja-JP" altLang="en-US" sz="4000" dirty="0"/>
-          </a:p>
-        </p:txBody>
-      </p:sp>
-      <p:pic>
-        <p:nvPicPr>
-          <p:cNvPr id="5" name="図 4"/>
-          <p:cNvPicPr>
-            <a:picLocks noChangeAspect="1"/>
-          </p:cNvPicPr>
-          <p:nvPr/>
-        </p:nvPicPr>
-        <p:blipFill>
-          <a:blip r:embed="rId2"/>
-          <a:stretch>
-            <a:fillRect/>
-          </a:stretch>
-        </p:blipFill>
-        <p:spPr>
-          <a:xfrm>
-            <a:off x="2901940" y="1167289"/>
-            <a:ext cx="6388119" cy="4427673"/>
-          </a:xfrm>
-          <a:prstGeom prst="rect">
-            <a:avLst/>
-          </a:prstGeom>
-        </p:spPr>
-      </p:pic>
-      <p:sp>
-        <p:nvSpPr>
-          <p:cNvPr id="3" name="スライド番号プレースホルダー 2"/>
-          <p:cNvSpPr>
-            <a:spLocks noGrp="1"/>
-          </p:cNvSpPr>
-          <p:nvPr>
-            <p:ph type="sldNum" sz="quarter" idx="12"/>
-          </p:nvPr>
-        </p:nvSpPr>
-        <p:spPr/>
-        <p:txBody>
-          <a:bodyPr/>
-          <a:lstStyle/>
-          <a:p>
-            <a:fld id="{7C6CB327-4739-40F7-91EE-F964CF852706}" type="slidenum">
-              <a:rPr kumimoji="1" lang="ja-JP" altLang="en-US" smtClean="0"/>
-              <a:t>48</a:t>
-            </a:fld>
-            <a:endParaRPr kumimoji="1" lang="ja-JP" altLang="en-US" dirty="0"/>
-          </a:p>
-        </p:txBody>
-      </p:sp>
-    </p:spTree>
-    <p:extLst>
-      <p:ext uri="{BB962C8B-B14F-4D97-AF65-F5344CB8AC3E}">
-        <p14:creationId xmlns:p14="http://schemas.microsoft.com/office/powerpoint/2010/main" val="2885359874"/>
       </p:ext>
     </p:extLst>
   </p:cSld>
@@ -35210,6 +35337,371 @@
         </p:nvSpPr>
         <p:spPr>
           <a:xfrm>
+            <a:off x="570471" y="5351945"/>
+            <a:ext cx="10783329" cy="1079158"/>
+          </a:xfrm>
+        </p:spPr>
+        <p:txBody>
+          <a:bodyPr>
+            <a:normAutofit/>
+          </a:bodyPr>
+          <a:lstStyle/>
+          <a:p>
+            <a:pPr marL="0" indent="0" algn="ctr">
+              <a:buNone/>
+            </a:pPr>
+            <a:r>
+              <a:rPr kumimoji="1" lang="ja-JP" altLang="en-US" sz="3200" dirty="0" smtClean="0"/>
+              <a:t>タグ付けやコマンドラインなど複数やり方がありますが</a:t>
+            </a:r>
+            <a:r>
+              <a:rPr kumimoji="1" lang="en-US" altLang="ja-JP" sz="3200" dirty="0" smtClean="0"/>
+              <a:t/>
+            </a:r>
+            <a:br>
+              <a:rPr kumimoji="1" lang="en-US" altLang="ja-JP" sz="3200" dirty="0" smtClean="0"/>
+            </a:br>
+            <a:r>
+              <a:rPr kumimoji="1" lang="ja-JP" altLang="en-US" sz="3200" dirty="0" smtClean="0"/>
+              <a:t>一番簡単な方法で紹介します。</a:t>
+            </a:r>
+            <a:endParaRPr kumimoji="1" lang="ja-JP" altLang="en-US" sz="3200" dirty="0"/>
+          </a:p>
+        </p:txBody>
+      </p:sp>
+      <p:pic>
+        <p:nvPicPr>
+          <p:cNvPr id="2050" name="Picture 2" descr="ソース画像を表示"/>
+          <p:cNvPicPr>
+            <a:picLocks noChangeAspect="1" noChangeArrowheads="1"/>
+          </p:cNvPicPr>
+          <p:nvPr/>
+        </p:nvPicPr>
+        <p:blipFill>
+          <a:blip r:embed="rId2">
+            <a:extLst>
+              <a:ext uri="{28A0092B-C50C-407E-A947-70E740481C1C}">
+                <a14:useLocalDpi xmlns:a14="http://schemas.microsoft.com/office/drawing/2010/main" val="0"/>
+              </a:ext>
+            </a:extLst>
+          </a:blip>
+          <a:srcRect/>
+          <a:stretch>
+            <a:fillRect/>
+          </a:stretch>
+        </p:blipFill>
+        <p:spPr bwMode="auto">
+          <a:xfrm>
+            <a:off x="1605435" y="1793104"/>
+            <a:ext cx="2651424" cy="2651425"/>
+          </a:xfrm>
+          <a:prstGeom prst="rect">
+            <a:avLst/>
+          </a:prstGeom>
+          <a:noFill/>
+          <a:extLst>
+            <a:ext uri="{909E8E84-426E-40DD-AFC4-6F175D3DCCD1}">
+              <a14:hiddenFill xmlns:a14="http://schemas.microsoft.com/office/drawing/2010/main">
+                <a:solidFill>
+                  <a:srgbClr val="FFFFFF"/>
+                </a:solidFill>
+              </a14:hiddenFill>
+            </a:ext>
+          </a:extLst>
+        </p:spPr>
+      </p:pic>
+      <p:pic>
+        <p:nvPicPr>
+          <p:cNvPr id="2052" name="Picture 4" descr="ソース画像を表示"/>
+          <p:cNvPicPr>
+            <a:picLocks noChangeAspect="1" noChangeArrowheads="1"/>
+          </p:cNvPicPr>
+          <p:nvPr/>
+        </p:nvPicPr>
+        <p:blipFill>
+          <a:blip r:embed="rId3">
+            <a:extLst>
+              <a:ext uri="{28A0092B-C50C-407E-A947-70E740481C1C}">
+                <a14:useLocalDpi xmlns:a14="http://schemas.microsoft.com/office/drawing/2010/main" val="0"/>
+              </a:ext>
+            </a:extLst>
+          </a:blip>
+          <a:srcRect/>
+          <a:stretch>
+            <a:fillRect/>
+          </a:stretch>
+        </p:blipFill>
+        <p:spPr bwMode="auto">
+          <a:xfrm>
+            <a:off x="5188894" y="1844204"/>
+            <a:ext cx="5200650" cy="2600325"/>
+          </a:xfrm>
+          <a:prstGeom prst="rect">
+            <a:avLst/>
+          </a:prstGeom>
+          <a:noFill/>
+          <a:extLst>
+            <a:ext uri="{909E8E84-426E-40DD-AFC4-6F175D3DCCD1}">
+              <a14:hiddenFill xmlns:a14="http://schemas.microsoft.com/office/drawing/2010/main">
+                <a:solidFill>
+                  <a:srgbClr val="FFFFFF"/>
+                </a:solidFill>
+              </a14:hiddenFill>
+            </a:ext>
+          </a:extLst>
+        </p:spPr>
+      </p:pic>
+      <p:sp>
+        <p:nvSpPr>
+          <p:cNvPr id="3" name="スライド番号プレースホルダー 2"/>
+          <p:cNvSpPr>
+            <a:spLocks noGrp="1"/>
+          </p:cNvSpPr>
+          <p:nvPr>
+            <p:ph type="sldNum" sz="quarter" idx="12"/>
+          </p:nvPr>
+        </p:nvSpPr>
+        <p:spPr/>
+        <p:txBody>
+          <a:bodyPr/>
+          <a:lstStyle/>
+          <a:p>
+            <a:fld id="{7C6CB327-4739-40F7-91EE-F964CF852706}" type="slidenum">
+              <a:rPr kumimoji="1" lang="ja-JP" altLang="en-US" smtClean="0"/>
+              <a:t>49</a:t>
+            </a:fld>
+            <a:endParaRPr kumimoji="1" lang="ja-JP" altLang="en-US" dirty="0"/>
+          </a:p>
+        </p:txBody>
+      </p:sp>
+    </p:spTree>
+    <p:extLst>
+      <p:ext uri="{BB962C8B-B14F-4D97-AF65-F5344CB8AC3E}">
+        <p14:creationId xmlns:p14="http://schemas.microsoft.com/office/powerpoint/2010/main" val="4155540780"/>
+      </p:ext>
+    </p:extLst>
+  </p:cSld>
+  <p:clrMapOvr>
+    <a:masterClrMapping/>
+  </p:clrMapOvr>
+</p:sld>
+</file>
+
+<file path=ppt/slides/slide51.xml><?xml version="1.0" encoding="utf-8"?>
+<p:sld xmlns:a="http://schemas.openxmlformats.org/drawingml/2006/main" xmlns:r="http://schemas.openxmlformats.org/officeDocument/2006/relationships" xmlns:p="http://schemas.openxmlformats.org/presentationml/2006/main">
+  <p:cSld>
+    <p:spTree>
+      <p:nvGrpSpPr>
+        <p:cNvPr id="1" name=""/>
+        <p:cNvGrpSpPr/>
+        <p:nvPr/>
+      </p:nvGrpSpPr>
+      <p:grpSpPr>
+        <a:xfrm>
+          <a:off x="0" y="0"/>
+          <a:ext cx="0" cy="0"/>
+          <a:chOff x="0" y="0"/>
+          <a:chExt cx="0" cy="0"/>
+        </a:xfrm>
+      </p:grpSpPr>
+      <p:sp>
+        <p:nvSpPr>
+          <p:cNvPr id="2" name="タイトル 1"/>
+          <p:cNvSpPr>
+            <a:spLocks noGrp="1"/>
+          </p:cNvSpPr>
+          <p:nvPr>
+            <p:ph type="title"/>
+          </p:nvPr>
+        </p:nvSpPr>
+        <p:spPr>
+          <a:xfrm>
+            <a:off x="838200" y="150941"/>
+            <a:ext cx="10515600" cy="1325563"/>
+          </a:xfrm>
+        </p:spPr>
+        <p:txBody>
+          <a:bodyPr/>
+          <a:lstStyle/>
+          <a:p>
+            <a:r>
+              <a:rPr lang="ja-JP" altLang="en-US" dirty="0" smtClean="0"/>
+              <a:t>おまけ：変更前のファイルに戻す</a:t>
+            </a:r>
+            <a:endParaRPr lang="en-US" altLang="ja-JP" dirty="0"/>
+          </a:p>
+        </p:txBody>
+      </p:sp>
+      <p:sp>
+        <p:nvSpPr>
+          <p:cNvPr id="4" name="コンテンツ プレースホルダー 3"/>
+          <p:cNvSpPr>
+            <a:spLocks noGrp="1"/>
+          </p:cNvSpPr>
+          <p:nvPr>
+            <p:ph idx="1"/>
+          </p:nvPr>
+        </p:nvSpPr>
+        <p:spPr>
+          <a:xfrm>
+            <a:off x="1980169" y="5747361"/>
+            <a:ext cx="8231659" cy="1079158"/>
+          </a:xfrm>
+        </p:spPr>
+        <p:txBody>
+          <a:bodyPr>
+            <a:normAutofit lnSpcReduction="10000"/>
+          </a:bodyPr>
+          <a:lstStyle/>
+          <a:p>
+            <a:pPr marL="0" indent="0">
+              <a:buNone/>
+            </a:pPr>
+            <a:r>
+              <a:rPr lang="en-US" altLang="ja-JP" sz="4000" dirty="0"/>
+              <a:t>GitHub </a:t>
+            </a:r>
+            <a:r>
+              <a:rPr lang="en-US" altLang="ja-JP" sz="4000" dirty="0" smtClean="0"/>
+              <a:t>Desktop</a:t>
+            </a:r>
+            <a:r>
+              <a:rPr lang="ja-JP" altLang="en-US" sz="4000" dirty="0"/>
+              <a:t>から</a:t>
+            </a:r>
+            <a:r>
+              <a:rPr lang="ja-JP" altLang="en-US" sz="4000" dirty="0" smtClean="0"/>
+              <a:t>「</a:t>
+            </a:r>
+            <a:r>
+              <a:rPr lang="en-US" altLang="ja-JP" sz="4000" dirty="0"/>
+              <a:t>History</a:t>
+            </a:r>
+            <a:r>
+              <a:rPr lang="ja-JP" altLang="en-US" sz="4000" dirty="0" smtClean="0"/>
+              <a:t>」を選択。</a:t>
+            </a:r>
+            <a:endParaRPr kumimoji="1" lang="ja-JP" altLang="en-US" sz="4000" dirty="0"/>
+          </a:p>
+        </p:txBody>
+      </p:sp>
+      <p:pic>
+        <p:nvPicPr>
+          <p:cNvPr id="5" name="図 4"/>
+          <p:cNvPicPr>
+            <a:picLocks noChangeAspect="1"/>
+          </p:cNvPicPr>
+          <p:nvPr/>
+        </p:nvPicPr>
+        <p:blipFill>
+          <a:blip r:embed="rId2"/>
+          <a:stretch>
+            <a:fillRect/>
+          </a:stretch>
+        </p:blipFill>
+        <p:spPr>
+          <a:xfrm>
+            <a:off x="2901940" y="1167289"/>
+            <a:ext cx="6388119" cy="4427673"/>
+          </a:xfrm>
+          <a:prstGeom prst="rect">
+            <a:avLst/>
+          </a:prstGeom>
+        </p:spPr>
+      </p:pic>
+      <p:sp>
+        <p:nvSpPr>
+          <p:cNvPr id="3" name="スライド番号プレースホルダー 2"/>
+          <p:cNvSpPr>
+            <a:spLocks noGrp="1"/>
+          </p:cNvSpPr>
+          <p:nvPr>
+            <p:ph type="sldNum" sz="quarter" idx="12"/>
+          </p:nvPr>
+        </p:nvSpPr>
+        <p:spPr/>
+        <p:txBody>
+          <a:bodyPr/>
+          <a:lstStyle/>
+          <a:p>
+            <a:fld id="{7C6CB327-4739-40F7-91EE-F964CF852706}" type="slidenum">
+              <a:rPr kumimoji="1" lang="ja-JP" altLang="en-US" smtClean="0"/>
+              <a:t>50</a:t>
+            </a:fld>
+            <a:endParaRPr kumimoji="1" lang="ja-JP" altLang="en-US" dirty="0"/>
+          </a:p>
+        </p:txBody>
+      </p:sp>
+    </p:spTree>
+    <p:extLst>
+      <p:ext uri="{BB962C8B-B14F-4D97-AF65-F5344CB8AC3E}">
+        <p14:creationId xmlns:p14="http://schemas.microsoft.com/office/powerpoint/2010/main" val="2885359874"/>
+      </p:ext>
+    </p:extLst>
+  </p:cSld>
+  <p:clrMapOvr>
+    <a:masterClrMapping/>
+  </p:clrMapOvr>
+</p:sld>
+</file>
+
+<file path=ppt/slides/slide52.xml><?xml version="1.0" encoding="utf-8"?>
+<p:sld xmlns:a="http://schemas.openxmlformats.org/drawingml/2006/main" xmlns:r="http://schemas.openxmlformats.org/officeDocument/2006/relationships" xmlns:p="http://schemas.openxmlformats.org/presentationml/2006/main">
+  <p:cSld>
+    <p:spTree>
+      <p:nvGrpSpPr>
+        <p:cNvPr id="1" name=""/>
+        <p:cNvGrpSpPr/>
+        <p:nvPr/>
+      </p:nvGrpSpPr>
+      <p:grpSpPr>
+        <a:xfrm>
+          <a:off x="0" y="0"/>
+          <a:ext cx="0" cy="0"/>
+          <a:chOff x="0" y="0"/>
+          <a:chExt cx="0" cy="0"/>
+        </a:xfrm>
+      </p:grpSpPr>
+      <p:sp>
+        <p:nvSpPr>
+          <p:cNvPr id="2" name="タイトル 1"/>
+          <p:cNvSpPr>
+            <a:spLocks noGrp="1"/>
+          </p:cNvSpPr>
+          <p:nvPr>
+            <p:ph type="title"/>
+          </p:nvPr>
+        </p:nvSpPr>
+        <p:spPr>
+          <a:xfrm>
+            <a:off x="838200" y="150941"/>
+            <a:ext cx="10515600" cy="1325563"/>
+          </a:xfrm>
+        </p:spPr>
+        <p:txBody>
+          <a:bodyPr/>
+          <a:lstStyle/>
+          <a:p>
+            <a:r>
+              <a:rPr lang="ja-JP" altLang="en-US" dirty="0" smtClean="0"/>
+              <a:t>おまけ：変更前のファイルに戻す</a:t>
+            </a:r>
+            <a:endParaRPr lang="en-US" altLang="ja-JP" dirty="0"/>
+          </a:p>
+        </p:txBody>
+      </p:sp>
+      <p:sp>
+        <p:nvSpPr>
+          <p:cNvPr id="4" name="コンテンツ プレースホルダー 3"/>
+          <p:cNvSpPr>
+            <a:spLocks noGrp="1"/>
+          </p:cNvSpPr>
+          <p:nvPr>
+            <p:ph idx="1"/>
+          </p:nvPr>
+        </p:nvSpPr>
+        <p:spPr>
+          <a:xfrm>
             <a:off x="877329" y="5467276"/>
             <a:ext cx="10437340" cy="587536"/>
           </a:xfrm>
@@ -35284,7 +35776,7 @@
           <a:p>
             <a:fld id="{7C6CB327-4739-40F7-91EE-F964CF852706}" type="slidenum">
               <a:rPr kumimoji="1" lang="ja-JP" altLang="en-US" smtClean="0"/>
-              <a:t>49</a:t>
+              <a:t>51</a:t>
             </a:fld>
             <a:endParaRPr kumimoji="1" lang="ja-JP" altLang="en-US" dirty="0"/>
           </a:p>
@@ -35303,7 +35795,7 @@
 </p:sld>
 </file>
 
-<file path=ppt/slides/slide51.xml><?xml version="1.0" encoding="utf-8"?>
+<file path=ppt/slides/slide53.xml><?xml version="1.0" encoding="utf-8"?>
 <p:sld xmlns:a="http://schemas.openxmlformats.org/drawingml/2006/main" xmlns:r="http://schemas.openxmlformats.org/officeDocument/2006/relationships" xmlns:p="http://schemas.openxmlformats.org/presentationml/2006/main">
   <p:cSld>
     <p:spTree>
@@ -35476,7 +35968,7 @@
           <a:p>
             <a:fld id="{7C6CB327-4739-40F7-91EE-F964CF852706}" type="slidenum">
               <a:rPr kumimoji="1" lang="ja-JP" altLang="en-US" smtClean="0"/>
-              <a:t>50</a:t>
+              <a:t>52</a:t>
             </a:fld>
             <a:endParaRPr kumimoji="1" lang="ja-JP" altLang="en-US" dirty="0"/>
           </a:p>
@@ -35495,7 +35987,7 @@
 </p:sld>
 </file>
 
-<file path=ppt/slides/slide52.xml><?xml version="1.0" encoding="utf-8"?>
+<file path=ppt/slides/slide54.xml><?xml version="1.0" encoding="utf-8"?>
 <p:sld xmlns:a="http://schemas.openxmlformats.org/drawingml/2006/main" xmlns:r="http://schemas.openxmlformats.org/officeDocument/2006/relationships" xmlns:p="http://schemas.openxmlformats.org/presentationml/2006/main">
   <p:cSld>
     <p:spTree>
@@ -35686,7 +36178,7 @@
           <a:p>
             <a:fld id="{7C6CB327-4739-40F7-91EE-F964CF852706}" type="slidenum">
               <a:rPr kumimoji="1" lang="ja-JP" altLang="en-US" smtClean="0"/>
-              <a:t>51</a:t>
+              <a:t>53</a:t>
             </a:fld>
             <a:endParaRPr kumimoji="1" lang="ja-JP" altLang="en-US" dirty="0"/>
           </a:p>
@@ -38428,12 +38920,6 @@
 </file>
 
 <file path=customXml/item1.xml><?xml version="1.0" encoding="utf-8"?>
-<p:properties xmlns:p="http://schemas.microsoft.com/office/2006/metadata/properties" xmlns:xsi="http://www.w3.org/2001/XMLSchema-instance" xmlns:pc="http://schemas.microsoft.com/office/infopath/2007/PartnerControls">
-  <documentManagement/>
-</p:properties>
-</file>
-
-<file path=customXml/item2.xml><?xml version="1.0" encoding="utf-8"?>
 <?mso-contentType ?>
 <FormTemplates xmlns="http://schemas.microsoft.com/sharepoint/v3/contenttype/forms">
   <Display>DocumentLibraryForm</Display>
@@ -38442,7 +38928,7 @@
 </FormTemplates>
 </file>
 
-<file path=customXml/item3.xml><?xml version="1.0" encoding="utf-8"?>
+<file path=customXml/item2.xml><?xml version="1.0" encoding="utf-8"?>
 <ct:contentTypeSchema xmlns:ct="http://schemas.microsoft.com/office/2006/metadata/contentType" xmlns:ma="http://schemas.microsoft.com/office/2006/metadata/properties/metaAttributes" ct:_="" ma:_="" ma:contentTypeName="ドキュメント" ma:contentTypeID="0x010100BB83E17D17FF644F9FFD9A99A2009573" ma:contentTypeVersion="8" ma:contentTypeDescription="新しいドキュメントを作成します。" ma:contentTypeScope="" ma:versionID="2fb67b2ca1a82775ba3d00c8d594b1cb">
   <xsd:schema xmlns:xsd="http://www.w3.org/2001/XMLSchema" xmlns:xs="http://www.w3.org/2001/XMLSchema" xmlns:p="http://schemas.microsoft.com/office/2006/metadata/properties" xmlns:ns2="a2bc6c6f-a0bb-4b84-b757-6fa3eba60e2e" targetNamespace="http://schemas.microsoft.com/office/2006/metadata/properties" ma:root="true" ma:fieldsID="61dd9ca9327f0199f66cbe698a9d8b1e" ns2:_="">
     <xsd:import namespace="a2bc6c6f-a0bb-4b84-b757-6fa3eba60e2e"/>
@@ -38612,16 +39098,13 @@
 </ct:contentTypeSchema>
 </file>
 
-<file path=customXml/itemProps1.xml><?xml version="1.0" encoding="utf-8"?>
-<ds:datastoreItem xmlns:ds="http://schemas.openxmlformats.org/officeDocument/2006/customXml" ds:itemID="{89A7A39C-1D4C-435F-92CE-7B41D6101916}">
-  <ds:schemaRefs>
-    <ds:schemaRef ds:uri="http://schemas.microsoft.com/office/2006/metadata/properties"/>
-    <ds:schemaRef ds:uri="http://schemas.microsoft.com/office/infopath/2007/PartnerControls"/>
-  </ds:schemaRefs>
-</ds:datastoreItem>
+<file path=customXml/item3.xml><?xml version="1.0" encoding="utf-8"?>
+<p:properties xmlns:p="http://schemas.microsoft.com/office/2006/metadata/properties" xmlns:xsi="http://www.w3.org/2001/XMLSchema-instance" xmlns:pc="http://schemas.microsoft.com/office/infopath/2007/PartnerControls">
+  <documentManagement/>
+</p:properties>
 </file>
 
-<file path=customXml/itemProps2.xml><?xml version="1.0" encoding="utf-8"?>
+<file path=customXml/itemProps1.xml><?xml version="1.0" encoding="utf-8"?>
 <ds:datastoreItem xmlns:ds="http://schemas.openxmlformats.org/officeDocument/2006/customXml" ds:itemID="{244CD9D7-E214-4473-8806-C93D215B9651}">
   <ds:schemaRefs>
     <ds:schemaRef ds:uri="http://schemas.microsoft.com/sharepoint/v3/contenttype/forms"/>
@@ -38629,7 +39112,7 @@
 </ds:datastoreItem>
 </file>
 
-<file path=customXml/itemProps3.xml><?xml version="1.0" encoding="utf-8"?>
+<file path=customXml/itemProps2.xml><?xml version="1.0" encoding="utf-8"?>
 <ds:datastoreItem xmlns:ds="http://schemas.openxmlformats.org/officeDocument/2006/customXml" ds:itemID="{90297BE2-5AC6-4801-8903-2378BD7DB9C2}">
   <ds:schemaRefs>
     <ds:schemaRef ds:uri="http://schemas.microsoft.com/office/2006/metadata/contentType"/>
@@ -38645,4 +39128,13 @@
     <ds:schemaRef ds:uri="http://schemas.microsoft.com/internal/obd"/>
   </ds:schemaRefs>
 </ds:datastoreItem>
+</file>
+
+<file path=customXml/itemProps3.xml><?xml version="1.0" encoding="utf-8"?>
+<ds:datastoreItem xmlns:ds="http://schemas.openxmlformats.org/officeDocument/2006/customXml" ds:itemID="{89A7A39C-1D4C-435F-92CE-7B41D6101916}">
+  <ds:schemaRefs>
+    <ds:schemaRef ds:uri="http://schemas.microsoft.com/office/2006/metadata/properties"/>
+    <ds:schemaRef ds:uri="http://schemas.microsoft.com/office/infopath/2007/PartnerControls"/>
+  </ds:schemaRefs>
+</ds:datastoreItem>
 </file>
--- a/GITHUBスタートアップ/GITHUBセットアップの会.pptx
+++ b/GITHUBスタートアップ/GITHUBセットアップの会.pptx
@@ -5,7 +5,7 @@
     <p:sldMasterId id="2147483684" r:id="rId4"/>
   </p:sldMasterIdLst>
   <p:notesMasterIdLst>
-    <p:notesMasterId r:id="rId59"/>
+    <p:notesMasterId r:id="rId60"/>
   </p:notesMasterIdLst>
   <p:sldIdLst>
     <p:sldId id="331" r:id="rId5"/>
@@ -54,14 +54,15 @@
     <p:sldId id="351" r:id="rId48"/>
     <p:sldId id="361" r:id="rId49"/>
     <p:sldId id="362" r:id="rId50"/>
-    <p:sldId id="352" r:id="rId51"/>
-    <p:sldId id="353" r:id="rId52"/>
-    <p:sldId id="354" r:id="rId53"/>
-    <p:sldId id="355" r:id="rId54"/>
-    <p:sldId id="356" r:id="rId55"/>
-    <p:sldId id="357" r:id="rId56"/>
-    <p:sldId id="358" r:id="rId57"/>
-    <p:sldId id="359" r:id="rId58"/>
+    <p:sldId id="363" r:id="rId51"/>
+    <p:sldId id="352" r:id="rId52"/>
+    <p:sldId id="353" r:id="rId53"/>
+    <p:sldId id="354" r:id="rId54"/>
+    <p:sldId id="355" r:id="rId55"/>
+    <p:sldId id="356" r:id="rId56"/>
+    <p:sldId id="357" r:id="rId57"/>
+    <p:sldId id="358" r:id="rId58"/>
+    <p:sldId id="359" r:id="rId59"/>
   </p:sldIdLst>
   <p:sldSz cx="12192000" cy="6858000"/>
   <p:notesSz cx="6858000" cy="9144000"/>
@@ -30806,11 +30807,7 @@
           <a:p>
             <a:r>
               <a:rPr lang="ja-JP" altLang="en-US" dirty="0" smtClean="0"/>
-              <a:t>招待</a:t>
-            </a:r>
-            <a:r>
-              <a:rPr lang="ja-JP" altLang="en-US" dirty="0" smtClean="0"/>
-              <a:t>メールの見方</a:t>
+              <a:t>招待メールの見方</a:t>
             </a:r>
             <a:endParaRPr kumimoji="1" lang="ja-JP" altLang="en-US" dirty="0"/>
           </a:p>
@@ -33126,6 +33123,267 @@
       </p:grpSpPr>
       <p:sp>
         <p:nvSpPr>
+          <p:cNvPr id="3" name="コンテンツ プレースホルダー 2"/>
+          <p:cNvSpPr>
+            <a:spLocks noGrp="1"/>
+          </p:cNvSpPr>
+          <p:nvPr>
+            <p:ph idx="1"/>
+          </p:nvPr>
+        </p:nvSpPr>
+        <p:spPr>
+          <a:xfrm>
+            <a:off x="559143" y="5560541"/>
+            <a:ext cx="11073714" cy="1083080"/>
+          </a:xfrm>
+        </p:spPr>
+        <p:txBody>
+          <a:bodyPr>
+            <a:noAutofit/>
+          </a:bodyPr>
+          <a:lstStyle/>
+          <a:p>
+            <a:pPr marL="0" indent="0">
+              <a:buNone/>
+            </a:pPr>
+            <a:r>
+              <a:rPr lang="ja-JP" altLang="en-US" dirty="0" smtClean="0"/>
+              <a:t>ファイルを保存後、</a:t>
+            </a:r>
+            <a:r>
+              <a:rPr lang="en-US" altLang="ja-JP" dirty="0" err="1" smtClean="0"/>
+              <a:t>GitHubDesktop</a:t>
+            </a:r>
+            <a:r>
+              <a:rPr lang="ja-JP" altLang="en-US" dirty="0" smtClean="0"/>
+              <a:t>へ戻るとステージングエリアへの登録が自動で行われているのが確認できます。</a:t>
+            </a:r>
+            <a:endParaRPr lang="en-US" altLang="ja-JP" dirty="0" smtClean="0"/>
+          </a:p>
+        </p:txBody>
+      </p:sp>
+      <p:sp>
+        <p:nvSpPr>
+          <p:cNvPr id="7" name="テキスト プレースホルダー 2"/>
+          <p:cNvSpPr txBox="1">
+            <a:spLocks/>
+          </p:cNvSpPr>
+          <p:nvPr/>
+        </p:nvSpPr>
+        <p:spPr>
+          <a:xfrm>
+            <a:off x="0" y="0"/>
+            <a:ext cx="12192000" cy="544530"/>
+          </a:xfrm>
+          <a:prstGeom prst="rect">
+            <a:avLst/>
+          </a:prstGeom>
+          <a:solidFill>
+            <a:schemeClr val="tx1">
+              <a:lumMod val="65000"/>
+              <a:lumOff val="35000"/>
+            </a:schemeClr>
+          </a:solidFill>
+        </p:spPr>
+        <p:txBody>
+          <a:bodyPr vert="horz" lIns="360000" tIns="72000" rIns="0" bIns="0" rtlCol="0" anchor="ctr"/>
+          <a:lstStyle>
+            <a:defPPr>
+              <a:defRPr lang="ja-JP"/>
+            </a:defPPr>
+            <a:lvl1pPr marL="0" algn="ctr" defTabSz="914400" rtl="0" eaLnBrk="1" latinLnBrk="0" hangingPunct="1">
+              <a:defRPr kumimoji="1" sz="1800" kern="1200">
+                <a:solidFill>
+                  <a:schemeClr val="bg1"/>
+                </a:solidFill>
+                <a:latin typeface="+mn-ea"/>
+                <a:ea typeface="+mn-ea"/>
+                <a:cs typeface="+mn-cs"/>
+              </a:defRPr>
+            </a:lvl1pPr>
+            <a:lvl2pPr marL="457200" algn="l" defTabSz="914400" rtl="0" eaLnBrk="1" latinLnBrk="0" hangingPunct="1">
+              <a:defRPr kumimoji="1" sz="1800" kern="1200">
+                <a:solidFill>
+                  <a:schemeClr val="tx1"/>
+                </a:solidFill>
+                <a:latin typeface="+mn-lt"/>
+                <a:ea typeface="+mn-ea"/>
+                <a:cs typeface="+mn-cs"/>
+              </a:defRPr>
+            </a:lvl2pPr>
+            <a:lvl3pPr marL="914400" algn="l" defTabSz="914400" rtl="0" eaLnBrk="1" latinLnBrk="0" hangingPunct="1">
+              <a:defRPr kumimoji="1" sz="1800" kern="1200">
+                <a:solidFill>
+                  <a:schemeClr val="tx1"/>
+                </a:solidFill>
+                <a:latin typeface="+mn-lt"/>
+                <a:ea typeface="+mn-ea"/>
+                <a:cs typeface="+mn-cs"/>
+              </a:defRPr>
+            </a:lvl3pPr>
+            <a:lvl4pPr marL="1371600" algn="l" defTabSz="914400" rtl="0" eaLnBrk="1" latinLnBrk="0" hangingPunct="1">
+              <a:defRPr kumimoji="1" sz="1800" kern="1200">
+                <a:solidFill>
+                  <a:schemeClr val="tx1"/>
+                </a:solidFill>
+                <a:latin typeface="+mn-lt"/>
+                <a:ea typeface="+mn-ea"/>
+                <a:cs typeface="+mn-cs"/>
+              </a:defRPr>
+            </a:lvl4pPr>
+            <a:lvl5pPr marL="1828800" algn="l" defTabSz="914400" rtl="0" eaLnBrk="1" latinLnBrk="0" hangingPunct="1">
+              <a:defRPr kumimoji="1" sz="1800" kern="1200">
+                <a:solidFill>
+                  <a:schemeClr val="tx1"/>
+                </a:solidFill>
+                <a:latin typeface="+mn-lt"/>
+                <a:ea typeface="+mn-ea"/>
+                <a:cs typeface="+mn-cs"/>
+              </a:defRPr>
+            </a:lvl5pPr>
+            <a:lvl6pPr marL="2286000" algn="l" defTabSz="914400" rtl="0" eaLnBrk="1" latinLnBrk="0" hangingPunct="1">
+              <a:defRPr kumimoji="1" sz="1800" kern="1200">
+                <a:solidFill>
+                  <a:schemeClr val="tx1"/>
+                </a:solidFill>
+                <a:latin typeface="+mn-lt"/>
+                <a:ea typeface="+mn-ea"/>
+                <a:cs typeface="+mn-cs"/>
+              </a:defRPr>
+            </a:lvl6pPr>
+            <a:lvl7pPr marL="2743200" algn="l" defTabSz="914400" rtl="0" eaLnBrk="1" latinLnBrk="0" hangingPunct="1">
+              <a:defRPr kumimoji="1" sz="1800" kern="1200">
+                <a:solidFill>
+                  <a:schemeClr val="tx1"/>
+                </a:solidFill>
+                <a:latin typeface="+mn-lt"/>
+                <a:ea typeface="+mn-ea"/>
+                <a:cs typeface="+mn-cs"/>
+              </a:defRPr>
+            </a:lvl7pPr>
+            <a:lvl8pPr marL="3200400" algn="l" defTabSz="914400" rtl="0" eaLnBrk="1" latinLnBrk="0" hangingPunct="1">
+              <a:defRPr kumimoji="1" sz="1800" kern="1200">
+                <a:solidFill>
+                  <a:schemeClr val="tx1"/>
+                </a:solidFill>
+                <a:latin typeface="+mn-lt"/>
+                <a:ea typeface="+mn-ea"/>
+                <a:cs typeface="+mn-cs"/>
+              </a:defRPr>
+            </a:lvl8pPr>
+            <a:lvl9pPr marL="3657600" algn="l" defTabSz="914400" rtl="0" eaLnBrk="1" latinLnBrk="0" hangingPunct="1">
+              <a:defRPr kumimoji="1" sz="1800" kern="1200">
+                <a:solidFill>
+                  <a:schemeClr val="tx1"/>
+                </a:solidFill>
+                <a:latin typeface="+mn-lt"/>
+                <a:ea typeface="+mn-ea"/>
+                <a:cs typeface="+mn-cs"/>
+              </a:defRPr>
+            </a:lvl9pPr>
+          </a:lstStyle>
+          <a:p>
+            <a:pPr algn="l"/>
+            <a:r>
+              <a:rPr lang="ja-JP" altLang="en-US" sz="2000" b="1" dirty="0" smtClean="0">
+                <a:latin typeface="+mj-lt"/>
+                <a:ea typeface="+mj-ea"/>
+              </a:rPr>
+              <a:t>作業</a:t>
+            </a:r>
+            <a:r>
+              <a:rPr lang="ja-JP" altLang="en-US" sz="2000" b="1" dirty="0">
+                <a:latin typeface="+mj-lt"/>
+                <a:ea typeface="+mj-ea"/>
+              </a:rPr>
+              <a:t>：</a:t>
+            </a:r>
+            <a:r>
+              <a:rPr lang="en-US" altLang="ja-JP" sz="2000" b="1" dirty="0">
+                <a:latin typeface="+mj-lt"/>
+                <a:ea typeface="+mj-ea"/>
+              </a:rPr>
+              <a:t>GitHub Desktop</a:t>
+            </a:r>
+            <a:r>
+              <a:rPr lang="ja-JP" altLang="en-US" sz="2000" b="1" dirty="0">
+                <a:latin typeface="+mj-lt"/>
+                <a:ea typeface="+mj-ea"/>
+              </a:rPr>
+              <a:t>で初めての</a:t>
+            </a:r>
+            <a:r>
+              <a:rPr lang="en-US" altLang="ja-JP" sz="2000" b="1" dirty="0">
+                <a:latin typeface="+mj-lt"/>
+                <a:ea typeface="+mj-ea"/>
+              </a:rPr>
+              <a:t>PUSH</a:t>
+            </a:r>
+            <a:r>
+              <a:rPr lang="ja-JP" altLang="en-US" sz="2000" b="1" dirty="0">
+                <a:latin typeface="+mj-lt"/>
+                <a:ea typeface="+mj-ea"/>
+              </a:rPr>
+              <a:t>！</a:t>
+            </a:r>
+          </a:p>
+        </p:txBody>
+      </p:sp>
+      <p:sp>
+        <p:nvSpPr>
+          <p:cNvPr id="5" name="スライド番号プレースホルダー 4"/>
+          <p:cNvSpPr>
+            <a:spLocks noGrp="1"/>
+          </p:cNvSpPr>
+          <p:nvPr>
+            <p:ph type="sldNum" sz="quarter" idx="12"/>
+          </p:nvPr>
+        </p:nvSpPr>
+        <p:spPr/>
+        <p:txBody>
+          <a:bodyPr/>
+          <a:lstStyle/>
+          <a:p>
+            <a:fld id="{7C6CB327-4739-40F7-91EE-F964CF852706}" type="slidenum">
+              <a:rPr kumimoji="1" lang="ja-JP" altLang="en-US" smtClean="0"/>
+              <a:t>46</a:t>
+            </a:fld>
+            <a:endParaRPr kumimoji="1" lang="ja-JP" altLang="en-US" dirty="0"/>
+          </a:p>
+        </p:txBody>
+      </p:sp>
+    </p:spTree>
+    <p:extLst>
+      <p:ext uri="{BB962C8B-B14F-4D97-AF65-F5344CB8AC3E}">
+        <p14:creationId xmlns:p14="http://schemas.microsoft.com/office/powerpoint/2010/main" val="1694170744"/>
+      </p:ext>
+    </p:extLst>
+  </p:cSld>
+  <p:clrMapOvr>
+    <a:masterClrMapping/>
+  </p:clrMapOvr>
+</p:sld>
+</file>
+
+<file path=ppt/slides/slide48.xml><?xml version="1.0" encoding="utf-8"?>
+<p:sld xmlns:a="http://schemas.openxmlformats.org/drawingml/2006/main" xmlns:r="http://schemas.openxmlformats.org/officeDocument/2006/relationships" xmlns:p="http://schemas.openxmlformats.org/presentationml/2006/main">
+  <p:cSld>
+    <p:spTree>
+      <p:nvGrpSpPr>
+        <p:cNvPr id="1" name=""/>
+        <p:cNvGrpSpPr/>
+        <p:nvPr/>
+      </p:nvGrpSpPr>
+      <p:grpSpPr>
+        <a:xfrm>
+          <a:off x="0" y="0"/>
+          <a:ext cx="0" cy="0"/>
+          <a:chOff x="0" y="0"/>
+          <a:chExt cx="0" cy="0"/>
+        </a:xfrm>
+      </p:grpSpPr>
+      <p:sp>
+        <p:nvSpPr>
           <p:cNvPr id="2" name="タイトル 1"/>
           <p:cNvSpPr>
             <a:spLocks noGrp="1"/>
@@ -33660,7 +33918,7 @@
           <a:p>
             <a:fld id="{7C6CB327-4739-40F7-91EE-F964CF852706}" type="slidenum">
               <a:rPr kumimoji="1" lang="ja-JP" altLang="en-US" smtClean="0"/>
-              <a:t>46</a:t>
+              <a:t>47</a:t>
             </a:fld>
             <a:endParaRPr kumimoji="1" lang="ja-JP" altLang="en-US" dirty="0"/>
           </a:p>
@@ -33670,233 +33928,6 @@
     <p:extLst>
       <p:ext uri="{BB962C8B-B14F-4D97-AF65-F5344CB8AC3E}">
         <p14:creationId xmlns:p14="http://schemas.microsoft.com/office/powerpoint/2010/main" val="1439752007"/>
-      </p:ext>
-    </p:extLst>
-  </p:cSld>
-  <p:clrMapOvr>
-    <a:masterClrMapping/>
-  </p:clrMapOvr>
-</p:sld>
-</file>
-
-<file path=ppt/slides/slide48.xml><?xml version="1.0" encoding="utf-8"?>
-<p:sld xmlns:a="http://schemas.openxmlformats.org/drawingml/2006/main" xmlns:r="http://schemas.openxmlformats.org/officeDocument/2006/relationships" xmlns:p="http://schemas.openxmlformats.org/presentationml/2006/main">
-  <p:cSld>
-    <p:spTree>
-      <p:nvGrpSpPr>
-        <p:cNvPr id="1" name=""/>
-        <p:cNvGrpSpPr/>
-        <p:nvPr/>
-      </p:nvGrpSpPr>
-      <p:grpSpPr>
-        <a:xfrm>
-          <a:off x="0" y="0"/>
-          <a:ext cx="0" cy="0"/>
-          <a:chOff x="0" y="0"/>
-          <a:chExt cx="0" cy="0"/>
-        </a:xfrm>
-      </p:grpSpPr>
-      <p:sp>
-        <p:nvSpPr>
-          <p:cNvPr id="2" name="タイトル 1"/>
-          <p:cNvSpPr>
-            <a:spLocks noGrp="1"/>
-          </p:cNvSpPr>
-          <p:nvPr>
-            <p:ph type="title"/>
-          </p:nvPr>
-        </p:nvSpPr>
-        <p:spPr>
-          <a:xfrm>
-            <a:off x="838200" y="395384"/>
-            <a:ext cx="10515600" cy="1325563"/>
-          </a:xfrm>
-        </p:spPr>
-        <p:txBody>
-          <a:bodyPr/>
-          <a:lstStyle/>
-          <a:p>
-            <a:r>
-              <a:rPr lang="ja-JP" altLang="en-US" dirty="0" smtClean="0"/>
-              <a:t>さいごに</a:t>
-            </a:r>
-            <a:endParaRPr lang="en-US" altLang="ja-JP" dirty="0"/>
-          </a:p>
-        </p:txBody>
-      </p:sp>
-      <p:sp>
-        <p:nvSpPr>
-          <p:cNvPr id="4" name="コンテンツ プレースホルダー 3"/>
-          <p:cNvSpPr>
-            <a:spLocks noGrp="1"/>
-          </p:cNvSpPr>
-          <p:nvPr>
-            <p:ph idx="1"/>
-          </p:nvPr>
-        </p:nvSpPr>
-        <p:spPr/>
-        <p:txBody>
-          <a:bodyPr/>
-          <a:lstStyle/>
-          <a:p>
-            <a:r>
-              <a:rPr lang="en-US" altLang="ja-JP" dirty="0" err="1" smtClean="0"/>
-              <a:t>Git,GitHub</a:t>
-            </a:r>
-            <a:r>
-              <a:rPr lang="ja-JP" altLang="en-US" dirty="0" smtClean="0"/>
-              <a:t>は就職後も使う人が多いので慣れておくと役立つ</a:t>
-            </a:r>
-            <a:endParaRPr lang="en-US" altLang="ja-JP" dirty="0"/>
-          </a:p>
-          <a:p>
-            <a:r>
-              <a:rPr lang="ja-JP" altLang="ja-JP" dirty="0" smtClean="0"/>
-              <a:t>こまめ</a:t>
-            </a:r>
-            <a:r>
-              <a:rPr lang="ja-JP" altLang="ja-JP" dirty="0"/>
-              <a:t>にコミットプッシュをすると鷹野</a:t>
-            </a:r>
-            <a:r>
-              <a:rPr lang="ja-JP" altLang="ja-JP" dirty="0" smtClean="0"/>
-              <a:t>先生</a:t>
-            </a:r>
-            <a:r>
-              <a:rPr lang="ja-JP" altLang="en-US" dirty="0" smtClean="0"/>
-              <a:t>やメンバー</a:t>
-            </a:r>
-            <a:r>
-              <a:rPr lang="ja-JP" altLang="ja-JP" dirty="0" smtClean="0"/>
-              <a:t>に進捗が</a:t>
-            </a:r>
-            <a:r>
-              <a:rPr lang="ja-JP" altLang="en-US" dirty="0" smtClean="0"/>
-              <a:t>伝わるので、良い</a:t>
-            </a:r>
-            <a:r>
-              <a:rPr lang="ja-JP" altLang="ja-JP" dirty="0" smtClean="0"/>
-              <a:t>アドバイス</a:t>
-            </a:r>
-            <a:r>
-              <a:rPr lang="ja-JP" altLang="ja-JP" dirty="0"/>
-              <a:t>を頂けるかもしれません</a:t>
-            </a:r>
-            <a:r>
-              <a:rPr lang="ja-JP" altLang="ja-JP" dirty="0" smtClean="0"/>
-              <a:t>。</a:t>
-            </a:r>
-            <a:r>
-              <a:rPr lang="ja-JP" altLang="en-US" dirty="0" smtClean="0"/>
-              <a:t>バックアップにもなります。</a:t>
-            </a:r>
-            <a:endParaRPr lang="en-US" altLang="ja-JP" dirty="0" smtClean="0"/>
-          </a:p>
-          <a:p>
-            <a:r>
-              <a:rPr lang="en-US" altLang="ja-JP" dirty="0" smtClean="0"/>
-              <a:t>GitHub Desktop</a:t>
-            </a:r>
-            <a:r>
-              <a:rPr lang="ja-JP" altLang="en-US" dirty="0" smtClean="0"/>
-              <a:t>は</a:t>
-            </a:r>
-            <a:r>
-              <a:rPr lang="en-US" altLang="ja-JP" dirty="0" smtClean="0"/>
-              <a:t>GitHub</a:t>
-            </a:r>
-            <a:r>
-              <a:rPr lang="ja-JP" altLang="en-US" dirty="0" smtClean="0"/>
-              <a:t>の利用を便利してくれます。しかし、一部のリナックス</a:t>
-            </a:r>
-            <a:r>
-              <a:rPr lang="en-US" altLang="ja-JP" dirty="0" smtClean="0"/>
-              <a:t>OS</a:t>
-            </a:r>
-            <a:r>
-              <a:rPr lang="ja-JP" altLang="en-US" dirty="0" smtClean="0"/>
-              <a:t>やラズベリーパイなど使えない環境もあるので、各自、一度コマンドで</a:t>
-            </a:r>
-            <a:r>
-              <a:rPr lang="en-US" altLang="ja-JP" dirty="0" smtClean="0"/>
-              <a:t>GIT</a:t>
-            </a:r>
-            <a:r>
-              <a:rPr lang="ja-JP" altLang="en-US" dirty="0" smtClean="0"/>
-              <a:t>を操作してみると良いと思います。</a:t>
-            </a:r>
-            <a:endParaRPr lang="en-US" altLang="ja-JP" dirty="0" smtClean="0"/>
-          </a:p>
-          <a:p>
-            <a:r>
-              <a:rPr lang="en-US" altLang="ja-JP" dirty="0" smtClean="0">
-                <a:effectLst/>
-              </a:rPr>
-              <a:t>Windows</a:t>
-            </a:r>
-            <a:r>
-              <a:rPr lang="ja-JP" altLang="en-US" dirty="0" smtClean="0">
-                <a:effectLst/>
-              </a:rPr>
-              <a:t>でコマンドラインを用いて</a:t>
-            </a:r>
-            <a:r>
-              <a:rPr lang="en-US" altLang="ja-JP" dirty="0" err="1" smtClean="0">
-                <a:effectLst/>
-              </a:rPr>
-              <a:t>Git</a:t>
-            </a:r>
-            <a:r>
-              <a:rPr lang="ja-JP" altLang="en-US" dirty="0" smtClean="0"/>
-              <a:t>を利用する場合「</a:t>
-            </a:r>
-            <a:r>
-              <a:rPr lang="en-US" altLang="ja-JP" dirty="0" err="1" smtClean="0"/>
-              <a:t>Git</a:t>
-            </a:r>
-            <a:r>
-              <a:rPr lang="en-US" altLang="ja-JP" dirty="0" smtClean="0"/>
-              <a:t> Bash</a:t>
-            </a:r>
-            <a:r>
-              <a:rPr lang="ja-JP" altLang="en-US" dirty="0" smtClean="0"/>
-              <a:t>」を使います。</a:t>
-            </a:r>
-            <a:r>
-              <a:rPr lang="en-US" altLang="ja-JP" dirty="0" smtClean="0"/>
-              <a:t> https://gitforwindows.org/</a:t>
-            </a:r>
-            <a:endParaRPr kumimoji="1" lang="ja-JP" altLang="en-US" dirty="0"/>
-          </a:p>
-        </p:txBody>
-      </p:sp>
-      <p:sp>
-        <p:nvSpPr>
-          <p:cNvPr id="3" name="スライド番号プレースホルダー 2"/>
-          <p:cNvSpPr>
-            <a:spLocks noGrp="1"/>
-          </p:cNvSpPr>
-          <p:nvPr>
-            <p:ph type="sldNum" sz="quarter" idx="12"/>
-          </p:nvPr>
-        </p:nvSpPr>
-        <p:spPr/>
-        <p:txBody>
-          <a:bodyPr/>
-          <a:lstStyle/>
-          <a:p>
-            <a:fld id="{7C6CB327-4739-40F7-91EE-F964CF852706}" type="slidenum">
-              <a:rPr kumimoji="1" lang="ja-JP" altLang="en-US" smtClean="0"/>
-              <a:t>47</a:t>
-            </a:fld>
-            <a:endParaRPr kumimoji="1" lang="ja-JP" altLang="en-US" dirty="0"/>
-          </a:p>
-        </p:txBody>
-      </p:sp>
-    </p:spTree>
-    <p:extLst>
-      <p:ext uri="{BB962C8B-B14F-4D97-AF65-F5344CB8AC3E}">
-        <p14:creationId xmlns:p14="http://schemas.microsoft.com/office/powerpoint/2010/main" val="2551722240"/>
       </p:ext>
     </p:extLst>
   </p:cSld>
@@ -33935,7 +33966,7 @@
         </p:nvSpPr>
         <p:spPr>
           <a:xfrm>
-            <a:off x="838200" y="150941"/>
+            <a:off x="838200" y="395384"/>
             <a:ext cx="10515600" cy="1325563"/>
           </a:xfrm>
         </p:spPr>
@@ -33945,15 +33976,7 @@
           <a:p>
             <a:r>
               <a:rPr lang="ja-JP" altLang="en-US" dirty="0" smtClean="0"/>
-              <a:t>おまけ：鷹野研での「</a:t>
-            </a:r>
-            <a:r>
-              <a:rPr lang="en-US" altLang="ja-JP" dirty="0" smtClean="0"/>
-              <a:t>Issues</a:t>
-            </a:r>
-            <a:r>
-              <a:rPr lang="ja-JP" altLang="en-US" dirty="0" smtClean="0"/>
-              <a:t>」の使い方</a:t>
+              <a:t>さいごに</a:t>
             </a:r>
             <a:endParaRPr lang="en-US" altLang="ja-JP" dirty="0"/>
           </a:p>
@@ -33969,104 +33992,145 @@
             <p:ph idx="1"/>
           </p:nvPr>
         </p:nvSpPr>
-        <p:spPr>
-          <a:xfrm>
-            <a:off x="235390" y="5632234"/>
-            <a:ext cx="11552976" cy="1079158"/>
-          </a:xfrm>
-        </p:spPr>
+        <p:spPr/>
         <p:txBody>
-          <a:bodyPr>
-            <a:normAutofit fontScale="92500"/>
-          </a:bodyPr>
+          <a:bodyPr/>
           <a:lstStyle/>
           <a:p>
-            <a:pPr marL="0" indent="0">
-              <a:buNone/>
-            </a:pPr>
-            <a:r>
-              <a:rPr kumimoji="1" lang="ja-JP" altLang="en-US" dirty="0" smtClean="0"/>
-              <a:t>鷹野研では「</a:t>
-            </a:r>
-            <a:r>
-              <a:rPr kumimoji="1" lang="en-US" altLang="ja-JP" dirty="0" smtClean="0"/>
-              <a:t>Issues</a:t>
-            </a:r>
-            <a:r>
-              <a:rPr kumimoji="1" lang="ja-JP" altLang="en-US" dirty="0" smtClean="0"/>
-              <a:t>」を質問や問題点、アドバイスを書く場所としています。</a:t>
-            </a:r>
-            <a:endParaRPr kumimoji="1" lang="en-US" altLang="ja-JP" dirty="0" smtClean="0"/>
-          </a:p>
-          <a:p>
-            <a:pPr marL="0" indent="0">
-              <a:buNone/>
-            </a:pPr>
-            <a:r>
-              <a:rPr kumimoji="1" lang="ja-JP" altLang="en-US" dirty="0" smtClean="0"/>
-              <a:t>卒研のディスカッション時に発表者に対して皆が書き込みをします。</a:t>
+            <a:r>
+              <a:rPr lang="en-US" altLang="ja-JP" dirty="0" err="1" smtClean="0"/>
+              <a:t>Git,GitHub</a:t>
+            </a:r>
+            <a:r>
+              <a:rPr lang="ja-JP" altLang="en-US" dirty="0" smtClean="0"/>
+              <a:t>は就職後も使う人が多いので慣れておくと役立つ</a:t>
+            </a:r>
+            <a:endParaRPr lang="en-US" altLang="ja-JP" dirty="0"/>
+          </a:p>
+          <a:p>
+            <a:r>
+              <a:rPr lang="ja-JP" altLang="ja-JP" dirty="0" smtClean="0"/>
+              <a:t>こまめ</a:t>
+            </a:r>
+            <a:r>
+              <a:rPr lang="ja-JP" altLang="ja-JP" dirty="0"/>
+              <a:t>にコミットプッシュをすると鷹野</a:t>
+            </a:r>
+            <a:r>
+              <a:rPr lang="ja-JP" altLang="ja-JP" dirty="0" smtClean="0"/>
+              <a:t>先生</a:t>
+            </a:r>
+            <a:r>
+              <a:rPr lang="ja-JP" altLang="en-US" dirty="0" smtClean="0"/>
+              <a:t>やメンバー</a:t>
+            </a:r>
+            <a:r>
+              <a:rPr lang="ja-JP" altLang="ja-JP" dirty="0" smtClean="0"/>
+              <a:t>に進捗が</a:t>
+            </a:r>
+            <a:r>
+              <a:rPr lang="ja-JP" altLang="en-US" dirty="0" smtClean="0"/>
+              <a:t>伝わるので、良い</a:t>
+            </a:r>
+            <a:r>
+              <a:rPr lang="ja-JP" altLang="ja-JP" dirty="0" smtClean="0"/>
+              <a:t>アドバイス</a:t>
+            </a:r>
+            <a:r>
+              <a:rPr lang="ja-JP" altLang="ja-JP" dirty="0"/>
+              <a:t>を頂けるかもしれません</a:t>
+            </a:r>
+            <a:r>
+              <a:rPr lang="ja-JP" altLang="ja-JP" dirty="0" smtClean="0"/>
+              <a:t>。</a:t>
+            </a:r>
+            <a:r>
+              <a:rPr lang="ja-JP" altLang="en-US" dirty="0" smtClean="0"/>
+              <a:t>バックアップにもなります。</a:t>
+            </a:r>
+            <a:endParaRPr lang="en-US" altLang="ja-JP" dirty="0" smtClean="0"/>
+          </a:p>
+          <a:p>
+            <a:r>
+              <a:rPr lang="en-US" altLang="ja-JP" dirty="0" smtClean="0"/>
+              <a:t>GitHub Desktop</a:t>
+            </a:r>
+            <a:r>
+              <a:rPr lang="ja-JP" altLang="en-US" dirty="0" smtClean="0"/>
+              <a:t>は</a:t>
+            </a:r>
+            <a:r>
+              <a:rPr lang="en-US" altLang="ja-JP" dirty="0" smtClean="0"/>
+              <a:t>GitHub</a:t>
+            </a:r>
+            <a:r>
+              <a:rPr lang="ja-JP" altLang="en-US" dirty="0" smtClean="0"/>
+              <a:t>の利用を便利してくれます。しかし、一部のリナックス</a:t>
+            </a:r>
+            <a:r>
+              <a:rPr lang="en-US" altLang="ja-JP" dirty="0" smtClean="0"/>
+              <a:t>OS</a:t>
+            </a:r>
+            <a:r>
+              <a:rPr lang="ja-JP" altLang="en-US" dirty="0" smtClean="0"/>
+              <a:t>やラズベリーパイなど使えない環境もあるので、各自、一度コマンドで</a:t>
+            </a:r>
+            <a:r>
+              <a:rPr lang="en-US" altLang="ja-JP" dirty="0" smtClean="0"/>
+              <a:t>GIT</a:t>
+            </a:r>
+            <a:r>
+              <a:rPr lang="ja-JP" altLang="en-US" dirty="0" smtClean="0"/>
+              <a:t>を操作してみると良いと思います。</a:t>
+            </a:r>
+            <a:endParaRPr lang="en-US" altLang="ja-JP" dirty="0" smtClean="0"/>
+          </a:p>
+          <a:p>
+            <a:r>
+              <a:rPr lang="en-US" altLang="ja-JP" dirty="0" smtClean="0">
+                <a:effectLst/>
+              </a:rPr>
+              <a:t>Windows</a:t>
+            </a:r>
+            <a:r>
+              <a:rPr lang="ja-JP" altLang="en-US" dirty="0" smtClean="0">
+                <a:effectLst/>
+              </a:rPr>
+              <a:t>でコマンドラインを用いて</a:t>
+            </a:r>
+            <a:r>
+              <a:rPr lang="en-US" altLang="ja-JP" dirty="0" err="1" smtClean="0">
+                <a:effectLst/>
+              </a:rPr>
+              <a:t>Git</a:t>
+            </a:r>
+            <a:r>
+              <a:rPr lang="ja-JP" altLang="en-US" dirty="0" smtClean="0"/>
+              <a:t>を利用する場合「</a:t>
+            </a:r>
+            <a:r>
+              <a:rPr lang="en-US" altLang="ja-JP" dirty="0" err="1" smtClean="0"/>
+              <a:t>Git</a:t>
+            </a:r>
+            <a:r>
+              <a:rPr lang="en-US" altLang="ja-JP" dirty="0" smtClean="0"/>
+              <a:t> Bash</a:t>
+            </a:r>
+            <a:r>
+              <a:rPr lang="ja-JP" altLang="en-US" dirty="0" smtClean="0"/>
+              <a:t>」を使います。</a:t>
+            </a:r>
+            <a:r>
+              <a:rPr lang="en-US" altLang="ja-JP" dirty="0" smtClean="0"/>
+              <a:t> https://gitforwindows.org/</a:t>
             </a:r>
             <a:endParaRPr kumimoji="1" lang="ja-JP" altLang="en-US" dirty="0"/>
           </a:p>
         </p:txBody>
       </p:sp>
-      <p:pic>
-        <p:nvPicPr>
-          <p:cNvPr id="3" name="図 2"/>
-          <p:cNvPicPr>
-            <a:picLocks noChangeAspect="1"/>
-          </p:cNvPicPr>
-          <p:nvPr/>
-        </p:nvPicPr>
-        <p:blipFill>
-          <a:blip r:embed="rId2"/>
-          <a:stretch>
-            <a:fillRect/>
-          </a:stretch>
-        </p:blipFill>
-        <p:spPr>
-          <a:xfrm>
-            <a:off x="1425145" y="1237594"/>
-            <a:ext cx="9803027" cy="4161212"/>
-          </a:xfrm>
-          <a:prstGeom prst="rect">
-            <a:avLst/>
-          </a:prstGeom>
-          <a:solidFill>
-            <a:srgbClr val="FFFFFF">
-              <a:shade val="85000"/>
-            </a:srgbClr>
-          </a:solidFill>
-          <a:ln w="88900" cap="sq">
-            <a:solidFill>
-              <a:srgbClr val="FFFFFF"/>
-            </a:solidFill>
-            <a:miter lim="800000"/>
-          </a:ln>
-          <a:effectLst>
-            <a:outerShdw blurRad="55000" dist="18000" dir="5400000" algn="tl" rotWithShape="0">
-              <a:srgbClr val="000000">
-                <a:alpha val="40000"/>
-              </a:srgbClr>
-            </a:outerShdw>
-          </a:effectLst>
-          <a:scene3d>
-            <a:camera prst="orthographicFront"/>
-            <a:lightRig rig="twoPt" dir="t">
-              <a:rot lat="0" lon="0" rev="7200000"/>
-            </a:lightRig>
-          </a:scene3d>
-          <a:sp3d>
-            <a:bevelT w="25400" h="19050"/>
-            <a:contourClr>
-              <a:srgbClr val="FFFFFF"/>
-            </a:contourClr>
-          </a:sp3d>
-        </p:spPr>
-      </p:pic>
-      <p:sp>
-        <p:nvSpPr>
-          <p:cNvPr id="5" name="スライド番号プレースホルダー 4"/>
+      <p:sp>
+        <p:nvSpPr>
+          <p:cNvPr id="3" name="スライド番号プレースホルダー 2"/>
           <p:cNvSpPr>
             <a:spLocks noGrp="1"/>
           </p:cNvSpPr>
@@ -34090,7 +34154,7 @@
     </p:spTree>
     <p:extLst>
       <p:ext uri="{BB962C8B-B14F-4D97-AF65-F5344CB8AC3E}">
-        <p14:creationId xmlns:p14="http://schemas.microsoft.com/office/powerpoint/2010/main" val="4122138933"/>
+        <p14:creationId xmlns:p14="http://schemas.microsoft.com/office/powerpoint/2010/main" val="2551722240"/>
       </p:ext>
     </p:extLst>
   </p:cSld>
@@ -35319,6 +35383,200 @@
           <a:p>
             <a:r>
               <a:rPr lang="ja-JP" altLang="en-US" dirty="0" smtClean="0"/>
+              <a:t>おまけ：鷹野研での「</a:t>
+            </a:r>
+            <a:r>
+              <a:rPr lang="en-US" altLang="ja-JP" dirty="0" smtClean="0"/>
+              <a:t>Issues</a:t>
+            </a:r>
+            <a:r>
+              <a:rPr lang="ja-JP" altLang="en-US" dirty="0" smtClean="0"/>
+              <a:t>」の使い方</a:t>
+            </a:r>
+            <a:endParaRPr lang="en-US" altLang="ja-JP" dirty="0"/>
+          </a:p>
+        </p:txBody>
+      </p:sp>
+      <p:sp>
+        <p:nvSpPr>
+          <p:cNvPr id="4" name="コンテンツ プレースホルダー 3"/>
+          <p:cNvSpPr>
+            <a:spLocks noGrp="1"/>
+          </p:cNvSpPr>
+          <p:nvPr>
+            <p:ph idx="1"/>
+          </p:nvPr>
+        </p:nvSpPr>
+        <p:spPr>
+          <a:xfrm>
+            <a:off x="235390" y="5632234"/>
+            <a:ext cx="11552976" cy="1079158"/>
+          </a:xfrm>
+        </p:spPr>
+        <p:txBody>
+          <a:bodyPr>
+            <a:normAutofit fontScale="92500"/>
+          </a:bodyPr>
+          <a:lstStyle/>
+          <a:p>
+            <a:pPr marL="0" indent="0">
+              <a:buNone/>
+            </a:pPr>
+            <a:r>
+              <a:rPr kumimoji="1" lang="ja-JP" altLang="en-US" dirty="0" smtClean="0"/>
+              <a:t>鷹野研では「</a:t>
+            </a:r>
+            <a:r>
+              <a:rPr kumimoji="1" lang="en-US" altLang="ja-JP" dirty="0" smtClean="0"/>
+              <a:t>Issues</a:t>
+            </a:r>
+            <a:r>
+              <a:rPr kumimoji="1" lang="ja-JP" altLang="en-US" dirty="0" smtClean="0"/>
+              <a:t>」を質問や問題点、アドバイスを書く場所としています。</a:t>
+            </a:r>
+            <a:endParaRPr kumimoji="1" lang="en-US" altLang="ja-JP" dirty="0" smtClean="0"/>
+          </a:p>
+          <a:p>
+            <a:pPr marL="0" indent="0">
+              <a:buNone/>
+            </a:pPr>
+            <a:r>
+              <a:rPr kumimoji="1" lang="ja-JP" altLang="en-US" dirty="0" smtClean="0"/>
+              <a:t>卒研のディスカッション時に発表者に対して皆が書き込みをします。</a:t>
+            </a:r>
+            <a:endParaRPr kumimoji="1" lang="ja-JP" altLang="en-US" dirty="0"/>
+          </a:p>
+        </p:txBody>
+      </p:sp>
+      <p:pic>
+        <p:nvPicPr>
+          <p:cNvPr id="3" name="図 2"/>
+          <p:cNvPicPr>
+            <a:picLocks noChangeAspect="1"/>
+          </p:cNvPicPr>
+          <p:nvPr/>
+        </p:nvPicPr>
+        <p:blipFill>
+          <a:blip r:embed="rId2"/>
+          <a:stretch>
+            <a:fillRect/>
+          </a:stretch>
+        </p:blipFill>
+        <p:spPr>
+          <a:xfrm>
+            <a:off x="1425145" y="1237594"/>
+            <a:ext cx="9803027" cy="4161212"/>
+          </a:xfrm>
+          <a:prstGeom prst="rect">
+            <a:avLst/>
+          </a:prstGeom>
+          <a:solidFill>
+            <a:srgbClr val="FFFFFF">
+              <a:shade val="85000"/>
+            </a:srgbClr>
+          </a:solidFill>
+          <a:ln w="88900" cap="sq">
+            <a:solidFill>
+              <a:srgbClr val="FFFFFF"/>
+            </a:solidFill>
+            <a:miter lim="800000"/>
+          </a:ln>
+          <a:effectLst>
+            <a:outerShdw blurRad="55000" dist="18000" dir="5400000" algn="tl" rotWithShape="0">
+              <a:srgbClr val="000000">
+                <a:alpha val="40000"/>
+              </a:srgbClr>
+            </a:outerShdw>
+          </a:effectLst>
+          <a:scene3d>
+            <a:camera prst="orthographicFront"/>
+            <a:lightRig rig="twoPt" dir="t">
+              <a:rot lat="0" lon="0" rev="7200000"/>
+            </a:lightRig>
+          </a:scene3d>
+          <a:sp3d>
+            <a:bevelT w="25400" h="19050"/>
+            <a:contourClr>
+              <a:srgbClr val="FFFFFF"/>
+            </a:contourClr>
+          </a:sp3d>
+        </p:spPr>
+      </p:pic>
+      <p:sp>
+        <p:nvSpPr>
+          <p:cNvPr id="5" name="スライド番号プレースホルダー 4"/>
+          <p:cNvSpPr>
+            <a:spLocks noGrp="1"/>
+          </p:cNvSpPr>
+          <p:nvPr>
+            <p:ph type="sldNum" sz="quarter" idx="12"/>
+          </p:nvPr>
+        </p:nvSpPr>
+        <p:spPr/>
+        <p:txBody>
+          <a:bodyPr/>
+          <a:lstStyle/>
+          <a:p>
+            <a:fld id="{7C6CB327-4739-40F7-91EE-F964CF852706}" type="slidenum">
+              <a:rPr kumimoji="1" lang="ja-JP" altLang="en-US" smtClean="0"/>
+              <a:t>49</a:t>
+            </a:fld>
+            <a:endParaRPr kumimoji="1" lang="ja-JP" altLang="en-US" dirty="0"/>
+          </a:p>
+        </p:txBody>
+      </p:sp>
+    </p:spTree>
+    <p:extLst>
+      <p:ext uri="{BB962C8B-B14F-4D97-AF65-F5344CB8AC3E}">
+        <p14:creationId xmlns:p14="http://schemas.microsoft.com/office/powerpoint/2010/main" val="4122138933"/>
+      </p:ext>
+    </p:extLst>
+  </p:cSld>
+  <p:clrMapOvr>
+    <a:masterClrMapping/>
+  </p:clrMapOvr>
+</p:sld>
+</file>
+
+<file path=ppt/slides/slide51.xml><?xml version="1.0" encoding="utf-8"?>
+<p:sld xmlns:a="http://schemas.openxmlformats.org/drawingml/2006/main" xmlns:r="http://schemas.openxmlformats.org/officeDocument/2006/relationships" xmlns:p="http://schemas.openxmlformats.org/presentationml/2006/main">
+  <p:cSld>
+    <p:spTree>
+      <p:nvGrpSpPr>
+        <p:cNvPr id="1" name=""/>
+        <p:cNvGrpSpPr/>
+        <p:nvPr/>
+      </p:nvGrpSpPr>
+      <p:grpSpPr>
+        <a:xfrm>
+          <a:off x="0" y="0"/>
+          <a:ext cx="0" cy="0"/>
+          <a:chOff x="0" y="0"/>
+          <a:chExt cx="0" cy="0"/>
+        </a:xfrm>
+      </p:grpSpPr>
+      <p:sp>
+        <p:nvSpPr>
+          <p:cNvPr id="2" name="タイトル 1"/>
+          <p:cNvSpPr>
+            <a:spLocks noGrp="1"/>
+          </p:cNvSpPr>
+          <p:nvPr>
+            <p:ph type="title"/>
+          </p:nvPr>
+        </p:nvSpPr>
+        <p:spPr>
+          <a:xfrm>
+            <a:off x="838200" y="150941"/>
+            <a:ext cx="10515600" cy="1325563"/>
+          </a:xfrm>
+        </p:spPr>
+        <p:txBody>
+          <a:bodyPr/>
+          <a:lstStyle/>
+          <a:p>
+            <a:r>
+              <a:rPr lang="ja-JP" altLang="en-US" dirty="0" smtClean="0"/>
               <a:t>おまけ：変更前のファイルに戻す</a:t>
             </a:r>
             <a:endParaRPr lang="en-US" altLang="ja-JP" dirty="0"/>
@@ -35468,7 +35726,7 @@
           <a:p>
             <a:fld id="{7C6CB327-4739-40F7-91EE-F964CF852706}" type="slidenum">
               <a:rPr kumimoji="1" lang="ja-JP" altLang="en-US" smtClean="0"/>
-              <a:t>49</a:t>
+              <a:t>50</a:t>
             </a:fld>
             <a:endParaRPr kumimoji="1" lang="ja-JP" altLang="en-US" dirty="0"/>
           </a:p>
@@ -35478,164 +35736,6 @@
     <p:extLst>
       <p:ext uri="{BB962C8B-B14F-4D97-AF65-F5344CB8AC3E}">
         <p14:creationId xmlns:p14="http://schemas.microsoft.com/office/powerpoint/2010/main" val="4155540780"/>
-      </p:ext>
-    </p:extLst>
-  </p:cSld>
-  <p:clrMapOvr>
-    <a:masterClrMapping/>
-  </p:clrMapOvr>
-</p:sld>
-</file>
-
-<file path=ppt/slides/slide51.xml><?xml version="1.0" encoding="utf-8"?>
-<p:sld xmlns:a="http://schemas.openxmlformats.org/drawingml/2006/main" xmlns:r="http://schemas.openxmlformats.org/officeDocument/2006/relationships" xmlns:p="http://schemas.openxmlformats.org/presentationml/2006/main">
-  <p:cSld>
-    <p:spTree>
-      <p:nvGrpSpPr>
-        <p:cNvPr id="1" name=""/>
-        <p:cNvGrpSpPr/>
-        <p:nvPr/>
-      </p:nvGrpSpPr>
-      <p:grpSpPr>
-        <a:xfrm>
-          <a:off x="0" y="0"/>
-          <a:ext cx="0" cy="0"/>
-          <a:chOff x="0" y="0"/>
-          <a:chExt cx="0" cy="0"/>
-        </a:xfrm>
-      </p:grpSpPr>
-      <p:sp>
-        <p:nvSpPr>
-          <p:cNvPr id="2" name="タイトル 1"/>
-          <p:cNvSpPr>
-            <a:spLocks noGrp="1"/>
-          </p:cNvSpPr>
-          <p:nvPr>
-            <p:ph type="title"/>
-          </p:nvPr>
-        </p:nvSpPr>
-        <p:spPr>
-          <a:xfrm>
-            <a:off x="838200" y="150941"/>
-            <a:ext cx="10515600" cy="1325563"/>
-          </a:xfrm>
-        </p:spPr>
-        <p:txBody>
-          <a:bodyPr/>
-          <a:lstStyle/>
-          <a:p>
-            <a:r>
-              <a:rPr lang="ja-JP" altLang="en-US" dirty="0" smtClean="0"/>
-              <a:t>おまけ：変更前のファイルに戻す</a:t>
-            </a:r>
-            <a:endParaRPr lang="en-US" altLang="ja-JP" dirty="0"/>
-          </a:p>
-        </p:txBody>
-      </p:sp>
-      <p:sp>
-        <p:nvSpPr>
-          <p:cNvPr id="4" name="コンテンツ プレースホルダー 3"/>
-          <p:cNvSpPr>
-            <a:spLocks noGrp="1"/>
-          </p:cNvSpPr>
-          <p:nvPr>
-            <p:ph idx="1"/>
-          </p:nvPr>
-        </p:nvSpPr>
-        <p:spPr>
-          <a:xfrm>
-            <a:off x="1980169" y="5747361"/>
-            <a:ext cx="8231659" cy="1079158"/>
-          </a:xfrm>
-        </p:spPr>
-        <p:txBody>
-          <a:bodyPr>
-            <a:normAutofit lnSpcReduction="10000"/>
-          </a:bodyPr>
-          <a:lstStyle/>
-          <a:p>
-            <a:pPr marL="0" indent="0">
-              <a:buNone/>
-            </a:pPr>
-            <a:r>
-              <a:rPr lang="en-US" altLang="ja-JP" sz="4000" dirty="0"/>
-              <a:t>GitHub </a:t>
-            </a:r>
-            <a:r>
-              <a:rPr lang="en-US" altLang="ja-JP" sz="4000" dirty="0" smtClean="0"/>
-              <a:t>Desktop</a:t>
-            </a:r>
-            <a:r>
-              <a:rPr lang="ja-JP" altLang="en-US" sz="4000" dirty="0"/>
-              <a:t>から</a:t>
-            </a:r>
-            <a:r>
-              <a:rPr lang="ja-JP" altLang="en-US" sz="4000" dirty="0" smtClean="0"/>
-              <a:t>「</a:t>
-            </a:r>
-            <a:r>
-              <a:rPr lang="en-US" altLang="ja-JP" sz="4000" dirty="0"/>
-              <a:t>History</a:t>
-            </a:r>
-            <a:r>
-              <a:rPr lang="ja-JP" altLang="en-US" sz="4000" dirty="0" smtClean="0"/>
-              <a:t>」を選択。</a:t>
-            </a:r>
-            <a:endParaRPr kumimoji="1" lang="ja-JP" altLang="en-US" sz="4000" dirty="0"/>
-          </a:p>
-        </p:txBody>
-      </p:sp>
-      <p:pic>
-        <p:nvPicPr>
-          <p:cNvPr id="5" name="図 4"/>
-          <p:cNvPicPr>
-            <a:picLocks noChangeAspect="1"/>
-          </p:cNvPicPr>
-          <p:nvPr/>
-        </p:nvPicPr>
-        <p:blipFill>
-          <a:blip r:embed="rId2"/>
-          <a:stretch>
-            <a:fillRect/>
-          </a:stretch>
-        </p:blipFill>
-        <p:spPr>
-          <a:xfrm>
-            <a:off x="2901940" y="1167289"/>
-            <a:ext cx="6388119" cy="4427673"/>
-          </a:xfrm>
-          <a:prstGeom prst="rect">
-            <a:avLst/>
-          </a:prstGeom>
-        </p:spPr>
-      </p:pic>
-      <p:sp>
-        <p:nvSpPr>
-          <p:cNvPr id="3" name="スライド番号プレースホルダー 2"/>
-          <p:cNvSpPr>
-            <a:spLocks noGrp="1"/>
-          </p:cNvSpPr>
-          <p:nvPr>
-            <p:ph type="sldNum" sz="quarter" idx="12"/>
-          </p:nvPr>
-        </p:nvSpPr>
-        <p:spPr/>
-        <p:txBody>
-          <a:bodyPr/>
-          <a:lstStyle/>
-          <a:p>
-            <a:fld id="{7C6CB327-4739-40F7-91EE-F964CF852706}" type="slidenum">
-              <a:rPr kumimoji="1" lang="ja-JP" altLang="en-US" smtClean="0"/>
-              <a:t>50</a:t>
-            </a:fld>
-            <a:endParaRPr kumimoji="1" lang="ja-JP" altLang="en-US" dirty="0"/>
-          </a:p>
-        </p:txBody>
-      </p:sp>
-    </p:spTree>
-    <p:extLst>
-      <p:ext uri="{BB962C8B-B14F-4D97-AF65-F5344CB8AC3E}">
-        <p14:creationId xmlns:p14="http://schemas.microsoft.com/office/powerpoint/2010/main" val="2885359874"/>
       </p:ext>
     </p:extLst>
   </p:cSld>
@@ -35702,6 +35802,164 @@
         </p:nvSpPr>
         <p:spPr>
           <a:xfrm>
+            <a:off x="1980169" y="5747361"/>
+            <a:ext cx="8231659" cy="1079158"/>
+          </a:xfrm>
+        </p:spPr>
+        <p:txBody>
+          <a:bodyPr>
+            <a:normAutofit lnSpcReduction="10000"/>
+          </a:bodyPr>
+          <a:lstStyle/>
+          <a:p>
+            <a:pPr marL="0" indent="0">
+              <a:buNone/>
+            </a:pPr>
+            <a:r>
+              <a:rPr lang="en-US" altLang="ja-JP" sz="4000" dirty="0"/>
+              <a:t>GitHub </a:t>
+            </a:r>
+            <a:r>
+              <a:rPr lang="en-US" altLang="ja-JP" sz="4000" dirty="0" smtClean="0"/>
+              <a:t>Desktop</a:t>
+            </a:r>
+            <a:r>
+              <a:rPr lang="ja-JP" altLang="en-US" sz="4000" dirty="0"/>
+              <a:t>から</a:t>
+            </a:r>
+            <a:r>
+              <a:rPr lang="ja-JP" altLang="en-US" sz="4000" dirty="0" smtClean="0"/>
+              <a:t>「</a:t>
+            </a:r>
+            <a:r>
+              <a:rPr lang="en-US" altLang="ja-JP" sz="4000" dirty="0"/>
+              <a:t>History</a:t>
+            </a:r>
+            <a:r>
+              <a:rPr lang="ja-JP" altLang="en-US" sz="4000" dirty="0" smtClean="0"/>
+              <a:t>」を選択。</a:t>
+            </a:r>
+            <a:endParaRPr kumimoji="1" lang="ja-JP" altLang="en-US" sz="4000" dirty="0"/>
+          </a:p>
+        </p:txBody>
+      </p:sp>
+      <p:pic>
+        <p:nvPicPr>
+          <p:cNvPr id="5" name="図 4"/>
+          <p:cNvPicPr>
+            <a:picLocks noChangeAspect="1"/>
+          </p:cNvPicPr>
+          <p:nvPr/>
+        </p:nvPicPr>
+        <p:blipFill>
+          <a:blip r:embed="rId2"/>
+          <a:stretch>
+            <a:fillRect/>
+          </a:stretch>
+        </p:blipFill>
+        <p:spPr>
+          <a:xfrm>
+            <a:off x="2901940" y="1167289"/>
+            <a:ext cx="6388119" cy="4427673"/>
+          </a:xfrm>
+          <a:prstGeom prst="rect">
+            <a:avLst/>
+          </a:prstGeom>
+        </p:spPr>
+      </p:pic>
+      <p:sp>
+        <p:nvSpPr>
+          <p:cNvPr id="3" name="スライド番号プレースホルダー 2"/>
+          <p:cNvSpPr>
+            <a:spLocks noGrp="1"/>
+          </p:cNvSpPr>
+          <p:nvPr>
+            <p:ph type="sldNum" sz="quarter" idx="12"/>
+          </p:nvPr>
+        </p:nvSpPr>
+        <p:spPr/>
+        <p:txBody>
+          <a:bodyPr/>
+          <a:lstStyle/>
+          <a:p>
+            <a:fld id="{7C6CB327-4739-40F7-91EE-F964CF852706}" type="slidenum">
+              <a:rPr kumimoji="1" lang="ja-JP" altLang="en-US" smtClean="0"/>
+              <a:t>51</a:t>
+            </a:fld>
+            <a:endParaRPr kumimoji="1" lang="ja-JP" altLang="en-US" dirty="0"/>
+          </a:p>
+        </p:txBody>
+      </p:sp>
+    </p:spTree>
+    <p:extLst>
+      <p:ext uri="{BB962C8B-B14F-4D97-AF65-F5344CB8AC3E}">
+        <p14:creationId xmlns:p14="http://schemas.microsoft.com/office/powerpoint/2010/main" val="2885359874"/>
+      </p:ext>
+    </p:extLst>
+  </p:cSld>
+  <p:clrMapOvr>
+    <a:masterClrMapping/>
+  </p:clrMapOvr>
+</p:sld>
+</file>
+
+<file path=ppt/slides/slide53.xml><?xml version="1.0" encoding="utf-8"?>
+<p:sld xmlns:a="http://schemas.openxmlformats.org/drawingml/2006/main" xmlns:r="http://schemas.openxmlformats.org/officeDocument/2006/relationships" xmlns:p="http://schemas.openxmlformats.org/presentationml/2006/main">
+  <p:cSld>
+    <p:spTree>
+      <p:nvGrpSpPr>
+        <p:cNvPr id="1" name=""/>
+        <p:cNvGrpSpPr/>
+        <p:nvPr/>
+      </p:nvGrpSpPr>
+      <p:grpSpPr>
+        <a:xfrm>
+          <a:off x="0" y="0"/>
+          <a:ext cx="0" cy="0"/>
+          <a:chOff x="0" y="0"/>
+          <a:chExt cx="0" cy="0"/>
+        </a:xfrm>
+      </p:grpSpPr>
+      <p:sp>
+        <p:nvSpPr>
+          <p:cNvPr id="2" name="タイトル 1"/>
+          <p:cNvSpPr>
+            <a:spLocks noGrp="1"/>
+          </p:cNvSpPr>
+          <p:nvPr>
+            <p:ph type="title"/>
+          </p:nvPr>
+        </p:nvSpPr>
+        <p:spPr>
+          <a:xfrm>
+            <a:off x="838200" y="150941"/>
+            <a:ext cx="10515600" cy="1325563"/>
+          </a:xfrm>
+        </p:spPr>
+        <p:txBody>
+          <a:bodyPr/>
+          <a:lstStyle/>
+          <a:p>
+            <a:r>
+              <a:rPr lang="ja-JP" altLang="en-US" dirty="0" smtClean="0"/>
+              <a:t>おまけ：変更前のファイルに戻す</a:t>
+            </a:r>
+            <a:endParaRPr lang="en-US" altLang="ja-JP" dirty="0"/>
+          </a:p>
+        </p:txBody>
+      </p:sp>
+      <p:sp>
+        <p:nvSpPr>
+          <p:cNvPr id="4" name="コンテンツ プレースホルダー 3"/>
+          <p:cNvSpPr>
+            <a:spLocks noGrp="1"/>
+          </p:cNvSpPr>
+          <p:nvPr>
+            <p:ph idx="1"/>
+          </p:nvPr>
+        </p:nvSpPr>
+        <p:spPr>
+          <a:xfrm>
             <a:off x="877329" y="5467276"/>
             <a:ext cx="10437340" cy="587536"/>
           </a:xfrm>
@@ -35776,7 +36034,7 @@
           <a:p>
             <a:fld id="{7C6CB327-4739-40F7-91EE-F964CF852706}" type="slidenum">
               <a:rPr kumimoji="1" lang="ja-JP" altLang="en-US" smtClean="0"/>
-              <a:t>51</a:t>
+              <a:t>52</a:t>
             </a:fld>
             <a:endParaRPr kumimoji="1" lang="ja-JP" altLang="en-US" dirty="0"/>
           </a:p>
@@ -35795,7 +36053,7 @@
 </p:sld>
 </file>
 
-<file path=ppt/slides/slide53.xml><?xml version="1.0" encoding="utf-8"?>
+<file path=ppt/slides/slide54.xml><?xml version="1.0" encoding="utf-8"?>
 <p:sld xmlns:a="http://schemas.openxmlformats.org/drawingml/2006/main" xmlns:r="http://schemas.openxmlformats.org/officeDocument/2006/relationships" xmlns:p="http://schemas.openxmlformats.org/presentationml/2006/main">
   <p:cSld>
     <p:spTree>
@@ -35968,7 +36226,7 @@
           <a:p>
             <a:fld id="{7C6CB327-4739-40F7-91EE-F964CF852706}" type="slidenum">
               <a:rPr kumimoji="1" lang="ja-JP" altLang="en-US" smtClean="0"/>
-              <a:t>52</a:t>
+              <a:t>53</a:t>
             </a:fld>
             <a:endParaRPr kumimoji="1" lang="ja-JP" altLang="en-US" dirty="0"/>
           </a:p>
@@ -35987,7 +36245,7 @@
 </p:sld>
 </file>
 
-<file path=ppt/slides/slide54.xml><?xml version="1.0" encoding="utf-8"?>
+<file path=ppt/slides/slide55.xml><?xml version="1.0" encoding="utf-8"?>
 <p:sld xmlns:a="http://schemas.openxmlformats.org/drawingml/2006/main" xmlns:r="http://schemas.openxmlformats.org/officeDocument/2006/relationships" xmlns:p="http://schemas.openxmlformats.org/presentationml/2006/main">
   <p:cSld>
     <p:spTree>
@@ -36178,7 +36436,7 @@
           <a:p>
             <a:fld id="{7C6CB327-4739-40F7-91EE-F964CF852706}" type="slidenum">
               <a:rPr kumimoji="1" lang="ja-JP" altLang="en-US" smtClean="0"/>
-              <a:t>53</a:t>
+              <a:t>54</a:t>
             </a:fld>
             <a:endParaRPr kumimoji="1" lang="ja-JP" altLang="en-US" dirty="0"/>
           </a:p>
@@ -38920,15 +39178,6 @@
 </file>
 
 <file path=customXml/item1.xml><?xml version="1.0" encoding="utf-8"?>
-<?mso-contentType ?>
-<FormTemplates xmlns="http://schemas.microsoft.com/sharepoint/v3/contenttype/forms">
-  <Display>DocumentLibraryForm</Display>
-  <Edit>DocumentLibraryForm</Edit>
-  <New>DocumentLibraryForm</New>
-</FormTemplates>
-</file>
-
-<file path=customXml/item2.xml><?xml version="1.0" encoding="utf-8"?>
 <ct:contentTypeSchema xmlns:ct="http://schemas.microsoft.com/office/2006/metadata/contentType" xmlns:ma="http://schemas.microsoft.com/office/2006/metadata/properties/metaAttributes" ct:_="" ma:_="" ma:contentTypeName="ドキュメント" ma:contentTypeID="0x010100BB83E17D17FF644F9FFD9A99A2009573" ma:contentTypeVersion="8" ma:contentTypeDescription="新しいドキュメントを作成します。" ma:contentTypeScope="" ma:versionID="2fb67b2ca1a82775ba3d00c8d594b1cb">
   <xsd:schema xmlns:xsd="http://www.w3.org/2001/XMLSchema" xmlns:xs="http://www.w3.org/2001/XMLSchema" xmlns:p="http://schemas.microsoft.com/office/2006/metadata/properties" xmlns:ns2="a2bc6c6f-a0bb-4b84-b757-6fa3eba60e2e" targetNamespace="http://schemas.microsoft.com/office/2006/metadata/properties" ma:root="true" ma:fieldsID="61dd9ca9327f0199f66cbe698a9d8b1e" ns2:_="">
     <xsd:import namespace="a2bc6c6f-a0bb-4b84-b757-6fa3eba60e2e"/>
@@ -39098,21 +39347,22 @@
 </ct:contentTypeSchema>
 </file>
 
-<file path=customXml/item3.xml><?xml version="1.0" encoding="utf-8"?>
+<file path=customXml/item2.xml><?xml version="1.0" encoding="utf-8"?>
 <p:properties xmlns:p="http://schemas.microsoft.com/office/2006/metadata/properties" xmlns:xsi="http://www.w3.org/2001/XMLSchema-instance" xmlns:pc="http://schemas.microsoft.com/office/infopath/2007/PartnerControls">
   <documentManagement/>
 </p:properties>
 </file>
 
-<file path=customXml/itemProps1.xml><?xml version="1.0" encoding="utf-8"?>
-<ds:datastoreItem xmlns:ds="http://schemas.openxmlformats.org/officeDocument/2006/customXml" ds:itemID="{244CD9D7-E214-4473-8806-C93D215B9651}">
-  <ds:schemaRefs>
-    <ds:schemaRef ds:uri="http://schemas.microsoft.com/sharepoint/v3/contenttype/forms"/>
-  </ds:schemaRefs>
-</ds:datastoreItem>
+<file path=customXml/item3.xml><?xml version="1.0" encoding="utf-8"?>
+<?mso-contentType ?>
+<FormTemplates xmlns="http://schemas.microsoft.com/sharepoint/v3/contenttype/forms">
+  <Display>DocumentLibraryForm</Display>
+  <Edit>DocumentLibraryForm</Edit>
+  <New>DocumentLibraryForm</New>
+</FormTemplates>
 </file>
 
-<file path=customXml/itemProps2.xml><?xml version="1.0" encoding="utf-8"?>
+<file path=customXml/itemProps1.xml><?xml version="1.0" encoding="utf-8"?>
 <ds:datastoreItem xmlns:ds="http://schemas.openxmlformats.org/officeDocument/2006/customXml" ds:itemID="{90297BE2-5AC6-4801-8903-2378BD7DB9C2}">
   <ds:schemaRefs>
     <ds:schemaRef ds:uri="http://schemas.microsoft.com/office/2006/metadata/contentType"/>
@@ -39130,11 +39380,19 @@
 </ds:datastoreItem>
 </file>
 
-<file path=customXml/itemProps3.xml><?xml version="1.0" encoding="utf-8"?>
+<file path=customXml/itemProps2.xml><?xml version="1.0" encoding="utf-8"?>
 <ds:datastoreItem xmlns:ds="http://schemas.openxmlformats.org/officeDocument/2006/customXml" ds:itemID="{89A7A39C-1D4C-435F-92CE-7B41D6101916}">
   <ds:schemaRefs>
     <ds:schemaRef ds:uri="http://schemas.microsoft.com/office/2006/metadata/properties"/>
     <ds:schemaRef ds:uri="http://schemas.microsoft.com/office/infopath/2007/PartnerControls"/>
   </ds:schemaRefs>
 </ds:datastoreItem>
+</file>
+
+<file path=customXml/itemProps3.xml><?xml version="1.0" encoding="utf-8"?>
+<ds:datastoreItem xmlns:ds="http://schemas.openxmlformats.org/officeDocument/2006/customXml" ds:itemID="{244CD9D7-E214-4473-8806-C93D215B9651}">
+  <ds:schemaRefs>
+    <ds:schemaRef ds:uri="http://schemas.microsoft.com/sharepoint/v3/contenttype/forms"/>
+  </ds:schemaRefs>
+</ds:datastoreItem>
 </file>
--- a/GITHUBスタートアップ/GITHUBセットアップの会.pptx
+++ b/GITHUBスタートアップ/GITHUBセットアップの会.pptx
@@ -5,7 +5,7 @@
     <p:sldMasterId id="2147483684" r:id="rId4"/>
   </p:sldMasterIdLst>
   <p:notesMasterIdLst>
-    <p:notesMasterId r:id="rId60"/>
+    <p:notesMasterId r:id="rId59"/>
   </p:notesMasterIdLst>
   <p:sldIdLst>
     <p:sldId id="331" r:id="rId5"/>
@@ -54,15 +54,14 @@
     <p:sldId id="351" r:id="rId48"/>
     <p:sldId id="361" r:id="rId49"/>
     <p:sldId id="362" r:id="rId50"/>
-    <p:sldId id="363" r:id="rId51"/>
-    <p:sldId id="352" r:id="rId52"/>
-    <p:sldId id="353" r:id="rId53"/>
-    <p:sldId id="354" r:id="rId54"/>
-    <p:sldId id="355" r:id="rId55"/>
-    <p:sldId id="356" r:id="rId56"/>
-    <p:sldId id="357" r:id="rId57"/>
-    <p:sldId id="358" r:id="rId58"/>
-    <p:sldId id="359" r:id="rId59"/>
+    <p:sldId id="352" r:id="rId51"/>
+    <p:sldId id="353" r:id="rId52"/>
+    <p:sldId id="354" r:id="rId53"/>
+    <p:sldId id="355" r:id="rId54"/>
+    <p:sldId id="356" r:id="rId55"/>
+    <p:sldId id="357" r:id="rId56"/>
+    <p:sldId id="358" r:id="rId57"/>
+    <p:sldId id="359" r:id="rId58"/>
   </p:sldIdLst>
   <p:sldSz cx="12192000" cy="6858000"/>
   <p:notesSz cx="6858000" cy="9144000"/>
@@ -32545,6 +32544,52 @@
           </a:p>
         </p:txBody>
       </p:sp>
+      <p:sp>
+        <p:nvSpPr>
+          <p:cNvPr id="6" name="正方形/長方形 5"/>
+          <p:cNvSpPr/>
+          <p:nvPr/>
+        </p:nvSpPr>
+        <p:spPr>
+          <a:xfrm>
+            <a:off x="2761094" y="5060764"/>
+            <a:ext cx="1506106" cy="270984"/>
+          </a:xfrm>
+          <a:prstGeom prst="rect">
+            <a:avLst/>
+          </a:prstGeom>
+          <a:noFill/>
+          <a:ln w="57150">
+            <a:solidFill>
+              <a:srgbClr val="FF0000"/>
+            </a:solidFill>
+          </a:ln>
+        </p:spPr>
+        <p:style>
+          <a:lnRef idx="2">
+            <a:schemeClr val="accent1">
+              <a:shade val="50000"/>
+            </a:schemeClr>
+          </a:lnRef>
+          <a:fillRef idx="1">
+            <a:schemeClr val="accent1"/>
+          </a:fillRef>
+          <a:effectRef idx="0">
+            <a:schemeClr val="accent1"/>
+          </a:effectRef>
+          <a:fontRef idx="minor">
+            <a:schemeClr val="lt1"/>
+          </a:fontRef>
+        </p:style>
+        <p:txBody>
+          <a:bodyPr rtlCol="0" anchor="ctr"/>
+          <a:lstStyle/>
+          <a:p>
+            <a:pPr algn="ctr"/>
+            <a:endParaRPr kumimoji="1" lang="ja-JP" altLang="en-US"/>
+          </a:p>
+        </p:txBody>
+      </p:sp>
     </p:spTree>
     <p:extLst>
       <p:ext uri="{BB962C8B-B14F-4D97-AF65-F5344CB8AC3E}">
@@ -32587,8 +32632,8 @@
         </p:nvSpPr>
         <p:spPr>
           <a:xfrm>
-            <a:off x="559143" y="5560541"/>
-            <a:ext cx="11073714" cy="1083080"/>
+            <a:off x="323274" y="4950941"/>
+            <a:ext cx="11242568" cy="1083080"/>
           </a:xfrm>
         </p:spPr>
         <p:txBody>
@@ -32601,16 +32646,28 @@
               <a:buNone/>
             </a:pPr>
             <a:r>
+              <a:rPr lang="en-US" altLang="ja-JP" dirty="0" smtClean="0"/>
+              <a:t>Summary</a:t>
+            </a:r>
+            <a:r>
               <a:rPr lang="ja-JP" altLang="en-US" dirty="0" smtClean="0"/>
-              <a:t>ファイルを保存後、</a:t>
+              <a:t>は分かりやすいタイトル</a:t>
             </a:r>
             <a:r>
               <a:rPr lang="en-US" altLang="ja-JP" dirty="0" err="1" smtClean="0"/>
-              <a:t>GitHubDesktop</a:t>
+              <a:t>Descripton</a:t>
             </a:r>
             <a:r>
               <a:rPr lang="ja-JP" altLang="en-US" dirty="0" smtClean="0"/>
-              <a:t>へ戻るとステージングエリアへの登録が自動で行われているのが確認できます。</a:t>
+              <a:t>は詳しい説明を記入します。「</a:t>
+            </a:r>
+            <a:r>
+              <a:rPr lang="en-US" altLang="ja-JP" dirty="0" smtClean="0"/>
+              <a:t>commit to main</a:t>
+            </a:r>
+            <a:r>
+              <a:rPr lang="ja-JP" altLang="en-US" dirty="0" smtClean="0"/>
+              <a:t>」でコミットします。</a:t>
             </a:r>
             <a:endParaRPr lang="en-US" altLang="ja-JP" dirty="0" smtClean="0"/>
           </a:p>
@@ -32822,7 +32879,7 @@
         </p:blipFill>
         <p:spPr>
           <a:xfrm>
-            <a:off x="4133576" y="1156796"/>
+            <a:off x="4133576" y="851996"/>
             <a:ext cx="3924848" cy="3791479"/>
           </a:xfrm>
           <a:prstGeom prst="rect">
@@ -32830,6 +32887,52 @@
           </a:prstGeom>
         </p:spPr>
       </p:pic>
+      <p:sp>
+        <p:nvSpPr>
+          <p:cNvPr id="6" name="正方形/長方形 5"/>
+          <p:cNvSpPr/>
+          <p:nvPr/>
+        </p:nvSpPr>
+        <p:spPr>
+          <a:xfrm>
+            <a:off x="4294909" y="4139388"/>
+            <a:ext cx="3223491" cy="386430"/>
+          </a:xfrm>
+          <a:prstGeom prst="rect">
+            <a:avLst/>
+          </a:prstGeom>
+          <a:noFill/>
+          <a:ln w="57150">
+            <a:solidFill>
+              <a:srgbClr val="FF0000"/>
+            </a:solidFill>
+          </a:ln>
+        </p:spPr>
+        <p:style>
+          <a:lnRef idx="2">
+            <a:schemeClr val="accent1">
+              <a:shade val="50000"/>
+            </a:schemeClr>
+          </a:lnRef>
+          <a:fillRef idx="1">
+            <a:schemeClr val="accent1"/>
+          </a:fillRef>
+          <a:effectRef idx="0">
+            <a:schemeClr val="accent1"/>
+          </a:effectRef>
+          <a:fontRef idx="minor">
+            <a:schemeClr val="lt1"/>
+          </a:fontRef>
+        </p:style>
+        <p:txBody>
+          <a:bodyPr rtlCol="0" anchor="ctr"/>
+          <a:lstStyle/>
+          <a:p>
+            <a:pPr algn="ctr"/>
+            <a:endParaRPr kumimoji="1" lang="ja-JP" altLang="en-US"/>
+          </a:p>
+        </p:txBody>
+      </p:sp>
     </p:spTree>
     <p:extLst>
       <p:ext uri="{BB962C8B-B14F-4D97-AF65-F5344CB8AC3E}">
@@ -32887,15 +32990,45 @@
             </a:pPr>
             <a:r>
               <a:rPr lang="ja-JP" altLang="en-US" dirty="0" smtClean="0"/>
-              <a:t>ファイルを保存後、</a:t>
-            </a:r>
-            <a:r>
-              <a:rPr lang="en-US" altLang="ja-JP" dirty="0" err="1" smtClean="0"/>
-              <a:t>GitHubDesktop</a:t>
+              <a:t>最後に、「</a:t>
+            </a:r>
+            <a:r>
+              <a:rPr lang="en-US" altLang="ja-JP" dirty="0" smtClean="0"/>
+              <a:t>Push</a:t>
+            </a:r>
+            <a:r>
+              <a:rPr lang="ja-JP" altLang="en-US" dirty="0"/>
+              <a:t> </a:t>
+            </a:r>
+            <a:r>
+              <a:rPr lang="en-US" altLang="ja-JP" dirty="0" smtClean="0"/>
+              <a:t>origin</a:t>
             </a:r>
             <a:r>
               <a:rPr lang="ja-JP" altLang="en-US" dirty="0" smtClean="0"/>
-              <a:t>へ戻るとステージングエリアへの登録が自動で行われているのが確認できます。</a:t>
+              <a:t>」ボタンでプッシュすると</a:t>
+            </a:r>
+            <a:endParaRPr lang="en-US" altLang="ja-JP" dirty="0" smtClean="0"/>
+          </a:p>
+          <a:p>
+            <a:pPr marL="0" indent="0">
+              <a:buNone/>
+            </a:pPr>
+            <a:r>
+              <a:rPr lang="ja-JP" altLang="en-US" dirty="0"/>
+              <a:t>鷹野</a:t>
+            </a:r>
+            <a:r>
+              <a:rPr lang="ja-JP" altLang="en-US" dirty="0" smtClean="0"/>
+              <a:t>研メンバーが</a:t>
+            </a:r>
+            <a:r>
+              <a:rPr lang="en-US" altLang="ja-JP" dirty="0" smtClean="0"/>
+              <a:t>GitHub</a:t>
+            </a:r>
+            <a:r>
+              <a:rPr lang="ja-JP" altLang="en-US" dirty="0" smtClean="0"/>
+              <a:t>上でファイルを見れるようになります。</a:t>
             </a:r>
             <a:endParaRPr lang="en-US" altLang="ja-JP" dirty="0" smtClean="0"/>
           </a:p>
@@ -33091,6 +33224,76 @@
           </a:p>
         </p:txBody>
       </p:sp>
+      <p:pic>
+        <p:nvPicPr>
+          <p:cNvPr id="2" name="図 1"/>
+          <p:cNvPicPr>
+            <a:picLocks noChangeAspect="1"/>
+          </p:cNvPicPr>
+          <p:nvPr/>
+        </p:nvPicPr>
+        <p:blipFill>
+          <a:blip r:embed="rId2"/>
+          <a:stretch>
+            <a:fillRect/>
+          </a:stretch>
+        </p:blipFill>
+        <p:spPr>
+          <a:xfrm>
+            <a:off x="2368358" y="1315721"/>
+            <a:ext cx="7455283" cy="3473629"/>
+          </a:xfrm>
+          <a:prstGeom prst="rect">
+            <a:avLst/>
+          </a:prstGeom>
+        </p:spPr>
+      </p:pic>
+      <p:sp>
+        <p:nvSpPr>
+          <p:cNvPr id="6" name="正方形/長方形 5"/>
+          <p:cNvSpPr/>
+          <p:nvPr/>
+        </p:nvSpPr>
+        <p:spPr>
+          <a:xfrm>
+            <a:off x="7974478" y="2943104"/>
+            <a:ext cx="753886" cy="261914"/>
+          </a:xfrm>
+          <a:prstGeom prst="rect">
+            <a:avLst/>
+          </a:prstGeom>
+          <a:noFill/>
+          <a:ln w="57150">
+            <a:solidFill>
+              <a:srgbClr val="FF0000"/>
+            </a:solidFill>
+          </a:ln>
+        </p:spPr>
+        <p:style>
+          <a:lnRef idx="2">
+            <a:schemeClr val="accent1">
+              <a:shade val="50000"/>
+            </a:schemeClr>
+          </a:lnRef>
+          <a:fillRef idx="1">
+            <a:schemeClr val="accent1"/>
+          </a:fillRef>
+          <a:effectRef idx="0">
+            <a:schemeClr val="accent1"/>
+          </a:effectRef>
+          <a:fontRef idx="minor">
+            <a:schemeClr val="lt1"/>
+          </a:fontRef>
+        </p:style>
+        <p:txBody>
+          <a:bodyPr rtlCol="0" anchor="ctr"/>
+          <a:lstStyle/>
+          <a:p>
+            <a:pPr algn="ctr"/>
+            <a:endParaRPr kumimoji="1" lang="ja-JP" altLang="en-US"/>
+          </a:p>
+        </p:txBody>
+      </p:sp>
     </p:spTree>
     <p:extLst>
       <p:ext uri="{BB962C8B-B14F-4D97-AF65-F5344CB8AC3E}">
@@ -33105,267 +33308,6 @@
 </file>
 
 <file path=ppt/slides/slide47.xml><?xml version="1.0" encoding="utf-8"?>
-<p:sld xmlns:a="http://schemas.openxmlformats.org/drawingml/2006/main" xmlns:r="http://schemas.openxmlformats.org/officeDocument/2006/relationships" xmlns:p="http://schemas.openxmlformats.org/presentationml/2006/main">
-  <p:cSld>
-    <p:spTree>
-      <p:nvGrpSpPr>
-        <p:cNvPr id="1" name=""/>
-        <p:cNvGrpSpPr/>
-        <p:nvPr/>
-      </p:nvGrpSpPr>
-      <p:grpSpPr>
-        <a:xfrm>
-          <a:off x="0" y="0"/>
-          <a:ext cx="0" cy="0"/>
-          <a:chOff x="0" y="0"/>
-          <a:chExt cx="0" cy="0"/>
-        </a:xfrm>
-      </p:grpSpPr>
-      <p:sp>
-        <p:nvSpPr>
-          <p:cNvPr id="3" name="コンテンツ プレースホルダー 2"/>
-          <p:cNvSpPr>
-            <a:spLocks noGrp="1"/>
-          </p:cNvSpPr>
-          <p:nvPr>
-            <p:ph idx="1"/>
-          </p:nvPr>
-        </p:nvSpPr>
-        <p:spPr>
-          <a:xfrm>
-            <a:off x="559143" y="5560541"/>
-            <a:ext cx="11073714" cy="1083080"/>
-          </a:xfrm>
-        </p:spPr>
-        <p:txBody>
-          <a:bodyPr>
-            <a:noAutofit/>
-          </a:bodyPr>
-          <a:lstStyle/>
-          <a:p>
-            <a:pPr marL="0" indent="0">
-              <a:buNone/>
-            </a:pPr>
-            <a:r>
-              <a:rPr lang="ja-JP" altLang="en-US" dirty="0" smtClean="0"/>
-              <a:t>ファイルを保存後、</a:t>
-            </a:r>
-            <a:r>
-              <a:rPr lang="en-US" altLang="ja-JP" dirty="0" err="1" smtClean="0"/>
-              <a:t>GitHubDesktop</a:t>
-            </a:r>
-            <a:r>
-              <a:rPr lang="ja-JP" altLang="en-US" dirty="0" smtClean="0"/>
-              <a:t>へ戻るとステージングエリアへの登録が自動で行われているのが確認できます。</a:t>
-            </a:r>
-            <a:endParaRPr lang="en-US" altLang="ja-JP" dirty="0" smtClean="0"/>
-          </a:p>
-        </p:txBody>
-      </p:sp>
-      <p:sp>
-        <p:nvSpPr>
-          <p:cNvPr id="7" name="テキスト プレースホルダー 2"/>
-          <p:cNvSpPr txBox="1">
-            <a:spLocks/>
-          </p:cNvSpPr>
-          <p:nvPr/>
-        </p:nvSpPr>
-        <p:spPr>
-          <a:xfrm>
-            <a:off x="0" y="0"/>
-            <a:ext cx="12192000" cy="544530"/>
-          </a:xfrm>
-          <a:prstGeom prst="rect">
-            <a:avLst/>
-          </a:prstGeom>
-          <a:solidFill>
-            <a:schemeClr val="tx1">
-              <a:lumMod val="65000"/>
-              <a:lumOff val="35000"/>
-            </a:schemeClr>
-          </a:solidFill>
-        </p:spPr>
-        <p:txBody>
-          <a:bodyPr vert="horz" lIns="360000" tIns="72000" rIns="0" bIns="0" rtlCol="0" anchor="ctr"/>
-          <a:lstStyle>
-            <a:defPPr>
-              <a:defRPr lang="ja-JP"/>
-            </a:defPPr>
-            <a:lvl1pPr marL="0" algn="ctr" defTabSz="914400" rtl="0" eaLnBrk="1" latinLnBrk="0" hangingPunct="1">
-              <a:defRPr kumimoji="1" sz="1800" kern="1200">
-                <a:solidFill>
-                  <a:schemeClr val="bg1"/>
-                </a:solidFill>
-                <a:latin typeface="+mn-ea"/>
-                <a:ea typeface="+mn-ea"/>
-                <a:cs typeface="+mn-cs"/>
-              </a:defRPr>
-            </a:lvl1pPr>
-            <a:lvl2pPr marL="457200" algn="l" defTabSz="914400" rtl="0" eaLnBrk="1" latinLnBrk="0" hangingPunct="1">
-              <a:defRPr kumimoji="1" sz="1800" kern="1200">
-                <a:solidFill>
-                  <a:schemeClr val="tx1"/>
-                </a:solidFill>
-                <a:latin typeface="+mn-lt"/>
-                <a:ea typeface="+mn-ea"/>
-                <a:cs typeface="+mn-cs"/>
-              </a:defRPr>
-            </a:lvl2pPr>
-            <a:lvl3pPr marL="914400" algn="l" defTabSz="914400" rtl="0" eaLnBrk="1" latinLnBrk="0" hangingPunct="1">
-              <a:defRPr kumimoji="1" sz="1800" kern="1200">
-                <a:solidFill>
-                  <a:schemeClr val="tx1"/>
-                </a:solidFill>
-                <a:latin typeface="+mn-lt"/>
-                <a:ea typeface="+mn-ea"/>
-                <a:cs typeface="+mn-cs"/>
-              </a:defRPr>
-            </a:lvl3pPr>
-            <a:lvl4pPr marL="1371600" algn="l" defTabSz="914400" rtl="0" eaLnBrk="1" latinLnBrk="0" hangingPunct="1">
-              <a:defRPr kumimoji="1" sz="1800" kern="1200">
-                <a:solidFill>
-                  <a:schemeClr val="tx1"/>
-                </a:solidFill>
-                <a:latin typeface="+mn-lt"/>
-                <a:ea typeface="+mn-ea"/>
-                <a:cs typeface="+mn-cs"/>
-              </a:defRPr>
-            </a:lvl4pPr>
-            <a:lvl5pPr marL="1828800" algn="l" defTabSz="914400" rtl="0" eaLnBrk="1" latinLnBrk="0" hangingPunct="1">
-              <a:defRPr kumimoji="1" sz="1800" kern="1200">
-                <a:solidFill>
-                  <a:schemeClr val="tx1"/>
-                </a:solidFill>
-                <a:latin typeface="+mn-lt"/>
-                <a:ea typeface="+mn-ea"/>
-                <a:cs typeface="+mn-cs"/>
-              </a:defRPr>
-            </a:lvl5pPr>
-            <a:lvl6pPr marL="2286000" algn="l" defTabSz="914400" rtl="0" eaLnBrk="1" latinLnBrk="0" hangingPunct="1">
-              <a:defRPr kumimoji="1" sz="1800" kern="1200">
-                <a:solidFill>
-                  <a:schemeClr val="tx1"/>
-                </a:solidFill>
-                <a:latin typeface="+mn-lt"/>
-                <a:ea typeface="+mn-ea"/>
-                <a:cs typeface="+mn-cs"/>
-              </a:defRPr>
-            </a:lvl6pPr>
-            <a:lvl7pPr marL="2743200" algn="l" defTabSz="914400" rtl="0" eaLnBrk="1" latinLnBrk="0" hangingPunct="1">
-              <a:defRPr kumimoji="1" sz="1800" kern="1200">
-                <a:solidFill>
-                  <a:schemeClr val="tx1"/>
-                </a:solidFill>
-                <a:latin typeface="+mn-lt"/>
-                <a:ea typeface="+mn-ea"/>
-                <a:cs typeface="+mn-cs"/>
-              </a:defRPr>
-            </a:lvl7pPr>
-            <a:lvl8pPr marL="3200400" algn="l" defTabSz="914400" rtl="0" eaLnBrk="1" latinLnBrk="0" hangingPunct="1">
-              <a:defRPr kumimoji="1" sz="1800" kern="1200">
-                <a:solidFill>
-                  <a:schemeClr val="tx1"/>
-                </a:solidFill>
-                <a:latin typeface="+mn-lt"/>
-                <a:ea typeface="+mn-ea"/>
-                <a:cs typeface="+mn-cs"/>
-              </a:defRPr>
-            </a:lvl8pPr>
-            <a:lvl9pPr marL="3657600" algn="l" defTabSz="914400" rtl="0" eaLnBrk="1" latinLnBrk="0" hangingPunct="1">
-              <a:defRPr kumimoji="1" sz="1800" kern="1200">
-                <a:solidFill>
-                  <a:schemeClr val="tx1"/>
-                </a:solidFill>
-                <a:latin typeface="+mn-lt"/>
-                <a:ea typeface="+mn-ea"/>
-                <a:cs typeface="+mn-cs"/>
-              </a:defRPr>
-            </a:lvl9pPr>
-          </a:lstStyle>
-          <a:p>
-            <a:pPr algn="l"/>
-            <a:r>
-              <a:rPr lang="ja-JP" altLang="en-US" sz="2000" b="1" dirty="0" smtClean="0">
-                <a:latin typeface="+mj-lt"/>
-                <a:ea typeface="+mj-ea"/>
-              </a:rPr>
-              <a:t>作業</a:t>
-            </a:r>
-            <a:r>
-              <a:rPr lang="ja-JP" altLang="en-US" sz="2000" b="1" dirty="0">
-                <a:latin typeface="+mj-lt"/>
-                <a:ea typeface="+mj-ea"/>
-              </a:rPr>
-              <a:t>：</a:t>
-            </a:r>
-            <a:r>
-              <a:rPr lang="en-US" altLang="ja-JP" sz="2000" b="1" dirty="0">
-                <a:latin typeface="+mj-lt"/>
-                <a:ea typeface="+mj-ea"/>
-              </a:rPr>
-              <a:t>GitHub Desktop</a:t>
-            </a:r>
-            <a:r>
-              <a:rPr lang="ja-JP" altLang="en-US" sz="2000" b="1" dirty="0">
-                <a:latin typeface="+mj-lt"/>
-                <a:ea typeface="+mj-ea"/>
-              </a:rPr>
-              <a:t>で初めての</a:t>
-            </a:r>
-            <a:r>
-              <a:rPr lang="en-US" altLang="ja-JP" sz="2000" b="1" dirty="0">
-                <a:latin typeface="+mj-lt"/>
-                <a:ea typeface="+mj-ea"/>
-              </a:rPr>
-              <a:t>PUSH</a:t>
-            </a:r>
-            <a:r>
-              <a:rPr lang="ja-JP" altLang="en-US" sz="2000" b="1" dirty="0">
-                <a:latin typeface="+mj-lt"/>
-                <a:ea typeface="+mj-ea"/>
-              </a:rPr>
-              <a:t>！</a:t>
-            </a:r>
-          </a:p>
-        </p:txBody>
-      </p:sp>
-      <p:sp>
-        <p:nvSpPr>
-          <p:cNvPr id="5" name="スライド番号プレースホルダー 4"/>
-          <p:cNvSpPr>
-            <a:spLocks noGrp="1"/>
-          </p:cNvSpPr>
-          <p:nvPr>
-            <p:ph type="sldNum" sz="quarter" idx="12"/>
-          </p:nvPr>
-        </p:nvSpPr>
-        <p:spPr/>
-        <p:txBody>
-          <a:bodyPr/>
-          <a:lstStyle/>
-          <a:p>
-            <a:fld id="{7C6CB327-4739-40F7-91EE-F964CF852706}" type="slidenum">
-              <a:rPr kumimoji="1" lang="ja-JP" altLang="en-US" smtClean="0"/>
-              <a:t>46</a:t>
-            </a:fld>
-            <a:endParaRPr kumimoji="1" lang="ja-JP" altLang="en-US" dirty="0"/>
-          </a:p>
-        </p:txBody>
-      </p:sp>
-    </p:spTree>
-    <p:extLst>
-      <p:ext uri="{BB962C8B-B14F-4D97-AF65-F5344CB8AC3E}">
-        <p14:creationId xmlns:p14="http://schemas.microsoft.com/office/powerpoint/2010/main" val="1694170744"/>
-      </p:ext>
-    </p:extLst>
-  </p:cSld>
-  <p:clrMapOvr>
-    <a:masterClrMapping/>
-  </p:clrMapOvr>
-</p:sld>
-</file>
-
-<file path=ppt/slides/slide48.xml><?xml version="1.0" encoding="utf-8"?>
 <p:sld xmlns:a="http://schemas.openxmlformats.org/drawingml/2006/main" xmlns:r="http://schemas.openxmlformats.org/officeDocument/2006/relationships" xmlns:p="http://schemas.openxmlformats.org/presentationml/2006/main">
   <p:cSld>
     <p:spTree>
@@ -33918,7 +33860,7 @@
           <a:p>
             <a:fld id="{7C6CB327-4739-40F7-91EE-F964CF852706}" type="slidenum">
               <a:rPr kumimoji="1" lang="ja-JP" altLang="en-US" smtClean="0"/>
-              <a:t>47</a:t>
+              <a:t>46</a:t>
             </a:fld>
             <a:endParaRPr kumimoji="1" lang="ja-JP" altLang="en-US" dirty="0"/>
           </a:p>
@@ -33928,6 +33870,233 @@
     <p:extLst>
       <p:ext uri="{BB962C8B-B14F-4D97-AF65-F5344CB8AC3E}">
         <p14:creationId xmlns:p14="http://schemas.microsoft.com/office/powerpoint/2010/main" val="1439752007"/>
+      </p:ext>
+    </p:extLst>
+  </p:cSld>
+  <p:clrMapOvr>
+    <a:masterClrMapping/>
+  </p:clrMapOvr>
+</p:sld>
+</file>
+
+<file path=ppt/slides/slide48.xml><?xml version="1.0" encoding="utf-8"?>
+<p:sld xmlns:a="http://schemas.openxmlformats.org/drawingml/2006/main" xmlns:r="http://schemas.openxmlformats.org/officeDocument/2006/relationships" xmlns:p="http://schemas.openxmlformats.org/presentationml/2006/main">
+  <p:cSld>
+    <p:spTree>
+      <p:nvGrpSpPr>
+        <p:cNvPr id="1" name=""/>
+        <p:cNvGrpSpPr/>
+        <p:nvPr/>
+      </p:nvGrpSpPr>
+      <p:grpSpPr>
+        <a:xfrm>
+          <a:off x="0" y="0"/>
+          <a:ext cx="0" cy="0"/>
+          <a:chOff x="0" y="0"/>
+          <a:chExt cx="0" cy="0"/>
+        </a:xfrm>
+      </p:grpSpPr>
+      <p:sp>
+        <p:nvSpPr>
+          <p:cNvPr id="2" name="タイトル 1"/>
+          <p:cNvSpPr>
+            <a:spLocks noGrp="1"/>
+          </p:cNvSpPr>
+          <p:nvPr>
+            <p:ph type="title"/>
+          </p:nvPr>
+        </p:nvSpPr>
+        <p:spPr>
+          <a:xfrm>
+            <a:off x="838200" y="395384"/>
+            <a:ext cx="10515600" cy="1325563"/>
+          </a:xfrm>
+        </p:spPr>
+        <p:txBody>
+          <a:bodyPr/>
+          <a:lstStyle/>
+          <a:p>
+            <a:r>
+              <a:rPr lang="ja-JP" altLang="en-US" dirty="0" smtClean="0"/>
+              <a:t>さいごに</a:t>
+            </a:r>
+            <a:endParaRPr lang="en-US" altLang="ja-JP" dirty="0"/>
+          </a:p>
+        </p:txBody>
+      </p:sp>
+      <p:sp>
+        <p:nvSpPr>
+          <p:cNvPr id="4" name="コンテンツ プレースホルダー 3"/>
+          <p:cNvSpPr>
+            <a:spLocks noGrp="1"/>
+          </p:cNvSpPr>
+          <p:nvPr>
+            <p:ph idx="1"/>
+          </p:nvPr>
+        </p:nvSpPr>
+        <p:spPr/>
+        <p:txBody>
+          <a:bodyPr/>
+          <a:lstStyle/>
+          <a:p>
+            <a:r>
+              <a:rPr lang="en-US" altLang="ja-JP" dirty="0" err="1" smtClean="0"/>
+              <a:t>Git,GitHub</a:t>
+            </a:r>
+            <a:r>
+              <a:rPr lang="ja-JP" altLang="en-US" dirty="0" smtClean="0"/>
+              <a:t>は就職後も使う人が多いので慣れておくと役立つ</a:t>
+            </a:r>
+            <a:endParaRPr lang="en-US" altLang="ja-JP" dirty="0"/>
+          </a:p>
+          <a:p>
+            <a:r>
+              <a:rPr lang="ja-JP" altLang="ja-JP" dirty="0" smtClean="0"/>
+              <a:t>こまめ</a:t>
+            </a:r>
+            <a:r>
+              <a:rPr lang="ja-JP" altLang="ja-JP" dirty="0"/>
+              <a:t>にコミットプッシュをすると鷹野</a:t>
+            </a:r>
+            <a:r>
+              <a:rPr lang="ja-JP" altLang="ja-JP" dirty="0" smtClean="0"/>
+              <a:t>先生</a:t>
+            </a:r>
+            <a:r>
+              <a:rPr lang="ja-JP" altLang="en-US" dirty="0" smtClean="0"/>
+              <a:t>やメンバー</a:t>
+            </a:r>
+            <a:r>
+              <a:rPr lang="ja-JP" altLang="ja-JP" dirty="0" smtClean="0"/>
+              <a:t>に進捗が</a:t>
+            </a:r>
+            <a:r>
+              <a:rPr lang="ja-JP" altLang="en-US" dirty="0" smtClean="0"/>
+              <a:t>伝わるので、良い</a:t>
+            </a:r>
+            <a:r>
+              <a:rPr lang="ja-JP" altLang="ja-JP" dirty="0" smtClean="0"/>
+              <a:t>アドバイス</a:t>
+            </a:r>
+            <a:r>
+              <a:rPr lang="ja-JP" altLang="ja-JP" dirty="0"/>
+              <a:t>を頂けるかもしれません</a:t>
+            </a:r>
+            <a:r>
+              <a:rPr lang="ja-JP" altLang="ja-JP" dirty="0" smtClean="0"/>
+              <a:t>。</a:t>
+            </a:r>
+            <a:r>
+              <a:rPr lang="ja-JP" altLang="en-US" dirty="0" smtClean="0"/>
+              <a:t>バックアップにもなります。</a:t>
+            </a:r>
+            <a:endParaRPr lang="en-US" altLang="ja-JP" dirty="0" smtClean="0"/>
+          </a:p>
+          <a:p>
+            <a:r>
+              <a:rPr lang="en-US" altLang="ja-JP" dirty="0" smtClean="0"/>
+              <a:t>GitHub Desktop</a:t>
+            </a:r>
+            <a:r>
+              <a:rPr lang="ja-JP" altLang="en-US" dirty="0" smtClean="0"/>
+              <a:t>は</a:t>
+            </a:r>
+            <a:r>
+              <a:rPr lang="en-US" altLang="ja-JP" dirty="0" smtClean="0"/>
+              <a:t>GitHub</a:t>
+            </a:r>
+            <a:r>
+              <a:rPr lang="ja-JP" altLang="en-US" dirty="0" smtClean="0"/>
+              <a:t>の利用を便利してくれます。しかし、一部のリナックス</a:t>
+            </a:r>
+            <a:r>
+              <a:rPr lang="en-US" altLang="ja-JP" dirty="0" smtClean="0"/>
+              <a:t>OS</a:t>
+            </a:r>
+            <a:r>
+              <a:rPr lang="ja-JP" altLang="en-US" dirty="0" smtClean="0"/>
+              <a:t>やラズベリーパイなど使えない環境もあるので、各自、一度コマンドで</a:t>
+            </a:r>
+            <a:r>
+              <a:rPr lang="en-US" altLang="ja-JP" dirty="0" smtClean="0"/>
+              <a:t>GIT</a:t>
+            </a:r>
+            <a:r>
+              <a:rPr lang="ja-JP" altLang="en-US" dirty="0" smtClean="0"/>
+              <a:t>を操作してみると良いと思います。</a:t>
+            </a:r>
+            <a:endParaRPr lang="en-US" altLang="ja-JP" dirty="0" smtClean="0"/>
+          </a:p>
+          <a:p>
+            <a:r>
+              <a:rPr lang="en-US" altLang="ja-JP" dirty="0" smtClean="0">
+                <a:effectLst/>
+              </a:rPr>
+              <a:t>Windows</a:t>
+            </a:r>
+            <a:r>
+              <a:rPr lang="ja-JP" altLang="en-US" dirty="0" smtClean="0">
+                <a:effectLst/>
+              </a:rPr>
+              <a:t>でコマンドラインを用いて</a:t>
+            </a:r>
+            <a:r>
+              <a:rPr lang="en-US" altLang="ja-JP" dirty="0" err="1" smtClean="0">
+                <a:effectLst/>
+              </a:rPr>
+              <a:t>Git</a:t>
+            </a:r>
+            <a:r>
+              <a:rPr lang="ja-JP" altLang="en-US" dirty="0" smtClean="0"/>
+              <a:t>を利用する場合「</a:t>
+            </a:r>
+            <a:r>
+              <a:rPr lang="en-US" altLang="ja-JP" dirty="0" err="1" smtClean="0"/>
+              <a:t>Git</a:t>
+            </a:r>
+            <a:r>
+              <a:rPr lang="en-US" altLang="ja-JP" dirty="0" smtClean="0"/>
+              <a:t> Bash</a:t>
+            </a:r>
+            <a:r>
+              <a:rPr lang="ja-JP" altLang="en-US" dirty="0" smtClean="0"/>
+              <a:t>」を使います。</a:t>
+            </a:r>
+            <a:r>
+              <a:rPr lang="en-US" altLang="ja-JP" dirty="0" smtClean="0"/>
+              <a:t> https://gitforwindows.org/</a:t>
+            </a:r>
+            <a:endParaRPr kumimoji="1" lang="ja-JP" altLang="en-US" dirty="0"/>
+          </a:p>
+        </p:txBody>
+      </p:sp>
+      <p:sp>
+        <p:nvSpPr>
+          <p:cNvPr id="3" name="スライド番号プレースホルダー 2"/>
+          <p:cNvSpPr>
+            <a:spLocks noGrp="1"/>
+          </p:cNvSpPr>
+          <p:nvPr>
+            <p:ph type="sldNum" sz="quarter" idx="12"/>
+          </p:nvPr>
+        </p:nvSpPr>
+        <p:spPr/>
+        <p:txBody>
+          <a:bodyPr/>
+          <a:lstStyle/>
+          <a:p>
+            <a:fld id="{7C6CB327-4739-40F7-91EE-F964CF852706}" type="slidenum">
+              <a:rPr kumimoji="1" lang="ja-JP" altLang="en-US" smtClean="0"/>
+              <a:t>47</a:t>
+            </a:fld>
+            <a:endParaRPr kumimoji="1" lang="ja-JP" altLang="en-US" dirty="0"/>
+          </a:p>
+        </p:txBody>
+      </p:sp>
+    </p:spTree>
+    <p:extLst>
+      <p:ext uri="{BB962C8B-B14F-4D97-AF65-F5344CB8AC3E}">
+        <p14:creationId xmlns:p14="http://schemas.microsoft.com/office/powerpoint/2010/main" val="2551722240"/>
       </p:ext>
     </p:extLst>
   </p:cSld>
@@ -33966,7 +34135,7 @@
         </p:nvSpPr>
         <p:spPr>
           <a:xfrm>
-            <a:off x="838200" y="395384"/>
+            <a:off x="838200" y="150941"/>
             <a:ext cx="10515600" cy="1325563"/>
           </a:xfrm>
         </p:spPr>
@@ -33976,7 +34145,15 @@
           <a:p>
             <a:r>
               <a:rPr lang="ja-JP" altLang="en-US" dirty="0" smtClean="0"/>
-              <a:t>さいごに</a:t>
+              <a:t>おまけ：鷹野研での「</a:t>
+            </a:r>
+            <a:r>
+              <a:rPr lang="en-US" altLang="ja-JP" dirty="0" smtClean="0"/>
+              <a:t>Issues</a:t>
+            </a:r>
+            <a:r>
+              <a:rPr lang="ja-JP" altLang="en-US" dirty="0" smtClean="0"/>
+              <a:t>」の使い方</a:t>
             </a:r>
             <a:endParaRPr lang="en-US" altLang="ja-JP" dirty="0"/>
           </a:p>
@@ -33992,145 +34169,104 @@
             <p:ph idx="1"/>
           </p:nvPr>
         </p:nvSpPr>
-        <p:spPr/>
+        <p:spPr>
+          <a:xfrm>
+            <a:off x="235390" y="5632234"/>
+            <a:ext cx="11552976" cy="1079158"/>
+          </a:xfrm>
+        </p:spPr>
         <p:txBody>
-          <a:bodyPr/>
+          <a:bodyPr>
+            <a:normAutofit fontScale="92500"/>
+          </a:bodyPr>
           <a:lstStyle/>
           <a:p>
-            <a:r>
-              <a:rPr lang="en-US" altLang="ja-JP" dirty="0" err="1" smtClean="0"/>
-              <a:t>Git,GitHub</a:t>
-            </a:r>
-            <a:r>
-              <a:rPr lang="ja-JP" altLang="en-US" dirty="0" smtClean="0"/>
-              <a:t>は就職後も使う人が多いので慣れておくと役立つ</a:t>
-            </a:r>
-            <a:endParaRPr lang="en-US" altLang="ja-JP" dirty="0"/>
-          </a:p>
-          <a:p>
-            <a:r>
-              <a:rPr lang="ja-JP" altLang="ja-JP" dirty="0" smtClean="0"/>
-              <a:t>こまめ</a:t>
-            </a:r>
-            <a:r>
-              <a:rPr lang="ja-JP" altLang="ja-JP" dirty="0"/>
-              <a:t>にコミットプッシュをすると鷹野</a:t>
-            </a:r>
-            <a:r>
-              <a:rPr lang="ja-JP" altLang="ja-JP" dirty="0" smtClean="0"/>
-              <a:t>先生</a:t>
-            </a:r>
-            <a:r>
-              <a:rPr lang="ja-JP" altLang="en-US" dirty="0" smtClean="0"/>
-              <a:t>やメンバー</a:t>
-            </a:r>
-            <a:r>
-              <a:rPr lang="ja-JP" altLang="ja-JP" dirty="0" smtClean="0"/>
-              <a:t>に進捗が</a:t>
-            </a:r>
-            <a:r>
-              <a:rPr lang="ja-JP" altLang="en-US" dirty="0" smtClean="0"/>
-              <a:t>伝わるので、良い</a:t>
-            </a:r>
-            <a:r>
-              <a:rPr lang="ja-JP" altLang="ja-JP" dirty="0" smtClean="0"/>
-              <a:t>アドバイス</a:t>
-            </a:r>
-            <a:r>
-              <a:rPr lang="ja-JP" altLang="ja-JP" dirty="0"/>
-              <a:t>を頂けるかもしれません</a:t>
-            </a:r>
-            <a:r>
-              <a:rPr lang="ja-JP" altLang="ja-JP" dirty="0" smtClean="0"/>
-              <a:t>。</a:t>
-            </a:r>
-            <a:r>
-              <a:rPr lang="ja-JP" altLang="en-US" dirty="0" smtClean="0"/>
-              <a:t>バックアップにもなります。</a:t>
-            </a:r>
-            <a:endParaRPr lang="en-US" altLang="ja-JP" dirty="0" smtClean="0"/>
-          </a:p>
-          <a:p>
-            <a:r>
-              <a:rPr lang="en-US" altLang="ja-JP" dirty="0" smtClean="0"/>
-              <a:t>GitHub Desktop</a:t>
-            </a:r>
-            <a:r>
-              <a:rPr lang="ja-JP" altLang="en-US" dirty="0" smtClean="0"/>
-              <a:t>は</a:t>
-            </a:r>
-            <a:r>
-              <a:rPr lang="en-US" altLang="ja-JP" dirty="0" smtClean="0"/>
-              <a:t>GitHub</a:t>
-            </a:r>
-            <a:r>
-              <a:rPr lang="ja-JP" altLang="en-US" dirty="0" smtClean="0"/>
-              <a:t>の利用を便利してくれます。しかし、一部のリナックス</a:t>
-            </a:r>
-            <a:r>
-              <a:rPr lang="en-US" altLang="ja-JP" dirty="0" smtClean="0"/>
-              <a:t>OS</a:t>
-            </a:r>
-            <a:r>
-              <a:rPr lang="ja-JP" altLang="en-US" dirty="0" smtClean="0"/>
-              <a:t>やラズベリーパイなど使えない環境もあるので、各自、一度コマンドで</a:t>
-            </a:r>
-            <a:r>
-              <a:rPr lang="en-US" altLang="ja-JP" dirty="0" smtClean="0"/>
-              <a:t>GIT</a:t>
-            </a:r>
-            <a:r>
-              <a:rPr lang="ja-JP" altLang="en-US" dirty="0" smtClean="0"/>
-              <a:t>を操作してみると良いと思います。</a:t>
-            </a:r>
-            <a:endParaRPr lang="en-US" altLang="ja-JP" dirty="0" smtClean="0"/>
-          </a:p>
-          <a:p>
-            <a:r>
-              <a:rPr lang="en-US" altLang="ja-JP" dirty="0" smtClean="0">
-                <a:effectLst/>
-              </a:rPr>
-              <a:t>Windows</a:t>
-            </a:r>
-            <a:r>
-              <a:rPr lang="ja-JP" altLang="en-US" dirty="0" smtClean="0">
-                <a:effectLst/>
-              </a:rPr>
-              <a:t>でコマンドラインを用いて</a:t>
-            </a:r>
-            <a:r>
-              <a:rPr lang="en-US" altLang="ja-JP" dirty="0" err="1" smtClean="0">
-                <a:effectLst/>
-              </a:rPr>
-              <a:t>Git</a:t>
-            </a:r>
-            <a:r>
-              <a:rPr lang="ja-JP" altLang="en-US" dirty="0" smtClean="0"/>
-              <a:t>を利用する場合「</a:t>
-            </a:r>
-            <a:r>
-              <a:rPr lang="en-US" altLang="ja-JP" dirty="0" err="1" smtClean="0"/>
-              <a:t>Git</a:t>
-            </a:r>
-            <a:r>
-              <a:rPr lang="en-US" altLang="ja-JP" dirty="0" smtClean="0"/>
-              <a:t> Bash</a:t>
-            </a:r>
-            <a:r>
-              <a:rPr lang="ja-JP" altLang="en-US" dirty="0" smtClean="0"/>
-              <a:t>」を使います。</a:t>
-            </a:r>
-            <a:r>
-              <a:rPr lang="en-US" altLang="ja-JP" dirty="0" smtClean="0"/>
-              <a:t> https://gitforwindows.org/</a:t>
+            <a:pPr marL="0" indent="0">
+              <a:buNone/>
+            </a:pPr>
+            <a:r>
+              <a:rPr kumimoji="1" lang="ja-JP" altLang="en-US" dirty="0" smtClean="0"/>
+              <a:t>鷹野研では「</a:t>
+            </a:r>
+            <a:r>
+              <a:rPr kumimoji="1" lang="en-US" altLang="ja-JP" dirty="0" smtClean="0"/>
+              <a:t>Issues</a:t>
+            </a:r>
+            <a:r>
+              <a:rPr kumimoji="1" lang="ja-JP" altLang="en-US" dirty="0" smtClean="0"/>
+              <a:t>」を質問や問題点、アドバイスを書く場所としています。</a:t>
+            </a:r>
+            <a:endParaRPr kumimoji="1" lang="en-US" altLang="ja-JP" dirty="0" smtClean="0"/>
+          </a:p>
+          <a:p>
+            <a:pPr marL="0" indent="0">
+              <a:buNone/>
+            </a:pPr>
+            <a:r>
+              <a:rPr kumimoji="1" lang="ja-JP" altLang="en-US" dirty="0" smtClean="0"/>
+              <a:t>卒研のディスカッション時に発表者に対して皆が書き込みをします。</a:t>
             </a:r>
             <a:endParaRPr kumimoji="1" lang="ja-JP" altLang="en-US" dirty="0"/>
           </a:p>
         </p:txBody>
       </p:sp>
-      <p:sp>
-        <p:nvSpPr>
-          <p:cNvPr id="3" name="スライド番号プレースホルダー 2"/>
+      <p:pic>
+        <p:nvPicPr>
+          <p:cNvPr id="3" name="図 2"/>
+          <p:cNvPicPr>
+            <a:picLocks noChangeAspect="1"/>
+          </p:cNvPicPr>
+          <p:nvPr/>
+        </p:nvPicPr>
+        <p:blipFill>
+          <a:blip r:embed="rId2"/>
+          <a:stretch>
+            <a:fillRect/>
+          </a:stretch>
+        </p:blipFill>
+        <p:spPr>
+          <a:xfrm>
+            <a:off x="1425145" y="1237594"/>
+            <a:ext cx="9803027" cy="4161212"/>
+          </a:xfrm>
+          <a:prstGeom prst="rect">
+            <a:avLst/>
+          </a:prstGeom>
+          <a:solidFill>
+            <a:srgbClr val="FFFFFF">
+              <a:shade val="85000"/>
+            </a:srgbClr>
+          </a:solidFill>
+          <a:ln w="88900" cap="sq">
+            <a:solidFill>
+              <a:srgbClr val="FFFFFF"/>
+            </a:solidFill>
+            <a:miter lim="800000"/>
+          </a:ln>
+          <a:effectLst>
+            <a:outerShdw blurRad="55000" dist="18000" dir="5400000" algn="tl" rotWithShape="0">
+              <a:srgbClr val="000000">
+                <a:alpha val="40000"/>
+              </a:srgbClr>
+            </a:outerShdw>
+          </a:effectLst>
+          <a:scene3d>
+            <a:camera prst="orthographicFront"/>
+            <a:lightRig rig="twoPt" dir="t">
+              <a:rot lat="0" lon="0" rev="7200000"/>
+            </a:lightRig>
+          </a:scene3d>
+          <a:sp3d>
+            <a:bevelT w="25400" h="19050"/>
+            <a:contourClr>
+              <a:srgbClr val="FFFFFF"/>
+            </a:contourClr>
+          </a:sp3d>
+        </p:spPr>
+      </p:pic>
+      <p:sp>
+        <p:nvSpPr>
+          <p:cNvPr id="5" name="スライド番号プレースホルダー 4"/>
           <p:cNvSpPr>
             <a:spLocks noGrp="1"/>
           </p:cNvSpPr>
@@ -34154,7 +34290,7 @@
     </p:spTree>
     <p:extLst>
       <p:ext uri="{BB962C8B-B14F-4D97-AF65-F5344CB8AC3E}">
-        <p14:creationId xmlns:p14="http://schemas.microsoft.com/office/powerpoint/2010/main" val="2551722240"/>
+        <p14:creationId xmlns:p14="http://schemas.microsoft.com/office/powerpoint/2010/main" val="4122138933"/>
       </p:ext>
     </p:extLst>
   </p:cSld>
@@ -35383,200 +35519,6 @@
           <a:p>
             <a:r>
               <a:rPr lang="ja-JP" altLang="en-US" dirty="0" smtClean="0"/>
-              <a:t>おまけ：鷹野研での「</a:t>
-            </a:r>
-            <a:r>
-              <a:rPr lang="en-US" altLang="ja-JP" dirty="0" smtClean="0"/>
-              <a:t>Issues</a:t>
-            </a:r>
-            <a:r>
-              <a:rPr lang="ja-JP" altLang="en-US" dirty="0" smtClean="0"/>
-              <a:t>」の使い方</a:t>
-            </a:r>
-            <a:endParaRPr lang="en-US" altLang="ja-JP" dirty="0"/>
-          </a:p>
-        </p:txBody>
-      </p:sp>
-      <p:sp>
-        <p:nvSpPr>
-          <p:cNvPr id="4" name="コンテンツ プレースホルダー 3"/>
-          <p:cNvSpPr>
-            <a:spLocks noGrp="1"/>
-          </p:cNvSpPr>
-          <p:nvPr>
-            <p:ph idx="1"/>
-          </p:nvPr>
-        </p:nvSpPr>
-        <p:spPr>
-          <a:xfrm>
-            <a:off x="235390" y="5632234"/>
-            <a:ext cx="11552976" cy="1079158"/>
-          </a:xfrm>
-        </p:spPr>
-        <p:txBody>
-          <a:bodyPr>
-            <a:normAutofit fontScale="92500"/>
-          </a:bodyPr>
-          <a:lstStyle/>
-          <a:p>
-            <a:pPr marL="0" indent="0">
-              <a:buNone/>
-            </a:pPr>
-            <a:r>
-              <a:rPr kumimoji="1" lang="ja-JP" altLang="en-US" dirty="0" smtClean="0"/>
-              <a:t>鷹野研では「</a:t>
-            </a:r>
-            <a:r>
-              <a:rPr kumimoji="1" lang="en-US" altLang="ja-JP" dirty="0" smtClean="0"/>
-              <a:t>Issues</a:t>
-            </a:r>
-            <a:r>
-              <a:rPr kumimoji="1" lang="ja-JP" altLang="en-US" dirty="0" smtClean="0"/>
-              <a:t>」を質問や問題点、アドバイスを書く場所としています。</a:t>
-            </a:r>
-            <a:endParaRPr kumimoji="1" lang="en-US" altLang="ja-JP" dirty="0" smtClean="0"/>
-          </a:p>
-          <a:p>
-            <a:pPr marL="0" indent="0">
-              <a:buNone/>
-            </a:pPr>
-            <a:r>
-              <a:rPr kumimoji="1" lang="ja-JP" altLang="en-US" dirty="0" smtClean="0"/>
-              <a:t>卒研のディスカッション時に発表者に対して皆が書き込みをします。</a:t>
-            </a:r>
-            <a:endParaRPr kumimoji="1" lang="ja-JP" altLang="en-US" dirty="0"/>
-          </a:p>
-        </p:txBody>
-      </p:sp>
-      <p:pic>
-        <p:nvPicPr>
-          <p:cNvPr id="3" name="図 2"/>
-          <p:cNvPicPr>
-            <a:picLocks noChangeAspect="1"/>
-          </p:cNvPicPr>
-          <p:nvPr/>
-        </p:nvPicPr>
-        <p:blipFill>
-          <a:blip r:embed="rId2"/>
-          <a:stretch>
-            <a:fillRect/>
-          </a:stretch>
-        </p:blipFill>
-        <p:spPr>
-          <a:xfrm>
-            <a:off x="1425145" y="1237594"/>
-            <a:ext cx="9803027" cy="4161212"/>
-          </a:xfrm>
-          <a:prstGeom prst="rect">
-            <a:avLst/>
-          </a:prstGeom>
-          <a:solidFill>
-            <a:srgbClr val="FFFFFF">
-              <a:shade val="85000"/>
-            </a:srgbClr>
-          </a:solidFill>
-          <a:ln w="88900" cap="sq">
-            <a:solidFill>
-              <a:srgbClr val="FFFFFF"/>
-            </a:solidFill>
-            <a:miter lim="800000"/>
-          </a:ln>
-          <a:effectLst>
-            <a:outerShdw blurRad="55000" dist="18000" dir="5400000" algn="tl" rotWithShape="0">
-              <a:srgbClr val="000000">
-                <a:alpha val="40000"/>
-              </a:srgbClr>
-            </a:outerShdw>
-          </a:effectLst>
-          <a:scene3d>
-            <a:camera prst="orthographicFront"/>
-            <a:lightRig rig="twoPt" dir="t">
-              <a:rot lat="0" lon="0" rev="7200000"/>
-            </a:lightRig>
-          </a:scene3d>
-          <a:sp3d>
-            <a:bevelT w="25400" h="19050"/>
-            <a:contourClr>
-              <a:srgbClr val="FFFFFF"/>
-            </a:contourClr>
-          </a:sp3d>
-        </p:spPr>
-      </p:pic>
-      <p:sp>
-        <p:nvSpPr>
-          <p:cNvPr id="5" name="スライド番号プレースホルダー 4"/>
-          <p:cNvSpPr>
-            <a:spLocks noGrp="1"/>
-          </p:cNvSpPr>
-          <p:nvPr>
-            <p:ph type="sldNum" sz="quarter" idx="12"/>
-          </p:nvPr>
-        </p:nvSpPr>
-        <p:spPr/>
-        <p:txBody>
-          <a:bodyPr/>
-          <a:lstStyle/>
-          <a:p>
-            <a:fld id="{7C6CB327-4739-40F7-91EE-F964CF852706}" type="slidenum">
-              <a:rPr kumimoji="1" lang="ja-JP" altLang="en-US" smtClean="0"/>
-              <a:t>49</a:t>
-            </a:fld>
-            <a:endParaRPr kumimoji="1" lang="ja-JP" altLang="en-US" dirty="0"/>
-          </a:p>
-        </p:txBody>
-      </p:sp>
-    </p:spTree>
-    <p:extLst>
-      <p:ext uri="{BB962C8B-B14F-4D97-AF65-F5344CB8AC3E}">
-        <p14:creationId xmlns:p14="http://schemas.microsoft.com/office/powerpoint/2010/main" val="4122138933"/>
-      </p:ext>
-    </p:extLst>
-  </p:cSld>
-  <p:clrMapOvr>
-    <a:masterClrMapping/>
-  </p:clrMapOvr>
-</p:sld>
-</file>
-
-<file path=ppt/slides/slide51.xml><?xml version="1.0" encoding="utf-8"?>
-<p:sld xmlns:a="http://schemas.openxmlformats.org/drawingml/2006/main" xmlns:r="http://schemas.openxmlformats.org/officeDocument/2006/relationships" xmlns:p="http://schemas.openxmlformats.org/presentationml/2006/main">
-  <p:cSld>
-    <p:spTree>
-      <p:nvGrpSpPr>
-        <p:cNvPr id="1" name=""/>
-        <p:cNvGrpSpPr/>
-        <p:nvPr/>
-      </p:nvGrpSpPr>
-      <p:grpSpPr>
-        <a:xfrm>
-          <a:off x="0" y="0"/>
-          <a:ext cx="0" cy="0"/>
-          <a:chOff x="0" y="0"/>
-          <a:chExt cx="0" cy="0"/>
-        </a:xfrm>
-      </p:grpSpPr>
-      <p:sp>
-        <p:nvSpPr>
-          <p:cNvPr id="2" name="タイトル 1"/>
-          <p:cNvSpPr>
-            <a:spLocks noGrp="1"/>
-          </p:cNvSpPr>
-          <p:nvPr>
-            <p:ph type="title"/>
-          </p:nvPr>
-        </p:nvSpPr>
-        <p:spPr>
-          <a:xfrm>
-            <a:off x="838200" y="150941"/>
-            <a:ext cx="10515600" cy="1325563"/>
-          </a:xfrm>
-        </p:spPr>
-        <p:txBody>
-          <a:bodyPr/>
-          <a:lstStyle/>
-          <a:p>
-            <a:r>
-              <a:rPr lang="ja-JP" altLang="en-US" dirty="0" smtClean="0"/>
               <a:t>おまけ：変更前のファイルに戻す</a:t>
             </a:r>
             <a:endParaRPr lang="en-US" altLang="ja-JP" dirty="0"/>
@@ -35726,7 +35668,7 @@
           <a:p>
             <a:fld id="{7C6CB327-4739-40F7-91EE-F964CF852706}" type="slidenum">
               <a:rPr kumimoji="1" lang="ja-JP" altLang="en-US" smtClean="0"/>
-              <a:t>50</a:t>
+              <a:t>49</a:t>
             </a:fld>
             <a:endParaRPr kumimoji="1" lang="ja-JP" altLang="en-US" dirty="0"/>
           </a:p>
@@ -35736,6 +35678,164 @@
     <p:extLst>
       <p:ext uri="{BB962C8B-B14F-4D97-AF65-F5344CB8AC3E}">
         <p14:creationId xmlns:p14="http://schemas.microsoft.com/office/powerpoint/2010/main" val="4155540780"/>
+      </p:ext>
+    </p:extLst>
+  </p:cSld>
+  <p:clrMapOvr>
+    <a:masterClrMapping/>
+  </p:clrMapOvr>
+</p:sld>
+</file>
+
+<file path=ppt/slides/slide51.xml><?xml version="1.0" encoding="utf-8"?>
+<p:sld xmlns:a="http://schemas.openxmlformats.org/drawingml/2006/main" xmlns:r="http://schemas.openxmlformats.org/officeDocument/2006/relationships" xmlns:p="http://schemas.openxmlformats.org/presentationml/2006/main">
+  <p:cSld>
+    <p:spTree>
+      <p:nvGrpSpPr>
+        <p:cNvPr id="1" name=""/>
+        <p:cNvGrpSpPr/>
+        <p:nvPr/>
+      </p:nvGrpSpPr>
+      <p:grpSpPr>
+        <a:xfrm>
+          <a:off x="0" y="0"/>
+          <a:ext cx="0" cy="0"/>
+          <a:chOff x="0" y="0"/>
+          <a:chExt cx="0" cy="0"/>
+        </a:xfrm>
+      </p:grpSpPr>
+      <p:sp>
+        <p:nvSpPr>
+          <p:cNvPr id="2" name="タイトル 1"/>
+          <p:cNvSpPr>
+            <a:spLocks noGrp="1"/>
+          </p:cNvSpPr>
+          <p:nvPr>
+            <p:ph type="title"/>
+          </p:nvPr>
+        </p:nvSpPr>
+        <p:spPr>
+          <a:xfrm>
+            <a:off x="838200" y="150941"/>
+            <a:ext cx="10515600" cy="1325563"/>
+          </a:xfrm>
+        </p:spPr>
+        <p:txBody>
+          <a:bodyPr/>
+          <a:lstStyle/>
+          <a:p>
+            <a:r>
+              <a:rPr lang="ja-JP" altLang="en-US" dirty="0" smtClean="0"/>
+              <a:t>おまけ：変更前のファイルに戻す</a:t>
+            </a:r>
+            <a:endParaRPr lang="en-US" altLang="ja-JP" dirty="0"/>
+          </a:p>
+        </p:txBody>
+      </p:sp>
+      <p:sp>
+        <p:nvSpPr>
+          <p:cNvPr id="4" name="コンテンツ プレースホルダー 3"/>
+          <p:cNvSpPr>
+            <a:spLocks noGrp="1"/>
+          </p:cNvSpPr>
+          <p:nvPr>
+            <p:ph idx="1"/>
+          </p:nvPr>
+        </p:nvSpPr>
+        <p:spPr>
+          <a:xfrm>
+            <a:off x="1409185" y="5778842"/>
+            <a:ext cx="9373628" cy="1079158"/>
+          </a:xfrm>
+        </p:spPr>
+        <p:txBody>
+          <a:bodyPr>
+            <a:normAutofit/>
+          </a:bodyPr>
+          <a:lstStyle/>
+          <a:p>
+            <a:pPr marL="0" indent="0">
+              <a:buNone/>
+            </a:pPr>
+            <a:r>
+              <a:rPr lang="en-US" altLang="ja-JP" sz="4000" dirty="0"/>
+              <a:t>GitHub </a:t>
+            </a:r>
+            <a:r>
+              <a:rPr lang="en-US" altLang="ja-JP" sz="4000" dirty="0" smtClean="0"/>
+              <a:t>Desktop</a:t>
+            </a:r>
+            <a:r>
+              <a:rPr lang="ja-JP" altLang="en-US" sz="4000" dirty="0"/>
+              <a:t>から</a:t>
+            </a:r>
+            <a:r>
+              <a:rPr lang="ja-JP" altLang="en-US" sz="4000" dirty="0" smtClean="0"/>
+              <a:t>「</a:t>
+            </a:r>
+            <a:r>
+              <a:rPr lang="en-US" altLang="ja-JP" sz="4000" dirty="0"/>
+              <a:t>History</a:t>
+            </a:r>
+            <a:r>
+              <a:rPr lang="ja-JP" altLang="en-US" sz="4000" dirty="0" smtClean="0"/>
+              <a:t>」を選択。</a:t>
+            </a:r>
+            <a:endParaRPr kumimoji="1" lang="ja-JP" altLang="en-US" sz="4000" dirty="0"/>
+          </a:p>
+        </p:txBody>
+      </p:sp>
+      <p:pic>
+        <p:nvPicPr>
+          <p:cNvPr id="5" name="図 4"/>
+          <p:cNvPicPr>
+            <a:picLocks noChangeAspect="1"/>
+          </p:cNvPicPr>
+          <p:nvPr/>
+        </p:nvPicPr>
+        <p:blipFill>
+          <a:blip r:embed="rId2"/>
+          <a:stretch>
+            <a:fillRect/>
+          </a:stretch>
+        </p:blipFill>
+        <p:spPr>
+          <a:xfrm>
+            <a:off x="2901940" y="1167289"/>
+            <a:ext cx="6388119" cy="4427673"/>
+          </a:xfrm>
+          <a:prstGeom prst="rect">
+            <a:avLst/>
+          </a:prstGeom>
+        </p:spPr>
+      </p:pic>
+      <p:sp>
+        <p:nvSpPr>
+          <p:cNvPr id="3" name="スライド番号プレースホルダー 2"/>
+          <p:cNvSpPr>
+            <a:spLocks noGrp="1"/>
+          </p:cNvSpPr>
+          <p:nvPr>
+            <p:ph type="sldNum" sz="quarter" idx="12"/>
+          </p:nvPr>
+        </p:nvSpPr>
+        <p:spPr/>
+        <p:txBody>
+          <a:bodyPr/>
+          <a:lstStyle/>
+          <a:p>
+            <a:fld id="{7C6CB327-4739-40F7-91EE-F964CF852706}" type="slidenum">
+              <a:rPr kumimoji="1" lang="ja-JP" altLang="en-US" smtClean="0"/>
+              <a:t>50</a:t>
+            </a:fld>
+            <a:endParaRPr kumimoji="1" lang="ja-JP" altLang="en-US" dirty="0"/>
+          </a:p>
+        </p:txBody>
+      </p:sp>
+    </p:spTree>
+    <p:extLst>
+      <p:ext uri="{BB962C8B-B14F-4D97-AF65-F5344CB8AC3E}">
+        <p14:creationId xmlns:p14="http://schemas.microsoft.com/office/powerpoint/2010/main" val="2885359874"/>
       </p:ext>
     </p:extLst>
   </p:cSld>
@@ -35802,165 +35902,7 @@
         </p:nvSpPr>
         <p:spPr>
           <a:xfrm>
-            <a:off x="1980169" y="5747361"/>
-            <a:ext cx="8231659" cy="1079158"/>
-          </a:xfrm>
-        </p:spPr>
-        <p:txBody>
-          <a:bodyPr>
-            <a:normAutofit lnSpcReduction="10000"/>
-          </a:bodyPr>
-          <a:lstStyle/>
-          <a:p>
-            <a:pPr marL="0" indent="0">
-              <a:buNone/>
-            </a:pPr>
-            <a:r>
-              <a:rPr lang="en-US" altLang="ja-JP" sz="4000" dirty="0"/>
-              <a:t>GitHub </a:t>
-            </a:r>
-            <a:r>
-              <a:rPr lang="en-US" altLang="ja-JP" sz="4000" dirty="0" smtClean="0"/>
-              <a:t>Desktop</a:t>
-            </a:r>
-            <a:r>
-              <a:rPr lang="ja-JP" altLang="en-US" sz="4000" dirty="0"/>
-              <a:t>から</a:t>
-            </a:r>
-            <a:r>
-              <a:rPr lang="ja-JP" altLang="en-US" sz="4000" dirty="0" smtClean="0"/>
-              <a:t>「</a:t>
-            </a:r>
-            <a:r>
-              <a:rPr lang="en-US" altLang="ja-JP" sz="4000" dirty="0"/>
-              <a:t>History</a:t>
-            </a:r>
-            <a:r>
-              <a:rPr lang="ja-JP" altLang="en-US" sz="4000" dirty="0" smtClean="0"/>
-              <a:t>」を選択。</a:t>
-            </a:r>
-            <a:endParaRPr kumimoji="1" lang="ja-JP" altLang="en-US" sz="4000" dirty="0"/>
-          </a:p>
-        </p:txBody>
-      </p:sp>
-      <p:pic>
-        <p:nvPicPr>
-          <p:cNvPr id="5" name="図 4"/>
-          <p:cNvPicPr>
-            <a:picLocks noChangeAspect="1"/>
-          </p:cNvPicPr>
-          <p:nvPr/>
-        </p:nvPicPr>
-        <p:blipFill>
-          <a:blip r:embed="rId2"/>
-          <a:stretch>
-            <a:fillRect/>
-          </a:stretch>
-        </p:blipFill>
-        <p:spPr>
-          <a:xfrm>
-            <a:off x="2901940" y="1167289"/>
-            <a:ext cx="6388119" cy="4427673"/>
-          </a:xfrm>
-          <a:prstGeom prst="rect">
-            <a:avLst/>
-          </a:prstGeom>
-        </p:spPr>
-      </p:pic>
-      <p:sp>
-        <p:nvSpPr>
-          <p:cNvPr id="3" name="スライド番号プレースホルダー 2"/>
-          <p:cNvSpPr>
-            <a:spLocks noGrp="1"/>
-          </p:cNvSpPr>
-          <p:nvPr>
-            <p:ph type="sldNum" sz="quarter" idx="12"/>
-          </p:nvPr>
-        </p:nvSpPr>
-        <p:spPr/>
-        <p:txBody>
-          <a:bodyPr/>
-          <a:lstStyle/>
-          <a:p>
-            <a:fld id="{7C6CB327-4739-40F7-91EE-F964CF852706}" type="slidenum">
-              <a:rPr kumimoji="1" lang="ja-JP" altLang="en-US" smtClean="0"/>
-              <a:t>51</a:t>
-            </a:fld>
-            <a:endParaRPr kumimoji="1" lang="ja-JP" altLang="en-US" dirty="0"/>
-          </a:p>
-        </p:txBody>
-      </p:sp>
-    </p:spTree>
-    <p:extLst>
-      <p:ext uri="{BB962C8B-B14F-4D97-AF65-F5344CB8AC3E}">
-        <p14:creationId xmlns:p14="http://schemas.microsoft.com/office/powerpoint/2010/main" val="2885359874"/>
-      </p:ext>
-    </p:extLst>
-  </p:cSld>
-  <p:clrMapOvr>
-    <a:masterClrMapping/>
-  </p:clrMapOvr>
-</p:sld>
-</file>
-
-<file path=ppt/slides/slide53.xml><?xml version="1.0" encoding="utf-8"?>
-<p:sld xmlns:a="http://schemas.openxmlformats.org/drawingml/2006/main" xmlns:r="http://schemas.openxmlformats.org/officeDocument/2006/relationships" xmlns:p="http://schemas.openxmlformats.org/presentationml/2006/main">
-  <p:cSld>
-    <p:spTree>
-      <p:nvGrpSpPr>
-        <p:cNvPr id="1" name=""/>
-        <p:cNvGrpSpPr/>
-        <p:nvPr/>
-      </p:nvGrpSpPr>
-      <p:grpSpPr>
-        <a:xfrm>
-          <a:off x="0" y="0"/>
-          <a:ext cx="0" cy="0"/>
-          <a:chOff x="0" y="0"/>
-          <a:chExt cx="0" cy="0"/>
-        </a:xfrm>
-      </p:grpSpPr>
-      <p:sp>
-        <p:nvSpPr>
-          <p:cNvPr id="2" name="タイトル 1"/>
-          <p:cNvSpPr>
-            <a:spLocks noGrp="1"/>
-          </p:cNvSpPr>
-          <p:nvPr>
-            <p:ph type="title"/>
-          </p:nvPr>
-        </p:nvSpPr>
-        <p:spPr>
-          <a:xfrm>
-            <a:off x="838200" y="150941"/>
-            <a:ext cx="10515600" cy="1325563"/>
-          </a:xfrm>
-        </p:spPr>
-        <p:txBody>
-          <a:bodyPr/>
-          <a:lstStyle/>
-          <a:p>
-            <a:r>
-              <a:rPr lang="ja-JP" altLang="en-US" dirty="0" smtClean="0"/>
-              <a:t>おまけ：変更前のファイルに戻す</a:t>
-            </a:r>
-            <a:endParaRPr lang="en-US" altLang="ja-JP" dirty="0"/>
-          </a:p>
-        </p:txBody>
-      </p:sp>
-      <p:sp>
-        <p:nvSpPr>
-          <p:cNvPr id="4" name="コンテンツ プレースホルダー 3"/>
-          <p:cNvSpPr>
-            <a:spLocks noGrp="1"/>
-          </p:cNvSpPr>
-          <p:nvPr>
-            <p:ph idx="1"/>
-          </p:nvPr>
-        </p:nvSpPr>
-        <p:spPr>
-          <a:xfrm>
-            <a:off x="877329" y="5467276"/>
+            <a:off x="877329" y="5411857"/>
             <a:ext cx="10437340" cy="587536"/>
           </a:xfrm>
         </p:spPr>
@@ -36034,7 +35976,7 @@
           <a:p>
             <a:fld id="{7C6CB327-4739-40F7-91EE-F964CF852706}" type="slidenum">
               <a:rPr kumimoji="1" lang="ja-JP" altLang="en-US" smtClean="0"/>
-              <a:t>52</a:t>
+              <a:t>51</a:t>
             </a:fld>
             <a:endParaRPr kumimoji="1" lang="ja-JP" altLang="en-US" dirty="0"/>
           </a:p>
@@ -36053,7 +35995,7 @@
 </p:sld>
 </file>
 
-<file path=ppt/slides/slide54.xml><?xml version="1.0" encoding="utf-8"?>
+<file path=ppt/slides/slide53.xml><?xml version="1.0" encoding="utf-8"?>
 <p:sld xmlns:a="http://schemas.openxmlformats.org/drawingml/2006/main" xmlns:r="http://schemas.openxmlformats.org/officeDocument/2006/relationships" xmlns:p="http://schemas.openxmlformats.org/presentationml/2006/main">
   <p:cSld>
     <p:spTree>
@@ -36226,7 +36168,7 @@
           <a:p>
             <a:fld id="{7C6CB327-4739-40F7-91EE-F964CF852706}" type="slidenum">
               <a:rPr kumimoji="1" lang="ja-JP" altLang="en-US" smtClean="0"/>
-              <a:t>53</a:t>
+              <a:t>52</a:t>
             </a:fld>
             <a:endParaRPr kumimoji="1" lang="ja-JP" altLang="en-US" dirty="0"/>
           </a:p>
@@ -36245,7 +36187,7 @@
 </p:sld>
 </file>
 
-<file path=ppt/slides/slide55.xml><?xml version="1.0" encoding="utf-8"?>
+<file path=ppt/slides/slide54.xml><?xml version="1.0" encoding="utf-8"?>
 <p:sld xmlns:a="http://schemas.openxmlformats.org/drawingml/2006/main" xmlns:r="http://schemas.openxmlformats.org/officeDocument/2006/relationships" xmlns:p="http://schemas.openxmlformats.org/presentationml/2006/main">
   <p:cSld>
     <p:spTree>
@@ -36436,7 +36378,7 @@
           <a:p>
             <a:fld id="{7C6CB327-4739-40F7-91EE-F964CF852706}" type="slidenum">
               <a:rPr kumimoji="1" lang="ja-JP" altLang="en-US" smtClean="0"/>
-              <a:t>54</a:t>
+              <a:t>53</a:t>
             </a:fld>
             <a:endParaRPr kumimoji="1" lang="ja-JP" altLang="en-US" dirty="0"/>
           </a:p>
@@ -39178,6 +39120,21 @@
 </file>
 
 <file path=customXml/item1.xml><?xml version="1.0" encoding="utf-8"?>
+<p:properties xmlns:p="http://schemas.microsoft.com/office/2006/metadata/properties" xmlns:xsi="http://www.w3.org/2001/XMLSchema-instance" xmlns:pc="http://schemas.microsoft.com/office/infopath/2007/PartnerControls">
+  <documentManagement/>
+</p:properties>
+</file>
+
+<file path=customXml/item2.xml><?xml version="1.0" encoding="utf-8"?>
+<?mso-contentType ?>
+<FormTemplates xmlns="http://schemas.microsoft.com/sharepoint/v3/contenttype/forms">
+  <Display>DocumentLibraryForm</Display>
+  <Edit>DocumentLibraryForm</Edit>
+  <New>DocumentLibraryForm</New>
+</FormTemplates>
+</file>
+
+<file path=customXml/item3.xml><?xml version="1.0" encoding="utf-8"?>
 <ct:contentTypeSchema xmlns:ct="http://schemas.microsoft.com/office/2006/metadata/contentType" xmlns:ma="http://schemas.microsoft.com/office/2006/metadata/properties/metaAttributes" ct:_="" ma:_="" ma:contentTypeName="ドキュメント" ma:contentTypeID="0x010100BB83E17D17FF644F9FFD9A99A2009573" ma:contentTypeVersion="8" ma:contentTypeDescription="新しいドキュメントを作成します。" ma:contentTypeScope="" ma:versionID="2fb67b2ca1a82775ba3d00c8d594b1cb">
   <xsd:schema xmlns:xsd="http://www.w3.org/2001/XMLSchema" xmlns:xs="http://www.w3.org/2001/XMLSchema" xmlns:p="http://schemas.microsoft.com/office/2006/metadata/properties" xmlns:ns2="a2bc6c6f-a0bb-4b84-b757-6fa3eba60e2e" targetNamespace="http://schemas.microsoft.com/office/2006/metadata/properties" ma:root="true" ma:fieldsID="61dd9ca9327f0199f66cbe698a9d8b1e" ns2:_="">
     <xsd:import namespace="a2bc6c6f-a0bb-4b84-b757-6fa3eba60e2e"/>
@@ -39347,22 +39304,24 @@
 </ct:contentTypeSchema>
 </file>
 
-<file path=customXml/item2.xml><?xml version="1.0" encoding="utf-8"?>
-<p:properties xmlns:p="http://schemas.microsoft.com/office/2006/metadata/properties" xmlns:xsi="http://www.w3.org/2001/XMLSchema-instance" xmlns:pc="http://schemas.microsoft.com/office/infopath/2007/PartnerControls">
-  <documentManagement/>
-</p:properties>
+<file path=customXml/itemProps1.xml><?xml version="1.0" encoding="utf-8"?>
+<ds:datastoreItem xmlns:ds="http://schemas.openxmlformats.org/officeDocument/2006/customXml" ds:itemID="{89A7A39C-1D4C-435F-92CE-7B41D6101916}">
+  <ds:schemaRefs>
+    <ds:schemaRef ds:uri="http://schemas.microsoft.com/office/2006/metadata/properties"/>
+    <ds:schemaRef ds:uri="http://schemas.microsoft.com/office/infopath/2007/PartnerControls"/>
+  </ds:schemaRefs>
+</ds:datastoreItem>
 </file>
 
-<file path=customXml/item3.xml><?xml version="1.0" encoding="utf-8"?>
-<?mso-contentType ?>
-<FormTemplates xmlns="http://schemas.microsoft.com/sharepoint/v3/contenttype/forms">
-  <Display>DocumentLibraryForm</Display>
-  <Edit>DocumentLibraryForm</Edit>
-  <New>DocumentLibraryForm</New>
-</FormTemplates>
+<file path=customXml/itemProps2.xml><?xml version="1.0" encoding="utf-8"?>
+<ds:datastoreItem xmlns:ds="http://schemas.openxmlformats.org/officeDocument/2006/customXml" ds:itemID="{244CD9D7-E214-4473-8806-C93D215B9651}">
+  <ds:schemaRefs>
+    <ds:schemaRef ds:uri="http://schemas.microsoft.com/sharepoint/v3/contenttype/forms"/>
+  </ds:schemaRefs>
+</ds:datastoreItem>
 </file>
 
-<file path=customXml/itemProps1.xml><?xml version="1.0" encoding="utf-8"?>
+<file path=customXml/itemProps3.xml><?xml version="1.0" encoding="utf-8"?>
 <ds:datastoreItem xmlns:ds="http://schemas.openxmlformats.org/officeDocument/2006/customXml" ds:itemID="{90297BE2-5AC6-4801-8903-2378BD7DB9C2}">
   <ds:schemaRefs>
     <ds:schemaRef ds:uri="http://schemas.microsoft.com/office/2006/metadata/contentType"/>
@@ -39378,21 +39337,4 @@
     <ds:schemaRef ds:uri="http://schemas.microsoft.com/internal/obd"/>
   </ds:schemaRefs>
 </ds:datastoreItem>
-</file>
-
-<file path=customXml/itemProps2.xml><?xml version="1.0" encoding="utf-8"?>
-<ds:datastoreItem xmlns:ds="http://schemas.openxmlformats.org/officeDocument/2006/customXml" ds:itemID="{89A7A39C-1D4C-435F-92CE-7B41D6101916}">
-  <ds:schemaRefs>
-    <ds:schemaRef ds:uri="http://schemas.microsoft.com/office/2006/metadata/properties"/>
-    <ds:schemaRef ds:uri="http://schemas.microsoft.com/office/infopath/2007/PartnerControls"/>
-  </ds:schemaRefs>
-</ds:datastoreItem>
-</file>
-
-<file path=customXml/itemProps3.xml><?xml version="1.0" encoding="utf-8"?>
-<ds:datastoreItem xmlns:ds="http://schemas.openxmlformats.org/officeDocument/2006/customXml" ds:itemID="{244CD9D7-E214-4473-8806-C93D215B9651}">
-  <ds:schemaRefs>
-    <ds:schemaRef ds:uri="http://schemas.microsoft.com/sharepoint/v3/contenttype/forms"/>
-  </ds:schemaRefs>
-</ds:datastoreItem>
 </file>
--- a/GITHUBスタートアップ/GITHUBセットアップの会.pptx
+++ b/GITHUBスタートアップ/GITHUBセットアップの会.pptx
@@ -250,7 +250,7 @@
           <a:p>
             <a:fld id="{D798F4DB-D36D-4461-A0B9-46F1449A85D1}" type="datetimeFigureOut">
               <a:rPr kumimoji="1" lang="ja-JP" altLang="en-US" smtClean="0"/>
-              <a:t>2021/10/26</a:t>
+              <a:t>2021/10/27</a:t>
             </a:fld>
             <a:endParaRPr kumimoji="1" lang="ja-JP" altLang="en-US"/>
           </a:p>
@@ -846,176 +846,19 @@
           <a:bodyPr/>
           <a:lstStyle/>
           <a:p>
-            <a:pPr marL="0" marR="0" lvl="0" indent="0" algn="l" defTabSz="914400" rtl="0" eaLnBrk="1" fontAlgn="auto" latinLnBrk="0" hangingPunct="1">
-              <a:lnSpc>
-                <a:spcPct val="100000"/>
-              </a:lnSpc>
-              <a:spcBef>
-                <a:spcPts val="0"/>
-              </a:spcBef>
-              <a:spcAft>
-                <a:spcPts val="0"/>
-              </a:spcAft>
-              <a:buClrTx/>
-              <a:buSzTx/>
-              <a:buFontTx/>
-              <a:buNone/>
-              <a:tabLst/>
-              <a:defRPr/>
-            </a:pPr>
-            <a:r>
-              <a:rPr lang="ja-JP" altLang="en-US" sz="1200" dirty="0" smtClean="0">
-                <a:solidFill>
-                  <a:prstClr val="black">
-                    <a:lumMod val="65000"/>
-                    <a:lumOff val="35000"/>
-                  </a:prstClr>
-                </a:solidFill>
-                <a:cs typeface="Kazesawa Regular" panose="020B0502020203020207" pitchFamily="50" charset="-128"/>
-              </a:rPr>
-              <a:t>ファイル、プログラム、設定情報などの</a:t>
-            </a:r>
-            <a:r>
-              <a:rPr lang="en-US" altLang="ja-JP" sz="1200" dirty="0" smtClean="0">
-                <a:solidFill>
-                  <a:prstClr val="black">
-                    <a:lumMod val="65000"/>
-                    <a:lumOff val="35000"/>
-                  </a:prstClr>
-                </a:solidFill>
-                <a:cs typeface="Kazesawa Regular" panose="020B0502020203020207" pitchFamily="50" charset="-128"/>
-              </a:rPr>
-              <a:t/>
-            </a:r>
-            <a:br>
-              <a:rPr lang="en-US" altLang="ja-JP" sz="1200" dirty="0" smtClean="0">
-                <a:solidFill>
-                  <a:prstClr val="black">
-                    <a:lumMod val="65000"/>
-                    <a:lumOff val="35000"/>
-                  </a:prstClr>
-                </a:solidFill>
-                <a:cs typeface="Kazesawa Regular" panose="020B0502020203020207" pitchFamily="50" charset="-128"/>
-              </a:rPr>
-            </a:br>
-            <a:r>
-              <a:rPr lang="ja-JP" altLang="en-US" sz="1200" dirty="0" smtClean="0">
-                <a:solidFill>
-                  <a:prstClr val="black">
-                    <a:lumMod val="65000"/>
-                    <a:lumOff val="35000"/>
-                  </a:prstClr>
-                </a:solidFill>
-                <a:cs typeface="Kazesawa Regular" panose="020B0502020203020207" pitchFamily="50" charset="-128"/>
-              </a:rPr>
-              <a:t>「保管場所」のこと</a:t>
-            </a:r>
-            <a:r>
-              <a:rPr kumimoji="1" lang="ja-JP" altLang="en-US" sz="1200" dirty="0" smtClean="0">
-                <a:solidFill>
-                  <a:schemeClr val="tx1"/>
-                </a:solidFill>
-                <a:cs typeface="+mn-cs"/>
-              </a:rPr>
-              <a:t>ですね。</a:t>
-            </a:r>
-            <a:endParaRPr kumimoji="1" lang="en-US" altLang="ja-JP" sz="1200" dirty="0" smtClean="0">
-              <a:solidFill>
-                <a:schemeClr val="tx1"/>
-              </a:solidFill>
-              <a:cs typeface="+mn-cs"/>
-            </a:endParaRPr>
-          </a:p>
-          <a:p>
-            <a:pPr marL="0" marR="0" lvl="0" indent="0" algn="l" defTabSz="914400" rtl="0" eaLnBrk="1" fontAlgn="auto" latinLnBrk="0" hangingPunct="1">
-              <a:lnSpc>
-                <a:spcPct val="100000"/>
-              </a:lnSpc>
-              <a:spcBef>
-                <a:spcPts val="0"/>
-              </a:spcBef>
-              <a:spcAft>
-                <a:spcPts val="0"/>
-              </a:spcAft>
-              <a:buClrTx/>
-              <a:buSzTx/>
-              <a:buFontTx/>
-              <a:buNone/>
-              <a:tabLst/>
-              <a:defRPr/>
-            </a:pPr>
-            <a:r>
-              <a:rPr kumimoji="1" lang="ja-JP" altLang="en-US" sz="1200" b="1" u="sng" dirty="0" smtClean="0">
-                <a:solidFill>
-                  <a:schemeClr val="tx1"/>
-                </a:solidFill>
-                <a:cs typeface="+mn-cs"/>
-              </a:rPr>
-              <a:t>自分の</a:t>
-            </a:r>
-            <a:r>
-              <a:rPr kumimoji="1" lang="en-US" altLang="ja-JP" sz="1200" b="1" u="sng" dirty="0" smtClean="0">
-                <a:solidFill>
-                  <a:schemeClr val="tx1"/>
-                </a:solidFill>
-                <a:cs typeface="+mn-cs"/>
-              </a:rPr>
-              <a:t>PC</a:t>
-            </a:r>
-            <a:r>
-              <a:rPr kumimoji="1" lang="ja-JP" altLang="en-US" sz="1200" b="1" u="sng" dirty="0" err="1" smtClean="0">
-                <a:solidFill>
-                  <a:schemeClr val="tx1"/>
-                </a:solidFill>
-                <a:cs typeface="+mn-cs"/>
-              </a:rPr>
-              <a:t>には</a:t>
-            </a:r>
-            <a:r>
-              <a:rPr kumimoji="1" lang="ja-JP" altLang="en-US" sz="1200" b="1" u="sng" dirty="0" smtClean="0">
-                <a:solidFill>
-                  <a:schemeClr val="tx1"/>
-                </a:solidFill>
-                <a:cs typeface="+mn-cs"/>
-              </a:rPr>
-              <a:t>ローカルリポジトリ、</a:t>
-            </a:r>
-            <a:r>
-              <a:rPr kumimoji="1" lang="en-US" altLang="ja-JP" sz="1200" b="1" u="sng" dirty="0" smtClean="0">
-                <a:solidFill>
-                  <a:schemeClr val="tx1"/>
-                </a:solidFill>
-                <a:cs typeface="+mn-cs"/>
-              </a:rPr>
-              <a:t>GITHUB</a:t>
-            </a:r>
-            <a:r>
-              <a:rPr kumimoji="1" lang="ja-JP" altLang="en-US" sz="1200" b="1" u="sng" dirty="0" err="1" smtClean="0">
-                <a:solidFill>
-                  <a:schemeClr val="tx1"/>
-                </a:solidFill>
-                <a:cs typeface="+mn-cs"/>
-              </a:rPr>
-              <a:t>には</a:t>
-            </a:r>
-            <a:r>
-              <a:rPr kumimoji="1" lang="ja-JP" altLang="en-US" sz="1200" b="1" u="sng" dirty="0" smtClean="0">
-                <a:solidFill>
-                  <a:schemeClr val="tx1"/>
-                </a:solidFill>
-                <a:cs typeface="+mn-cs"/>
-              </a:rPr>
-              <a:t>リモートリポジトリがあるんだって覚えておいてください。</a:t>
-            </a:r>
-            <a:endParaRPr lang="ja-JP" altLang="en-US" sz="1200" b="1" u="sng" dirty="0" smtClean="0">
-              <a:solidFill>
-                <a:prstClr val="black">
-                  <a:lumMod val="65000"/>
-                  <a:lumOff val="35000"/>
-                </a:prstClr>
-              </a:solidFill>
-              <a:cs typeface="Kazesawa Regular" panose="020B0502020203020207" pitchFamily="50" charset="-128"/>
-            </a:endParaRPr>
+            <a:r>
+              <a:rPr kumimoji="1" lang="en-US" altLang="ja-JP" dirty="0" smtClean="0"/>
+              <a:t>VCS</a:t>
+            </a:r>
+            <a:r>
+              <a:rPr kumimoji="1" lang="ja-JP" altLang="en-US" dirty="0" smtClean="0"/>
+              <a:t>といえば</a:t>
+            </a:r>
+            <a:r>
+              <a:rPr kumimoji="1" lang="en-US" altLang="ja-JP" dirty="0" smtClean="0"/>
+              <a:t>GIT</a:t>
+            </a:r>
+            <a:endParaRPr kumimoji="1" lang="ja-JP" altLang="en-US" dirty="0"/>
           </a:p>
         </p:txBody>
       </p:sp>
@@ -1036,7 +879,7 @@
           <a:p>
             <a:fld id="{FA65D217-DE8D-466D-8EDA-0E0D0BCECD68}" type="slidenum">
               <a:rPr kumimoji="1" lang="ja-JP" altLang="en-US" smtClean="0"/>
-              <a:t>13</a:t>
+              <a:t>9</a:t>
             </a:fld>
             <a:endParaRPr kumimoji="1" lang="ja-JP" altLang="en-US"/>
           </a:p>
@@ -1045,7 +888,7 @@
     </p:spTree>
     <p:extLst>
       <p:ext uri="{BB962C8B-B14F-4D97-AF65-F5344CB8AC3E}">
-        <p14:creationId xmlns:p14="http://schemas.microsoft.com/office/powerpoint/2010/main" val="3502856758"/>
+        <p14:creationId xmlns:p14="http://schemas.microsoft.com/office/powerpoint/2010/main" val="3060657862"/>
       </p:ext>
     </p:extLst>
   </p:cSld>
@@ -1099,7 +942,176 @@
           <a:bodyPr/>
           <a:lstStyle/>
           <a:p>
-            <a:endParaRPr kumimoji="1" lang="ja-JP" altLang="en-US" dirty="0"/>
+            <a:pPr marL="0" marR="0" lvl="0" indent="0" algn="l" defTabSz="914400" rtl="0" eaLnBrk="1" fontAlgn="auto" latinLnBrk="0" hangingPunct="1">
+              <a:lnSpc>
+                <a:spcPct val="100000"/>
+              </a:lnSpc>
+              <a:spcBef>
+                <a:spcPts val="0"/>
+              </a:spcBef>
+              <a:spcAft>
+                <a:spcPts val="0"/>
+              </a:spcAft>
+              <a:buClrTx/>
+              <a:buSzTx/>
+              <a:buFontTx/>
+              <a:buNone/>
+              <a:tabLst/>
+              <a:defRPr/>
+            </a:pPr>
+            <a:r>
+              <a:rPr lang="ja-JP" altLang="en-US" sz="1200" dirty="0" smtClean="0">
+                <a:solidFill>
+                  <a:prstClr val="black">
+                    <a:lumMod val="65000"/>
+                    <a:lumOff val="35000"/>
+                  </a:prstClr>
+                </a:solidFill>
+                <a:cs typeface="Kazesawa Regular" panose="020B0502020203020207" pitchFamily="50" charset="-128"/>
+              </a:rPr>
+              <a:t>ファイル、プログラム、設定情報などの</a:t>
+            </a:r>
+            <a:r>
+              <a:rPr lang="en-US" altLang="ja-JP" sz="1200" dirty="0" smtClean="0">
+                <a:solidFill>
+                  <a:prstClr val="black">
+                    <a:lumMod val="65000"/>
+                    <a:lumOff val="35000"/>
+                  </a:prstClr>
+                </a:solidFill>
+                <a:cs typeface="Kazesawa Regular" panose="020B0502020203020207" pitchFamily="50" charset="-128"/>
+              </a:rPr>
+              <a:t/>
+            </a:r>
+            <a:br>
+              <a:rPr lang="en-US" altLang="ja-JP" sz="1200" dirty="0" smtClean="0">
+                <a:solidFill>
+                  <a:prstClr val="black">
+                    <a:lumMod val="65000"/>
+                    <a:lumOff val="35000"/>
+                  </a:prstClr>
+                </a:solidFill>
+                <a:cs typeface="Kazesawa Regular" panose="020B0502020203020207" pitchFamily="50" charset="-128"/>
+              </a:rPr>
+            </a:br>
+            <a:r>
+              <a:rPr lang="ja-JP" altLang="en-US" sz="1200" dirty="0" smtClean="0">
+                <a:solidFill>
+                  <a:prstClr val="black">
+                    <a:lumMod val="65000"/>
+                    <a:lumOff val="35000"/>
+                  </a:prstClr>
+                </a:solidFill>
+                <a:cs typeface="Kazesawa Regular" panose="020B0502020203020207" pitchFamily="50" charset="-128"/>
+              </a:rPr>
+              <a:t>「保管場所」のこと</a:t>
+            </a:r>
+            <a:r>
+              <a:rPr kumimoji="1" lang="ja-JP" altLang="en-US" sz="1200" dirty="0" smtClean="0">
+                <a:solidFill>
+                  <a:schemeClr val="tx1"/>
+                </a:solidFill>
+                <a:cs typeface="+mn-cs"/>
+              </a:rPr>
+              <a:t>ですね。</a:t>
+            </a:r>
+            <a:endParaRPr kumimoji="1" lang="en-US" altLang="ja-JP" sz="1200" dirty="0" smtClean="0">
+              <a:solidFill>
+                <a:schemeClr val="tx1"/>
+              </a:solidFill>
+              <a:cs typeface="+mn-cs"/>
+            </a:endParaRPr>
+          </a:p>
+          <a:p>
+            <a:pPr marL="0" marR="0" lvl="0" indent="0" algn="l" defTabSz="914400" rtl="0" eaLnBrk="1" fontAlgn="auto" latinLnBrk="0" hangingPunct="1">
+              <a:lnSpc>
+                <a:spcPct val="100000"/>
+              </a:lnSpc>
+              <a:spcBef>
+                <a:spcPts val="0"/>
+              </a:spcBef>
+              <a:spcAft>
+                <a:spcPts val="0"/>
+              </a:spcAft>
+              <a:buClrTx/>
+              <a:buSzTx/>
+              <a:buFontTx/>
+              <a:buNone/>
+              <a:tabLst/>
+              <a:defRPr/>
+            </a:pPr>
+            <a:r>
+              <a:rPr kumimoji="1" lang="ja-JP" altLang="en-US" sz="1200" b="1" u="sng" dirty="0" smtClean="0">
+                <a:solidFill>
+                  <a:schemeClr val="tx1"/>
+                </a:solidFill>
+                <a:cs typeface="+mn-cs"/>
+              </a:rPr>
+              <a:t>自分の</a:t>
+            </a:r>
+            <a:r>
+              <a:rPr kumimoji="1" lang="en-US" altLang="ja-JP" sz="1200" b="1" u="sng" dirty="0" smtClean="0">
+                <a:solidFill>
+                  <a:schemeClr val="tx1"/>
+                </a:solidFill>
+                <a:cs typeface="+mn-cs"/>
+              </a:rPr>
+              <a:t>PC</a:t>
+            </a:r>
+            <a:r>
+              <a:rPr kumimoji="1" lang="ja-JP" altLang="en-US" sz="1200" b="1" u="sng" dirty="0" err="1" smtClean="0">
+                <a:solidFill>
+                  <a:schemeClr val="tx1"/>
+                </a:solidFill>
+                <a:cs typeface="+mn-cs"/>
+              </a:rPr>
+              <a:t>には</a:t>
+            </a:r>
+            <a:r>
+              <a:rPr kumimoji="1" lang="ja-JP" altLang="en-US" sz="1200" b="1" u="sng" dirty="0" smtClean="0">
+                <a:solidFill>
+                  <a:schemeClr val="tx1"/>
+                </a:solidFill>
+                <a:cs typeface="+mn-cs"/>
+              </a:rPr>
+              <a:t>ローカルリポジトリ、</a:t>
+            </a:r>
+            <a:r>
+              <a:rPr kumimoji="1" lang="en-US" altLang="ja-JP" sz="1200" b="1" u="sng" dirty="0" smtClean="0">
+                <a:solidFill>
+                  <a:schemeClr val="tx1"/>
+                </a:solidFill>
+                <a:cs typeface="+mn-cs"/>
+              </a:rPr>
+              <a:t>GITHUB</a:t>
+            </a:r>
+            <a:r>
+              <a:rPr kumimoji="1" lang="ja-JP" altLang="en-US" sz="1200" b="1" u="sng" dirty="0" err="1" smtClean="0">
+                <a:solidFill>
+                  <a:schemeClr val="tx1"/>
+                </a:solidFill>
+                <a:cs typeface="+mn-cs"/>
+              </a:rPr>
+              <a:t>には</a:t>
+            </a:r>
+            <a:r>
+              <a:rPr kumimoji="1" lang="ja-JP" altLang="en-US" sz="1200" b="1" u="sng" dirty="0" smtClean="0">
+                <a:solidFill>
+                  <a:schemeClr val="tx1"/>
+                </a:solidFill>
+                <a:cs typeface="+mn-cs"/>
+              </a:rPr>
+              <a:t>リモートリポジトリがあるんだって覚えておいてください。</a:t>
+            </a:r>
+            <a:endParaRPr lang="ja-JP" altLang="en-US" sz="1200" b="1" u="sng" dirty="0" smtClean="0">
+              <a:solidFill>
+                <a:prstClr val="black">
+                  <a:lumMod val="65000"/>
+                  <a:lumOff val="35000"/>
+                </a:prstClr>
+              </a:solidFill>
+              <a:cs typeface="Kazesawa Regular" panose="020B0502020203020207" pitchFamily="50" charset="-128"/>
+            </a:endParaRPr>
           </a:p>
         </p:txBody>
       </p:sp>
@@ -1120,7 +1132,7 @@
           <a:p>
             <a:fld id="{FA65D217-DE8D-466D-8EDA-0E0D0BCECD68}" type="slidenum">
               <a:rPr kumimoji="1" lang="ja-JP" altLang="en-US" smtClean="0"/>
-              <a:t>21</a:t>
+              <a:t>13</a:t>
             </a:fld>
             <a:endParaRPr kumimoji="1" lang="ja-JP" altLang="en-US"/>
           </a:p>
@@ -1129,7 +1141,7 @@
     </p:spTree>
     <p:extLst>
       <p:ext uri="{BB962C8B-B14F-4D97-AF65-F5344CB8AC3E}">
-        <p14:creationId xmlns:p14="http://schemas.microsoft.com/office/powerpoint/2010/main" val="1629276300"/>
+        <p14:creationId xmlns:p14="http://schemas.microsoft.com/office/powerpoint/2010/main" val="3502856758"/>
       </p:ext>
     </p:extLst>
   </p:cSld>
@@ -1183,6 +1195,90 @@
           <a:bodyPr/>
           <a:lstStyle/>
           <a:p>
+            <a:endParaRPr kumimoji="1" lang="ja-JP" altLang="en-US" dirty="0"/>
+          </a:p>
+        </p:txBody>
+      </p:sp>
+      <p:sp>
+        <p:nvSpPr>
+          <p:cNvPr id="4" name="スライド番号プレースホルダー 3"/>
+          <p:cNvSpPr>
+            <a:spLocks noGrp="1"/>
+          </p:cNvSpPr>
+          <p:nvPr>
+            <p:ph type="sldNum" sz="quarter" idx="10"/>
+          </p:nvPr>
+        </p:nvSpPr>
+        <p:spPr/>
+        <p:txBody>
+          <a:bodyPr/>
+          <a:lstStyle/>
+          <a:p>
+            <a:fld id="{FA65D217-DE8D-466D-8EDA-0E0D0BCECD68}" type="slidenum">
+              <a:rPr kumimoji="1" lang="ja-JP" altLang="en-US" smtClean="0"/>
+              <a:t>21</a:t>
+            </a:fld>
+            <a:endParaRPr kumimoji="1" lang="ja-JP" altLang="en-US"/>
+          </a:p>
+        </p:txBody>
+      </p:sp>
+    </p:spTree>
+    <p:extLst>
+      <p:ext uri="{BB962C8B-B14F-4D97-AF65-F5344CB8AC3E}">
+        <p14:creationId xmlns:p14="http://schemas.microsoft.com/office/powerpoint/2010/main" val="1629276300"/>
+      </p:ext>
+    </p:extLst>
+  </p:cSld>
+  <p:clrMapOvr>
+    <a:masterClrMapping/>
+  </p:clrMapOvr>
+</p:notes>
+</file>
+
+<file path=ppt/notesSlides/notesSlide7.xml><?xml version="1.0" encoding="utf-8"?>
+<p:notes xmlns:a="http://schemas.openxmlformats.org/drawingml/2006/main" xmlns:r="http://schemas.openxmlformats.org/officeDocument/2006/relationships" xmlns:p="http://schemas.openxmlformats.org/presentationml/2006/main">
+  <p:cSld>
+    <p:spTree>
+      <p:nvGrpSpPr>
+        <p:cNvPr id="1" name=""/>
+        <p:cNvGrpSpPr/>
+        <p:nvPr/>
+      </p:nvGrpSpPr>
+      <p:grpSpPr>
+        <a:xfrm>
+          <a:off x="0" y="0"/>
+          <a:ext cx="0" cy="0"/>
+          <a:chOff x="0" y="0"/>
+          <a:chExt cx="0" cy="0"/>
+        </a:xfrm>
+      </p:grpSpPr>
+      <p:sp>
+        <p:nvSpPr>
+          <p:cNvPr id="2" name="スライド イメージ プレースホルダー 1"/>
+          <p:cNvSpPr>
+            <a:spLocks noGrp="1" noRot="1" noChangeAspect="1"/>
+          </p:cNvSpPr>
+          <p:nvPr>
+            <p:ph type="sldImg"/>
+          </p:nvPr>
+        </p:nvSpPr>
+        <p:spPr/>
+      </p:sp>
+      <p:sp>
+        <p:nvSpPr>
+          <p:cNvPr id="3" name="ノート プレースホルダー 2"/>
+          <p:cNvSpPr>
+            <a:spLocks noGrp="1"/>
+          </p:cNvSpPr>
+          <p:nvPr>
+            <p:ph type="body" idx="1"/>
+          </p:nvPr>
+        </p:nvSpPr>
+        <p:spPr/>
+        <p:txBody>
+          <a:bodyPr/>
+          <a:lstStyle/>
+          <a:p>
             <a:r>
               <a:rPr kumimoji="1" lang="ja-JP" altLang="en-US" dirty="0" smtClean="0"/>
               <a:t>ありそうな質問：クローンとプルの違いは？</a:t>
@@ -1238,7 +1334,7 @@
 </p:notes>
 </file>
 
-<file path=ppt/notesSlides/notesSlide7.xml><?xml version="1.0" encoding="utf-8"?>
+<file path=ppt/notesSlides/notesSlide8.xml><?xml version="1.0" encoding="utf-8"?>
 <p:notes xmlns:a="http://schemas.openxmlformats.org/drawingml/2006/main" xmlns:r="http://schemas.openxmlformats.org/officeDocument/2006/relationships" xmlns:p="http://schemas.openxmlformats.org/presentationml/2006/main">
   <p:cSld>
     <p:spTree>
@@ -1501,7 +1597,7 @@
           <a:p>
             <a:fld id="{68DBBEA1-0367-4C73-A0C3-3C6B517A010B}" type="datetime1">
               <a:rPr kumimoji="1" lang="ja-JP" altLang="en-US" smtClean="0"/>
-              <a:t>2021/10/26</a:t>
+              <a:t>2021/10/27</a:t>
             </a:fld>
             <a:endParaRPr kumimoji="1" lang="ja-JP" altLang="en-US"/>
           </a:p>
@@ -1803,7 +1899,7 @@
           <a:p>
             <a:fld id="{021B7C5C-31C9-4801-83C5-12E9BE8DA5FE}" type="datetime1">
               <a:rPr kumimoji="1" lang="ja-JP" altLang="en-US" smtClean="0"/>
-              <a:t>2021/10/26</a:t>
+              <a:t>2021/10/27</a:t>
             </a:fld>
             <a:endParaRPr kumimoji="1" lang="ja-JP" altLang="en-US"/>
           </a:p>
@@ -2115,7 +2211,7 @@
           <a:p>
             <a:fld id="{526DBC27-C3BF-4A2C-AF24-11BA36A5ED92}" type="datetime1">
               <a:rPr kumimoji="1" lang="ja-JP" altLang="en-US" smtClean="0"/>
-              <a:t>2021/10/26</a:t>
+              <a:t>2021/10/27</a:t>
             </a:fld>
             <a:endParaRPr kumimoji="1" lang="ja-JP" altLang="en-US"/>
           </a:p>
@@ -2417,7 +2513,7 @@
           <a:p>
             <a:fld id="{F28BF2BE-86BC-4B3E-B14A-32B0ACB2DA97}" type="datetime1">
               <a:rPr kumimoji="1" lang="ja-JP" altLang="en-US" smtClean="0"/>
-              <a:t>2021/10/26</a:t>
+              <a:t>2021/10/27</a:t>
             </a:fld>
             <a:endParaRPr kumimoji="1" lang="ja-JP" altLang="en-US"/>
           </a:p>
@@ -2770,7 +2866,7 @@
           <a:p>
             <a:fld id="{D996DC74-2351-4C25-B3A1-78C24FAB67D0}" type="datetime1">
               <a:rPr kumimoji="1" lang="ja-JP" altLang="en-US" smtClean="0"/>
-              <a:t>2021/10/26</a:t>
+              <a:t>2021/10/27</a:t>
             </a:fld>
             <a:endParaRPr kumimoji="1" lang="ja-JP" altLang="en-US"/>
           </a:p>
@@ -3166,7 +3262,7 @@
           <a:p>
             <a:fld id="{EFB29531-8405-42DB-96A8-33AEE8036002}" type="datetime1">
               <a:rPr kumimoji="1" lang="ja-JP" altLang="en-US" smtClean="0"/>
-              <a:t>2021/10/26</a:t>
+              <a:t>2021/10/27</a:t>
             </a:fld>
             <a:endParaRPr kumimoji="1" lang="ja-JP" altLang="en-US"/>
           </a:p>
@@ -3697,7 +3793,7 @@
           <a:p>
             <a:fld id="{F23D2081-12EC-4B44-907E-FAC2FD287ADC}" type="datetime1">
               <a:rPr kumimoji="1" lang="ja-JP" altLang="en-US" smtClean="0"/>
-              <a:t>2021/10/26</a:t>
+              <a:t>2021/10/27</a:t>
             </a:fld>
             <a:endParaRPr kumimoji="1" lang="ja-JP" altLang="en-US"/>
           </a:p>
@@ -3915,7 +4011,7 @@
           <a:p>
             <a:fld id="{65A0C6C6-8B12-44D7-B2DD-80D86875748A}" type="datetime1">
               <a:rPr kumimoji="1" lang="ja-JP" altLang="en-US" smtClean="0"/>
-              <a:t>2021/10/26</a:t>
+              <a:t>2021/10/27</a:t>
             </a:fld>
             <a:endParaRPr kumimoji="1" lang="ja-JP" altLang="en-US"/>
           </a:p>
@@ -4110,7 +4206,7 @@
           <a:p>
             <a:fld id="{018F952C-68E6-4E4F-82BA-6A1A21417F71}" type="datetime1">
               <a:rPr kumimoji="1" lang="ja-JP" altLang="en-US" smtClean="0"/>
-              <a:t>2021/10/26</a:t>
+              <a:t>2021/10/27</a:t>
             </a:fld>
             <a:endParaRPr kumimoji="1" lang="ja-JP" altLang="en-US"/>
           </a:p>
@@ -4519,7 +4615,7 @@
           <a:p>
             <a:fld id="{B7A9E6E2-B76B-4A52-A6F0-ACEBCE4FA12A}" type="datetime1">
               <a:rPr kumimoji="1" lang="ja-JP" altLang="en-US" smtClean="0"/>
-              <a:t>2021/10/26</a:t>
+              <a:t>2021/10/27</a:t>
             </a:fld>
             <a:endParaRPr kumimoji="1" lang="ja-JP" altLang="en-US"/>
           </a:p>
@@ -4872,7 +4968,7 @@
           <a:p>
             <a:fld id="{AD83D526-8AD9-4B55-AC58-BD7F3E936D36}" type="datetime1">
               <a:rPr kumimoji="1" lang="ja-JP" altLang="en-US" smtClean="0"/>
-              <a:t>2021/10/26</a:t>
+              <a:t>2021/10/27</a:t>
             </a:fld>
             <a:endParaRPr kumimoji="1" lang="ja-JP" altLang="en-US"/>
           </a:p>
@@ -5121,7 +5217,7 @@
           <a:p>
             <a:fld id="{53ECF90A-6607-4B56-820D-3380017EB1B1}" type="datetime1">
               <a:rPr kumimoji="1" lang="ja-JP" altLang="en-US" smtClean="0"/>
-              <a:t>2021/10/26</a:t>
+              <a:t>2021/10/27</a:t>
             </a:fld>
             <a:endParaRPr kumimoji="1" lang="ja-JP" altLang="en-US"/>
           </a:p>
@@ -34399,7 +34495,7 @@
           <p:nvPr>
             <p:extLst>
               <p:ext uri="{D42A27DB-BD31-4B8C-83A1-F6EECF244321}">
-                <p14:modId xmlns:p14="http://schemas.microsoft.com/office/powerpoint/2010/main" val="2338292694"/>
+                <p14:modId xmlns:p14="http://schemas.microsoft.com/office/powerpoint/2010/main" val="3374664677"/>
               </p:ext>
             </p:extLst>
           </p:nvPr>
@@ -34565,8 +34661,8 @@
                     <a:lstStyle/>
                     <a:p>
                       <a:r>
-                        <a:rPr kumimoji="1" lang="en-US" altLang="ja-JP" dirty="0" smtClean="0"/>
-                        <a:t>×</a:t>
+                        <a:rPr kumimoji="1" lang="ja-JP" altLang="en-US" dirty="0" smtClean="0"/>
+                        <a:t>〇</a:t>
                       </a:r>
                       <a:endParaRPr kumimoji="1" lang="ja-JP" altLang="en-US" dirty="0"/>
                     </a:p>
@@ -35221,8 +35317,8 @@
                     <a:lstStyle/>
                     <a:p>
                       <a:r>
-                        <a:rPr kumimoji="1" lang="en-US" altLang="ja-JP" dirty="0" smtClean="0"/>
-                        <a:t>×</a:t>
+                        <a:rPr kumimoji="1" lang="ja-JP" altLang="en-US" dirty="0" smtClean="0"/>
+                        <a:t>〇</a:t>
                       </a:r>
                       <a:endParaRPr kumimoji="1" lang="ja-JP" altLang="en-US" dirty="0"/>
                     </a:p>
@@ -39120,12 +39216,6 @@
 </file>
 
 <file path=customXml/item1.xml><?xml version="1.0" encoding="utf-8"?>
-<p:properties xmlns:p="http://schemas.microsoft.com/office/2006/metadata/properties" xmlns:xsi="http://www.w3.org/2001/XMLSchema-instance" xmlns:pc="http://schemas.microsoft.com/office/infopath/2007/PartnerControls">
-  <documentManagement/>
-</p:properties>
-</file>
-
-<file path=customXml/item2.xml><?xml version="1.0" encoding="utf-8"?>
 <?mso-contentType ?>
 <FormTemplates xmlns="http://schemas.microsoft.com/sharepoint/v3/contenttype/forms">
   <Display>DocumentLibraryForm</Display>
@@ -39134,7 +39224,7 @@
 </FormTemplates>
 </file>
 
-<file path=customXml/item3.xml><?xml version="1.0" encoding="utf-8"?>
+<file path=customXml/item2.xml><?xml version="1.0" encoding="utf-8"?>
 <ct:contentTypeSchema xmlns:ct="http://schemas.microsoft.com/office/2006/metadata/contentType" xmlns:ma="http://schemas.microsoft.com/office/2006/metadata/properties/metaAttributes" ct:_="" ma:_="" ma:contentTypeName="ドキュメント" ma:contentTypeID="0x010100BB83E17D17FF644F9FFD9A99A2009573" ma:contentTypeVersion="8" ma:contentTypeDescription="新しいドキュメントを作成します。" ma:contentTypeScope="" ma:versionID="2fb67b2ca1a82775ba3d00c8d594b1cb">
   <xsd:schema xmlns:xsd="http://www.w3.org/2001/XMLSchema" xmlns:xs="http://www.w3.org/2001/XMLSchema" xmlns:p="http://schemas.microsoft.com/office/2006/metadata/properties" xmlns:ns2="a2bc6c6f-a0bb-4b84-b757-6fa3eba60e2e" targetNamespace="http://schemas.microsoft.com/office/2006/metadata/properties" ma:root="true" ma:fieldsID="61dd9ca9327f0199f66cbe698a9d8b1e" ns2:_="">
     <xsd:import namespace="a2bc6c6f-a0bb-4b84-b757-6fa3eba60e2e"/>
@@ -39304,16 +39394,13 @@
 </ct:contentTypeSchema>
 </file>
 
-<file path=customXml/itemProps1.xml><?xml version="1.0" encoding="utf-8"?>
-<ds:datastoreItem xmlns:ds="http://schemas.openxmlformats.org/officeDocument/2006/customXml" ds:itemID="{89A7A39C-1D4C-435F-92CE-7B41D6101916}">
-  <ds:schemaRefs>
-    <ds:schemaRef ds:uri="http://schemas.microsoft.com/office/2006/metadata/properties"/>
-    <ds:schemaRef ds:uri="http://schemas.microsoft.com/office/infopath/2007/PartnerControls"/>
-  </ds:schemaRefs>
-</ds:datastoreItem>
+<file path=customXml/item3.xml><?xml version="1.0" encoding="utf-8"?>
+<p:properties xmlns:p="http://schemas.microsoft.com/office/2006/metadata/properties" xmlns:xsi="http://www.w3.org/2001/XMLSchema-instance" xmlns:pc="http://schemas.microsoft.com/office/infopath/2007/PartnerControls">
+  <documentManagement/>
+</p:properties>
 </file>
 
-<file path=customXml/itemProps2.xml><?xml version="1.0" encoding="utf-8"?>
+<file path=customXml/itemProps1.xml><?xml version="1.0" encoding="utf-8"?>
 <ds:datastoreItem xmlns:ds="http://schemas.openxmlformats.org/officeDocument/2006/customXml" ds:itemID="{244CD9D7-E214-4473-8806-C93D215B9651}">
   <ds:schemaRefs>
     <ds:schemaRef ds:uri="http://schemas.microsoft.com/sharepoint/v3/contenttype/forms"/>
@@ -39321,7 +39408,7 @@
 </ds:datastoreItem>
 </file>
 
-<file path=customXml/itemProps3.xml><?xml version="1.0" encoding="utf-8"?>
+<file path=customXml/itemProps2.xml><?xml version="1.0" encoding="utf-8"?>
 <ds:datastoreItem xmlns:ds="http://schemas.openxmlformats.org/officeDocument/2006/customXml" ds:itemID="{90297BE2-5AC6-4801-8903-2378BD7DB9C2}">
   <ds:schemaRefs>
     <ds:schemaRef ds:uri="http://schemas.microsoft.com/office/2006/metadata/contentType"/>
@@ -39337,4 +39424,13 @@
     <ds:schemaRef ds:uri="http://schemas.microsoft.com/internal/obd"/>
   </ds:schemaRefs>
 </ds:datastoreItem>
+</file>
+
+<file path=customXml/itemProps3.xml><?xml version="1.0" encoding="utf-8"?>
+<ds:datastoreItem xmlns:ds="http://schemas.openxmlformats.org/officeDocument/2006/customXml" ds:itemID="{89A7A39C-1D4C-435F-92CE-7B41D6101916}">
+  <ds:schemaRefs>
+    <ds:schemaRef ds:uri="http://schemas.microsoft.com/office/2006/metadata/properties"/>
+    <ds:schemaRef ds:uri="http://schemas.microsoft.com/office/infopath/2007/PartnerControls"/>
+  </ds:schemaRefs>
+</ds:datastoreItem>
 </file>